--- a/TimeSchedule.pptx
+++ b/TimeSchedule.pptx
@@ -104,6 +104,11 @@
       </a:defRPr>
     </a:lvl9pPr>
   </p:defaultTextStyle>
+  <p:extLst>
+    <p:ext uri="{EFAFB233-063F-42B5-8137-9DF3F51BA10A}">
+      <p15:sldGuideLst xmlns:p15="http://schemas.microsoft.com/office/powerpoint/2012/main"/>
+    </p:ext>
+  </p:extLst>
 </p:presentation>
 </file>
 
@@ -238,7 +243,7 @@
           <a:p>
             <a:fld id="{0A6F1CA1-7118-4EB2-981D-B5E6A1303891}" type="datetimeFigureOut">
               <a:rPr lang="de-CH" smtClean="0"/>
-              <a:t>14.04.2016</a:t>
+              <a:t>18.04.2016</a:t>
             </a:fld>
             <a:endParaRPr lang="de-CH"/>
           </a:p>
@@ -408,7 +413,7 @@
           <a:p>
             <a:fld id="{0A6F1CA1-7118-4EB2-981D-B5E6A1303891}" type="datetimeFigureOut">
               <a:rPr lang="de-CH" smtClean="0"/>
-              <a:t>14.04.2016</a:t>
+              <a:t>18.04.2016</a:t>
             </a:fld>
             <a:endParaRPr lang="de-CH"/>
           </a:p>
@@ -588,7 +593,7 @@
           <a:p>
             <a:fld id="{0A6F1CA1-7118-4EB2-981D-B5E6A1303891}" type="datetimeFigureOut">
               <a:rPr lang="de-CH" smtClean="0"/>
-              <a:t>14.04.2016</a:t>
+              <a:t>18.04.2016</a:t>
             </a:fld>
             <a:endParaRPr lang="de-CH"/>
           </a:p>
@@ -758,7 +763,7 @@
           <a:p>
             <a:fld id="{0A6F1CA1-7118-4EB2-981D-B5E6A1303891}" type="datetimeFigureOut">
               <a:rPr lang="de-CH" smtClean="0"/>
-              <a:t>14.04.2016</a:t>
+              <a:t>18.04.2016</a:t>
             </a:fld>
             <a:endParaRPr lang="de-CH"/>
           </a:p>
@@ -1004,7 +1009,7 @@
           <a:p>
             <a:fld id="{0A6F1CA1-7118-4EB2-981D-B5E6A1303891}" type="datetimeFigureOut">
               <a:rPr lang="de-CH" smtClean="0"/>
-              <a:t>14.04.2016</a:t>
+              <a:t>18.04.2016</a:t>
             </a:fld>
             <a:endParaRPr lang="de-CH"/>
           </a:p>
@@ -1236,7 +1241,7 @@
           <a:p>
             <a:fld id="{0A6F1CA1-7118-4EB2-981D-B5E6A1303891}" type="datetimeFigureOut">
               <a:rPr lang="de-CH" smtClean="0"/>
-              <a:t>14.04.2016</a:t>
+              <a:t>18.04.2016</a:t>
             </a:fld>
             <a:endParaRPr lang="de-CH"/>
           </a:p>
@@ -1603,7 +1608,7 @@
           <a:p>
             <a:fld id="{0A6F1CA1-7118-4EB2-981D-B5E6A1303891}" type="datetimeFigureOut">
               <a:rPr lang="de-CH" smtClean="0"/>
-              <a:t>14.04.2016</a:t>
+              <a:t>18.04.2016</a:t>
             </a:fld>
             <a:endParaRPr lang="de-CH"/>
           </a:p>
@@ -1721,7 +1726,7 @@
           <a:p>
             <a:fld id="{0A6F1CA1-7118-4EB2-981D-B5E6A1303891}" type="datetimeFigureOut">
               <a:rPr lang="de-CH" smtClean="0"/>
-              <a:t>14.04.2016</a:t>
+              <a:t>18.04.2016</a:t>
             </a:fld>
             <a:endParaRPr lang="de-CH"/>
           </a:p>
@@ -1816,7 +1821,7 @@
           <a:p>
             <a:fld id="{0A6F1CA1-7118-4EB2-981D-B5E6A1303891}" type="datetimeFigureOut">
               <a:rPr lang="de-CH" smtClean="0"/>
-              <a:t>14.04.2016</a:t>
+              <a:t>18.04.2016</a:t>
             </a:fld>
             <a:endParaRPr lang="de-CH"/>
           </a:p>
@@ -2093,7 +2098,7 @@
           <a:p>
             <a:fld id="{0A6F1CA1-7118-4EB2-981D-B5E6A1303891}" type="datetimeFigureOut">
               <a:rPr lang="de-CH" smtClean="0"/>
-              <a:t>14.04.2016</a:t>
+              <a:t>18.04.2016</a:t>
             </a:fld>
             <a:endParaRPr lang="de-CH"/>
           </a:p>
@@ -2346,7 +2351,7 @@
           <a:p>
             <a:fld id="{0A6F1CA1-7118-4EB2-981D-B5E6A1303891}" type="datetimeFigureOut">
               <a:rPr lang="de-CH" smtClean="0"/>
-              <a:t>14.04.2016</a:t>
+              <a:t>18.04.2016</a:t>
             </a:fld>
             <a:endParaRPr lang="de-CH"/>
           </a:p>
@@ -2559,7 +2564,7 @@
           <a:p>
             <a:fld id="{0A6F1CA1-7118-4EB2-981D-B5E6A1303891}" type="datetimeFigureOut">
               <a:rPr lang="de-CH" smtClean="0"/>
-              <a:t>14.04.2016</a:t>
+              <a:t>18.04.2016</a:t>
             </a:fld>
             <a:endParaRPr lang="de-CH"/>
           </a:p>
@@ -2973,14 +2978,14 @@
           <p:nvPr>
             <p:extLst>
               <p:ext uri="{D42A27DB-BD31-4B8C-83A1-F6EECF244321}">
-                <p14:modId xmlns:p14="http://schemas.microsoft.com/office/powerpoint/2010/main" val="235964976"/>
+                <p14:modId xmlns:p14="http://schemas.microsoft.com/office/powerpoint/2010/main" val="1622667082"/>
               </p:ext>
             </p:extLst>
           </p:nvPr>
         </p:nvGraphicFramePr>
         <p:xfrm>
           <a:off x="2026745" y="872065"/>
-          <a:ext cx="5689600" cy="2733040"/>
+          <a:ext cx="4978400" cy="3103880"/>
         </p:xfrm>
         <a:graphic>
           <a:graphicData uri="http://schemas.openxmlformats.org/drawingml/2006/table">
@@ -3003,8 +3008,6 @@
                 <a:gridCol w="355600"/>
                 <a:gridCol w="355600"/>
                 <a:gridCol w="355600"/>
-                <a:gridCol w="355600"/>
-                <a:gridCol w="355600"/>
               </a:tblGrid>
               <a:tr h="0">
                 <a:tc>
@@ -3199,6 +3202,142 @@
                       <a:headEnd type="none" w="med" len="med"/>
                       <a:tailEnd type="none" w="med" len="med"/>
                     </a:lnT>
+                    <a:lnB w="12700" cap="flat" cmpd="sng" algn="ctr">
+                      <a:solidFill>
+                        <a:schemeClr val="accent6">
+                          <a:lumMod val="75000"/>
+                        </a:schemeClr>
+                      </a:solidFill>
+                      <a:prstDash val="solid"/>
+                      <a:round/>
+                      <a:headEnd type="none" w="med" len="med"/>
+                      <a:tailEnd type="none" w="med" len="med"/>
+                    </a:lnB>
+                    <a:lnTlToBr w="12700" cmpd="sng">
+                      <a:noFill/>
+                      <a:prstDash val="solid"/>
+                    </a:lnTlToBr>
+                    <a:lnBlToTr w="12700" cmpd="sng">
+                      <a:noFill/>
+                      <a:prstDash val="solid"/>
+                    </a:lnBlToTr>
+                    <a:noFill/>
+                  </a:tcPr>
+                </a:tc>
+                <a:tc hMerge="1">
+                  <a:txBody>
+                    <a:bodyPr/>
+                    <a:lstStyle/>
+                    <a:p>
+                      <a:endParaRPr lang="de-CH"/>
+                    </a:p>
+                  </a:txBody>
+                  <a:tcPr/>
+                </a:tc>
+                <a:tc gridSpan="2">
+                  <a:txBody>
+                    <a:bodyPr/>
+                    <a:lstStyle/>
+                    <a:p>
+                      <a:endParaRPr lang="de-CH" sz="100" dirty="0"/>
+                    </a:p>
+                  </a:txBody>
+                  <a:tcPr>
+                    <a:lnL w="12700" cap="flat" cmpd="sng" algn="ctr">
+                      <a:solidFill>
+                        <a:schemeClr val="tx1"/>
+                      </a:solidFill>
+                      <a:prstDash val="sysDash"/>
+                      <a:round/>
+                      <a:headEnd type="none" w="med" len="med"/>
+                      <a:tailEnd type="none" w="med" len="med"/>
+                    </a:lnL>
+                    <a:lnR w="12700" cap="flat" cmpd="sng" algn="ctr">
+                      <a:solidFill>
+                        <a:schemeClr val="tx1"/>
+                      </a:solidFill>
+                      <a:prstDash val="sysDash"/>
+                      <a:round/>
+                      <a:headEnd type="none" w="med" len="med"/>
+                      <a:tailEnd type="none" w="med" len="med"/>
+                    </a:lnR>
+                    <a:lnT w="12700" cap="flat" cmpd="sng" algn="ctr">
+                      <a:solidFill>
+                        <a:schemeClr val="tx1"/>
+                      </a:solidFill>
+                      <a:prstDash val="solid"/>
+                      <a:round/>
+                      <a:headEnd type="none" w="med" len="med"/>
+                      <a:tailEnd type="none" w="med" len="med"/>
+                    </a:lnT>
+                    <a:lnB w="12700" cap="flat" cmpd="sng" algn="ctr">
+                      <a:solidFill>
+                        <a:schemeClr val="accent6">
+                          <a:lumMod val="75000"/>
+                        </a:schemeClr>
+                      </a:solidFill>
+                      <a:prstDash val="solid"/>
+                      <a:round/>
+                      <a:headEnd type="none" w="med" len="med"/>
+                      <a:tailEnd type="none" w="med" len="med"/>
+                    </a:lnB>
+                    <a:lnTlToBr w="12700" cmpd="sng">
+                      <a:noFill/>
+                      <a:prstDash val="solid"/>
+                    </a:lnTlToBr>
+                    <a:lnBlToTr w="12700" cmpd="sng">
+                      <a:noFill/>
+                      <a:prstDash val="solid"/>
+                    </a:lnBlToTr>
+                    <a:noFill/>
+                  </a:tcPr>
+                </a:tc>
+                <a:tc hMerge="1">
+                  <a:txBody>
+                    <a:bodyPr/>
+                    <a:lstStyle/>
+                    <a:p>
+                      <a:endParaRPr lang="de-CH"/>
+                    </a:p>
+                  </a:txBody>
+                  <a:tcPr/>
+                </a:tc>
+                <a:tc gridSpan="2">
+                  <a:txBody>
+                    <a:bodyPr/>
+                    <a:lstStyle/>
+                    <a:p>
+                      <a:endParaRPr lang="de-CH" sz="100" dirty="0"/>
+                    </a:p>
+                  </a:txBody>
+                  <a:tcPr>
+                    <a:lnL w="12700" cap="flat" cmpd="sng" algn="ctr">
+                      <a:solidFill>
+                        <a:schemeClr val="tx1"/>
+                      </a:solidFill>
+                      <a:prstDash val="sysDash"/>
+                      <a:round/>
+                      <a:headEnd type="none" w="med" len="med"/>
+                      <a:tailEnd type="none" w="med" len="med"/>
+                    </a:lnL>
+                    <a:lnR w="12700" cap="flat" cmpd="sng" algn="ctr">
+                      <a:solidFill>
+                        <a:schemeClr val="tx1"/>
+                      </a:solidFill>
+                      <a:prstDash val="sysDash"/>
+                      <a:round/>
+                      <a:headEnd type="none" w="med" len="med"/>
+                      <a:tailEnd type="none" w="med" len="med"/>
+                    </a:lnR>
+                    <a:lnT w="12700" cap="flat" cmpd="sng" algn="ctr">
+                      <a:solidFill>
+                        <a:schemeClr val="tx1"/>
+                      </a:solidFill>
+                      <a:prstDash val="solid"/>
+                      <a:round/>
+                      <a:headEnd type="none" w="med" len="med"/>
+                      <a:tailEnd type="none" w="med" len="med"/>
+                    </a:lnT>
                     <a:lnB w="38100" cmpd="sng">
                       <a:noFill/>
                     </a:lnB>
@@ -3245,7 +3384,7 @@
                       <a:solidFill>
                         <a:schemeClr val="tx1"/>
                       </a:solidFill>
-                      <a:prstDash val="sysDash"/>
+                      <a:prstDash val="solid"/>
                       <a:round/>
                       <a:headEnd type="none" w="med" len="med"/>
                       <a:tailEnd type="none" w="med" len="med"/>
@@ -3296,194 +3435,14 @@
                       <a:solidFill>
                         <a:schemeClr val="tx1"/>
                       </a:solidFill>
-                      <a:prstDash val="sysDash"/>
-                      <a:round/>
-                      <a:headEnd type="none" w="med" len="med"/>
-                      <a:tailEnd type="none" w="med" len="med"/>
-                    </a:lnL>
-                    <a:lnR w="12700" cap="flat" cmpd="sng" algn="ctr">
-                      <a:solidFill>
-                        <a:schemeClr val="tx1"/>
-                      </a:solidFill>
-                      <a:prstDash val="sysDash"/>
-                      <a:round/>
-                      <a:headEnd type="none" w="med" len="med"/>
-                      <a:tailEnd type="none" w="med" len="med"/>
-                    </a:lnR>
-                    <a:lnT w="12700" cap="flat" cmpd="sng" algn="ctr">
-                      <a:solidFill>
-                        <a:schemeClr val="tx1"/>
-                      </a:solidFill>
-                      <a:prstDash val="solid"/>
-                      <a:round/>
-                      <a:headEnd type="none" w="med" len="med"/>
-                      <a:tailEnd type="none" w="med" len="med"/>
-                    </a:lnT>
-                    <a:lnB w="38100" cmpd="sng">
-                      <a:noFill/>
-                    </a:lnB>
-                    <a:lnTlToBr w="12700" cmpd="sng">
-                      <a:noFill/>
-                      <a:prstDash val="solid"/>
-                    </a:lnTlToBr>
-                    <a:lnBlToTr w="12700" cmpd="sng">
-                      <a:noFill/>
-                      <a:prstDash val="solid"/>
-                    </a:lnBlToTr>
-                    <a:noFill/>
-                  </a:tcPr>
-                </a:tc>
-                <a:tc hMerge="1">
-                  <a:txBody>
-                    <a:bodyPr/>
-                    <a:lstStyle/>
-                    <a:p>
-                      <a:endParaRPr lang="de-CH"/>
-                    </a:p>
-                  </a:txBody>
-                  <a:tcPr/>
-                </a:tc>
-                <a:tc gridSpan="2">
-                  <a:txBody>
-                    <a:bodyPr/>
-                    <a:lstStyle/>
-                    <a:p>
-                      <a:endParaRPr lang="de-CH" sz="100" dirty="0"/>
-                    </a:p>
-                  </a:txBody>
-                  <a:tcPr>
-                    <a:lnL w="12700" cap="flat" cmpd="sng" algn="ctr">
-                      <a:solidFill>
-                        <a:schemeClr val="tx1"/>
-                      </a:solidFill>
-                      <a:prstDash val="sysDash"/>
-                      <a:round/>
-                      <a:headEnd type="none" w="med" len="med"/>
-                      <a:tailEnd type="none" w="med" len="med"/>
-                    </a:lnL>
-                    <a:lnR w="12700" cap="flat" cmpd="sng" algn="ctr">
-                      <a:solidFill>
-                        <a:schemeClr val="tx1"/>
-                      </a:solidFill>
-                      <a:prstDash val="sysDash"/>
-                      <a:round/>
-                      <a:headEnd type="none" w="med" len="med"/>
-                      <a:tailEnd type="none" w="med" len="med"/>
-                    </a:lnR>
-                    <a:lnT w="12700" cap="flat" cmpd="sng" algn="ctr">
-                      <a:solidFill>
-                        <a:schemeClr val="tx1"/>
-                      </a:solidFill>
-                      <a:prstDash val="solid"/>
-                      <a:round/>
-                      <a:headEnd type="none" w="med" len="med"/>
-                      <a:tailEnd type="none" w="med" len="med"/>
-                    </a:lnT>
-                    <a:lnB w="38100" cmpd="sng">
-                      <a:noFill/>
-                    </a:lnB>
-                    <a:lnTlToBr w="12700" cmpd="sng">
-                      <a:noFill/>
-                      <a:prstDash val="solid"/>
-                    </a:lnTlToBr>
-                    <a:lnBlToTr w="12700" cmpd="sng">
-                      <a:noFill/>
-                      <a:prstDash val="solid"/>
-                    </a:lnBlToTr>
-                    <a:noFill/>
-                  </a:tcPr>
-                </a:tc>
-                <a:tc hMerge="1">
-                  <a:txBody>
-                    <a:bodyPr/>
-                    <a:lstStyle/>
-                    <a:p>
-                      <a:endParaRPr lang="de-CH"/>
-                    </a:p>
-                  </a:txBody>
-                  <a:tcPr/>
-                </a:tc>
-                <a:tc gridSpan="2">
-                  <a:txBody>
-                    <a:bodyPr/>
-                    <a:lstStyle/>
-                    <a:p>
-                      <a:endParaRPr lang="de-CH" sz="100" dirty="0"/>
-                    </a:p>
-                  </a:txBody>
-                  <a:tcPr>
-                    <a:lnL w="12700" cap="flat" cmpd="sng" algn="ctr">
-                      <a:solidFill>
-                        <a:schemeClr val="tx1"/>
-                      </a:solidFill>
-                      <a:prstDash val="sysDash"/>
-                      <a:round/>
-                      <a:headEnd type="none" w="med" len="med"/>
-                      <a:tailEnd type="none" w="med" len="med"/>
-                    </a:lnL>
-                    <a:lnR w="12700" cap="flat" cmpd="sng" algn="ctr">
-                      <a:solidFill>
-                        <a:schemeClr val="tx1"/>
-                      </a:solidFill>
-                      <a:prstDash val="solid"/>
-                      <a:round/>
-                      <a:headEnd type="none" w="med" len="med"/>
-                      <a:tailEnd type="none" w="med" len="med"/>
-                    </a:lnR>
-                    <a:lnT w="12700" cap="flat" cmpd="sng" algn="ctr">
-                      <a:solidFill>
-                        <a:schemeClr val="tx1"/>
-                      </a:solidFill>
-                      <a:prstDash val="solid"/>
-                      <a:round/>
-                      <a:headEnd type="none" w="med" len="med"/>
-                      <a:tailEnd type="none" w="med" len="med"/>
-                    </a:lnT>
-                    <a:lnB w="38100" cmpd="sng">
-                      <a:noFill/>
-                    </a:lnB>
-                    <a:lnTlToBr w="12700" cmpd="sng">
-                      <a:noFill/>
-                      <a:prstDash val="solid"/>
-                    </a:lnTlToBr>
-                    <a:lnBlToTr w="12700" cmpd="sng">
-                      <a:noFill/>
-                      <a:prstDash val="solid"/>
-                    </a:lnBlToTr>
-                    <a:noFill/>
-                  </a:tcPr>
-                </a:tc>
-                <a:tc hMerge="1">
-                  <a:txBody>
-                    <a:bodyPr/>
-                    <a:lstStyle/>
-                    <a:p>
-                      <a:endParaRPr lang="de-CH"/>
-                    </a:p>
-                  </a:txBody>
-                  <a:tcPr/>
-                </a:tc>
-                <a:tc gridSpan="2">
-                  <a:txBody>
-                    <a:bodyPr/>
-                    <a:lstStyle/>
-                    <a:p>
-                      <a:endParaRPr lang="de-CH" sz="100" dirty="0"/>
-                    </a:p>
-                  </a:txBody>
-                  <a:tcPr>
-                    <a:lnL w="12700" cap="flat" cmpd="sng" algn="ctr">
-                      <a:solidFill>
-                        <a:schemeClr val="tx1"/>
-                      </a:solidFill>
-                      <a:prstDash val="solid"/>
-                      <a:round/>
-                      <a:headEnd type="none" w="med" len="med"/>
-                      <a:tailEnd type="none" w="med" len="med"/>
-                    </a:lnL>
-                    <a:lnR w="12700" cap="flat" cmpd="sng" algn="ctr">
-                      <a:noFill/>
-                      <a:prstDash val="sysDash"/>
+                      <a:prstDash val="solid"/>
+                      <a:round/>
+                      <a:headEnd type="none" w="med" len="med"/>
+                      <a:tailEnd type="none" w="med" len="med"/>
+                    </a:lnL>
+                    <a:lnR w="12700" cap="flat" cmpd="sng" algn="ctr">
+                      <a:noFill/>
+                      <a:prstDash val="solid"/>
                       <a:round/>
                       <a:headEnd type="none" w="med" len="med"/>
                       <a:tailEnd type="none" w="med" len="med"/>
@@ -3529,7 +3488,19 @@
                       <a:pPr algn="ctr"/>
                       <a:r>
                         <a:rPr lang="de-CH" sz="1000" dirty="0" err="1" smtClean="0"/>
-                        <a:t>Tractography</a:t>
+                        <a:t>Adapt</a:t>
+                      </a:r>
+                      <a:r>
+                        <a:rPr lang="de-CH" sz="1000" dirty="0" smtClean="0"/>
+                        <a:t>. </a:t>
+                      </a:r>
+                      <a:r>
+                        <a:rPr lang="de-CH" sz="1000" dirty="0" err="1" smtClean="0"/>
+                        <a:t>Tract</a:t>
+                      </a:r>
+                      <a:r>
+                        <a:rPr lang="de-CH" sz="1000" dirty="0" smtClean="0"/>
+                        <a:t>.</a:t>
                       </a:r>
                       <a:endParaRPr lang="de-CH" sz="1000" dirty="0"/>
                     </a:p>
@@ -3687,7 +3658,7 @@
                   </a:txBody>
                   <a:tcPr/>
                 </a:tc>
-                <a:tc>
+                <a:tc gridSpan="3">
                   <a:txBody>
                     <a:bodyPr/>
                     <a:lstStyle/>
@@ -3706,59 +3677,37 @@
                       <a:tailEnd type="none" w="med" len="med"/>
                     </a:lnL>
                     <a:lnR w="12700" cap="flat" cmpd="sng" algn="ctr">
-                      <a:noFill/>
-                      <a:prstDash val="sysDash"/>
-                      <a:round/>
-                      <a:headEnd type="none" w="med" len="med"/>
-                      <a:tailEnd type="none" w="med" len="med"/>
-                    </a:lnR>
-                    <a:lnT w="38100" cmpd="sng">
-                      <a:noFill/>
-                    </a:lnT>
-                    <a:lnB w="12700" cmpd="sng">
-                      <a:noFill/>
-                    </a:lnB>
-                    <a:lnTlToBr w="12700" cmpd="sng">
-                      <a:noFill/>
-                      <a:prstDash val="solid"/>
-                    </a:lnTlToBr>
-                    <a:lnBlToTr w="12700" cmpd="sng">
-                      <a:noFill/>
-                      <a:prstDash val="solid"/>
-                    </a:lnBlToTr>
-                    <a:noFill/>
-                  </a:tcPr>
-                </a:tc>
-                <a:tc>
-                  <a:txBody>
-                    <a:bodyPr/>
-                    <a:lstStyle/>
-                    <a:p>
-                      <a:endParaRPr lang="de-CH" dirty="0"/>
-                    </a:p>
-                  </a:txBody>
-                  <a:tcPr>
-                    <a:lnL w="12700" cap="flat" cmpd="sng" algn="ctr">
-                      <a:noFill/>
-                      <a:prstDash val="sysDash"/>
-                      <a:round/>
-                      <a:headEnd type="none" w="med" len="med"/>
-                      <a:tailEnd type="none" w="med" len="med"/>
-                    </a:lnL>
-                    <a:lnR w="12700" cap="flat" cmpd="sng" algn="ctr">
-                      <a:solidFill>
-                        <a:schemeClr val="tx1"/>
-                      </a:solidFill>
-                      <a:prstDash val="sysDash"/>
-                      <a:round/>
-                      <a:headEnd type="none" w="med" len="med"/>
-                      <a:tailEnd type="none" w="med" len="med"/>
-                    </a:lnR>
-                    <a:lnT w="38100" cmpd="sng">
-                      <a:noFill/>
-                    </a:lnT>
-                    <a:lnB w="12700" cmpd="sng">
-                      <a:noFill/>
+                      <a:solidFill>
+                        <a:schemeClr val="accent6">
+                          <a:lumMod val="75000"/>
+                        </a:schemeClr>
+                      </a:solidFill>
+                      <a:prstDash val="solid"/>
+                      <a:round/>
+                      <a:headEnd type="none" w="med" len="med"/>
+                      <a:tailEnd type="none" w="med" len="med"/>
+                    </a:lnR>
+                    <a:lnT w="12700" cap="flat" cmpd="sng" algn="ctr">
+                      <a:solidFill>
+                        <a:schemeClr val="accent6">
+                          <a:lumMod val="75000"/>
+                        </a:schemeClr>
+                      </a:solidFill>
+                      <a:prstDash val="solid"/>
+                      <a:round/>
+                      <a:headEnd type="none" w="med" len="med"/>
+                      <a:tailEnd type="none" w="med" len="med"/>
+                    </a:lnT>
+                    <a:lnB w="12700" cap="flat" cmpd="sng" algn="ctr">
+                      <a:solidFill>
+                        <a:schemeClr val="accent6">
+                          <a:lumMod val="75000"/>
+                        </a:schemeClr>
+                      </a:solidFill>
+                      <a:prstDash val="solid"/>
+                      <a:round/>
+                      <a:headEnd type="none" w="med" len="med"/>
+                      <a:tailEnd type="none" w="med" len="med"/>
                     </a:lnB>
                     <a:lnTlToBr w="12700" cmpd="sng">
                       <a:noFill/>
@@ -3776,7 +3725,7 @@
                     </a:solidFill>
                   </a:tcPr>
                 </a:tc>
-                <a:tc>
+                <a:tc hMerge="1">
                   <a:txBody>
                     <a:bodyPr/>
                     <a:lstStyle/>
@@ -3786,26 +3735,44 @@
                   </a:txBody>
                   <a:tcPr>
                     <a:lnL w="12700" cap="flat" cmpd="sng" algn="ctr">
-                      <a:solidFill>
-                        <a:schemeClr val="tx1"/>
-                      </a:solidFill>
-                      <a:prstDash val="sysDash"/>
-                      <a:round/>
-                      <a:headEnd type="none" w="med" len="med"/>
-                      <a:tailEnd type="none" w="med" len="med"/>
-                    </a:lnL>
-                    <a:lnR w="12700" cap="flat" cmpd="sng" algn="ctr">
-                      <a:noFill/>
-                      <a:prstDash val="sysDash"/>
-                      <a:round/>
-                      <a:headEnd type="none" w="med" len="med"/>
-                      <a:tailEnd type="none" w="med" len="med"/>
-                    </a:lnR>
-                    <a:lnT w="38100" cmpd="sng">
-                      <a:noFill/>
-                    </a:lnT>
-                    <a:lnB w="12700" cmpd="sng">
-                      <a:noFill/>
+                      <a:noFill/>
+                      <a:prstDash val="solid"/>
+                      <a:round/>
+                      <a:headEnd type="none" w="med" len="med"/>
+                      <a:tailEnd type="none" w="med" len="med"/>
+                    </a:lnL>
+                    <a:lnR w="12700" cap="flat" cmpd="sng" algn="ctr">
+                      <a:solidFill>
+                        <a:schemeClr val="accent6">
+                          <a:lumMod val="75000"/>
+                        </a:schemeClr>
+                      </a:solidFill>
+                      <a:prstDash val="solid"/>
+                      <a:round/>
+                      <a:headEnd type="none" w="med" len="med"/>
+                      <a:tailEnd type="none" w="med" len="med"/>
+                    </a:lnR>
+                    <a:lnT w="12700" cap="flat" cmpd="sng" algn="ctr">
+                      <a:solidFill>
+                        <a:schemeClr val="accent6">
+                          <a:lumMod val="75000"/>
+                        </a:schemeClr>
+                      </a:solidFill>
+                      <a:prstDash val="solid"/>
+                      <a:round/>
+                      <a:headEnd type="none" w="med" len="med"/>
+                      <a:tailEnd type="none" w="med" len="med"/>
+                    </a:lnT>
+                    <a:lnB w="12700" cap="flat" cmpd="sng" algn="ctr">
+                      <a:solidFill>
+                        <a:schemeClr val="accent6">
+                          <a:lumMod val="75000"/>
+                        </a:schemeClr>
+                      </a:solidFill>
+                      <a:prstDash val="solid"/>
+                      <a:round/>
+                      <a:headEnd type="none" w="med" len="med"/>
+                      <a:tailEnd type="none" w="med" len="med"/>
                     </a:lnB>
                     <a:lnTlToBr w="12700" cmpd="sng">
                       <a:noFill/>
@@ -3823,7 +3790,7 @@
                     </a:solidFill>
                   </a:tcPr>
                 </a:tc>
-                <a:tc>
+                <a:tc hMerge="1">
                   <a:txBody>
                     <a:bodyPr/>
                     <a:lstStyle/>
@@ -3841,356 +3808,9 @@
                     </a:lnL>
                     <a:lnR w="12700" cap="flat" cmpd="sng" algn="ctr">
                       <a:solidFill>
-                        <a:schemeClr val="tx1"/>
-                      </a:solidFill>
-                      <a:prstDash val="sysDash"/>
-                      <a:round/>
-                      <a:headEnd type="none" w="med" len="med"/>
-                      <a:tailEnd type="none" w="med" len="med"/>
-                    </a:lnR>
-                    <a:lnT w="38100" cmpd="sng">
-                      <a:noFill/>
-                    </a:lnT>
-                    <a:lnB w="12700" cmpd="sng">
-                      <a:noFill/>
-                    </a:lnB>
-                    <a:lnTlToBr w="12700" cmpd="sng">
-                      <a:noFill/>
-                      <a:prstDash val="solid"/>
-                    </a:lnTlToBr>
-                    <a:lnBlToTr w="12700" cmpd="sng">
-                      <a:noFill/>
-                      <a:prstDash val="solid"/>
-                    </a:lnBlToTr>
-                    <a:noFill/>
-                  </a:tcPr>
-                </a:tc>
-                <a:tc>
-                  <a:txBody>
-                    <a:bodyPr/>
-                    <a:lstStyle/>
-                    <a:p>
-                      <a:endParaRPr lang="de-CH" dirty="0"/>
-                    </a:p>
-                  </a:txBody>
-                  <a:tcPr>
-                    <a:lnL w="12700" cap="flat" cmpd="sng" algn="ctr">
-                      <a:solidFill>
-                        <a:schemeClr val="tx1"/>
-                      </a:solidFill>
-                      <a:prstDash val="sysDash"/>
-                      <a:round/>
-                      <a:headEnd type="none" w="med" len="med"/>
-                      <a:tailEnd type="none" w="med" len="med"/>
-                    </a:lnL>
-                    <a:lnR w="12700" cap="flat" cmpd="sng" algn="ctr">
-                      <a:noFill/>
-                      <a:prstDash val="sysDash"/>
-                      <a:round/>
-                      <a:headEnd type="none" w="med" len="med"/>
-                      <a:tailEnd type="none" w="med" len="med"/>
-                    </a:lnR>
-                    <a:lnT w="38100" cmpd="sng">
-                      <a:noFill/>
-                    </a:lnT>
-                    <a:lnB w="12700" cmpd="sng">
-                      <a:noFill/>
-                    </a:lnB>
-                    <a:lnTlToBr w="12700" cmpd="sng">
-                      <a:noFill/>
-                      <a:prstDash val="solid"/>
-                    </a:lnTlToBr>
-                    <a:lnBlToTr w="12700" cmpd="sng">
-                      <a:noFill/>
-                      <a:prstDash val="solid"/>
-                    </a:lnBlToTr>
-                    <a:noFill/>
-                  </a:tcPr>
-                </a:tc>
-                <a:tc>
-                  <a:txBody>
-                    <a:bodyPr/>
-                    <a:lstStyle/>
-                    <a:p>
-                      <a:endParaRPr lang="de-CH" dirty="0"/>
-                    </a:p>
-                  </a:txBody>
-                  <a:tcPr>
-                    <a:lnL w="12700" cap="flat" cmpd="sng" algn="ctr">
-                      <a:noFill/>
-                      <a:prstDash val="sysDash"/>
-                      <a:round/>
-                      <a:headEnd type="none" w="med" len="med"/>
-                      <a:tailEnd type="none" w="med" len="med"/>
-                    </a:lnL>
-                    <a:lnR w="12700" cap="flat" cmpd="sng" algn="ctr">
-                      <a:solidFill>
-                        <a:schemeClr val="tx1"/>
-                      </a:solidFill>
-                      <a:prstDash val="sysDash"/>
-                      <a:round/>
-                      <a:headEnd type="none" w="med" len="med"/>
-                      <a:tailEnd type="none" w="med" len="med"/>
-                    </a:lnR>
-                    <a:lnT w="38100" cmpd="sng">
-                      <a:noFill/>
-                    </a:lnT>
-                    <a:lnB w="12700" cmpd="sng">
-                      <a:noFill/>
-                    </a:lnB>
-                    <a:lnTlToBr w="12700" cmpd="sng">
-                      <a:noFill/>
-                      <a:prstDash val="solid"/>
-                    </a:lnTlToBr>
-                    <a:lnBlToTr w="12700" cmpd="sng">
-                      <a:noFill/>
-                      <a:prstDash val="solid"/>
-                    </a:lnBlToTr>
-                    <a:noFill/>
-                  </a:tcPr>
-                </a:tc>
-                <a:tc>
-                  <a:txBody>
-                    <a:bodyPr/>
-                    <a:lstStyle/>
-                    <a:p>
-                      <a:endParaRPr lang="de-CH" dirty="0"/>
-                    </a:p>
-                  </a:txBody>
-                  <a:tcPr>
-                    <a:lnL w="12700" cap="flat" cmpd="sng" algn="ctr">
-                      <a:solidFill>
-                        <a:schemeClr val="tx1"/>
-                      </a:solidFill>
-                      <a:prstDash val="sysDash"/>
-                      <a:round/>
-                      <a:headEnd type="none" w="med" len="med"/>
-                      <a:tailEnd type="none" w="med" len="med"/>
-                    </a:lnL>
-                    <a:lnR w="12700" cap="flat" cmpd="sng" algn="ctr">
-                      <a:noFill/>
-                      <a:prstDash val="sysDash"/>
-                      <a:round/>
-                      <a:headEnd type="none" w="med" len="med"/>
-                      <a:tailEnd type="none" w="med" len="med"/>
-                    </a:lnR>
-                    <a:lnT w="38100" cmpd="sng">
-                      <a:noFill/>
-                    </a:lnT>
-                    <a:lnB w="12700" cmpd="sng">
-                      <a:noFill/>
-                    </a:lnB>
-                    <a:lnTlToBr w="12700" cmpd="sng">
-                      <a:noFill/>
-                      <a:prstDash val="solid"/>
-                    </a:lnTlToBr>
-                    <a:lnBlToTr w="12700" cmpd="sng">
-                      <a:noFill/>
-                      <a:prstDash val="solid"/>
-                    </a:lnBlToTr>
-                    <a:noFill/>
-                  </a:tcPr>
-                </a:tc>
-                <a:tc>
-                  <a:txBody>
-                    <a:bodyPr/>
-                    <a:lstStyle/>
-                    <a:p>
-                      <a:endParaRPr lang="de-CH" dirty="0"/>
-                    </a:p>
-                  </a:txBody>
-                  <a:tcPr>
-                    <a:lnL w="12700" cap="flat" cmpd="sng" algn="ctr">
-                      <a:noFill/>
-                      <a:prstDash val="sysDash"/>
-                      <a:round/>
-                      <a:headEnd type="none" w="med" len="med"/>
-                      <a:tailEnd type="none" w="med" len="med"/>
-                    </a:lnL>
-                    <a:lnR w="12700" cap="flat" cmpd="sng" algn="ctr">
-                      <a:solidFill>
-                        <a:schemeClr val="tx1"/>
-                      </a:solidFill>
-                      <a:prstDash val="sysDash"/>
-                      <a:round/>
-                      <a:headEnd type="none" w="med" len="med"/>
-                      <a:tailEnd type="none" w="med" len="med"/>
-                    </a:lnR>
-                    <a:lnT w="38100" cmpd="sng">
-                      <a:noFill/>
-                    </a:lnT>
-                    <a:lnB w="12700" cmpd="sng">
-                      <a:noFill/>
-                    </a:lnB>
-                    <a:lnTlToBr w="12700" cmpd="sng">
-                      <a:noFill/>
-                      <a:prstDash val="solid"/>
-                    </a:lnTlToBr>
-                    <a:lnBlToTr w="12700" cmpd="sng">
-                      <a:noFill/>
-                      <a:prstDash val="solid"/>
-                    </a:lnBlToTr>
-                    <a:noFill/>
-                  </a:tcPr>
-                </a:tc>
-                <a:tc>
-                  <a:txBody>
-                    <a:bodyPr/>
-                    <a:lstStyle/>
-                    <a:p>
-                      <a:endParaRPr lang="de-CH" dirty="0"/>
-                    </a:p>
-                  </a:txBody>
-                  <a:tcPr>
-                    <a:lnL w="12700" cap="flat" cmpd="sng" algn="ctr">
-                      <a:solidFill>
-                        <a:schemeClr val="tx1"/>
-                      </a:solidFill>
-                      <a:prstDash val="sysDash"/>
-                      <a:round/>
-                      <a:headEnd type="none" w="med" len="med"/>
-                      <a:tailEnd type="none" w="med" len="med"/>
-                    </a:lnL>
-                    <a:lnR w="12700" cap="flat" cmpd="sng" algn="ctr">
-                      <a:noFill/>
-                      <a:prstDash val="sysDash"/>
-                      <a:round/>
-                      <a:headEnd type="none" w="med" len="med"/>
-                      <a:tailEnd type="none" w="med" len="med"/>
-                    </a:lnR>
-                    <a:lnT w="38100" cmpd="sng">
-                      <a:noFill/>
-                    </a:lnT>
-                    <a:lnB w="12700" cmpd="sng">
-                      <a:noFill/>
-                    </a:lnB>
-                    <a:lnTlToBr w="12700" cmpd="sng">
-                      <a:noFill/>
-                      <a:prstDash val="solid"/>
-                    </a:lnTlToBr>
-                    <a:lnBlToTr w="12700" cmpd="sng">
-                      <a:noFill/>
-                      <a:prstDash val="solid"/>
-                    </a:lnBlToTr>
-                    <a:noFill/>
-                  </a:tcPr>
-                </a:tc>
-                <a:tc>
-                  <a:txBody>
-                    <a:bodyPr/>
-                    <a:lstStyle/>
-                    <a:p>
-                      <a:endParaRPr lang="de-CH"/>
-                    </a:p>
-                  </a:txBody>
-                  <a:tcPr>
-                    <a:lnL w="12700" cap="flat" cmpd="sng" algn="ctr">
-                      <a:noFill/>
-                      <a:prstDash val="sysDash"/>
-                      <a:round/>
-                      <a:headEnd type="none" w="med" len="med"/>
-                      <a:tailEnd type="none" w="med" len="med"/>
-                    </a:lnL>
-                    <a:lnR w="12700" cap="flat" cmpd="sng" algn="ctr">
-                      <a:solidFill>
-                        <a:schemeClr val="tx1"/>
-                      </a:solidFill>
-                      <a:prstDash val="solid"/>
-                      <a:round/>
-                      <a:headEnd type="none" w="med" len="med"/>
-                      <a:tailEnd type="none" w="med" len="med"/>
-                    </a:lnR>
-                    <a:lnT w="38100" cmpd="sng">
-                      <a:noFill/>
-                    </a:lnT>
-                    <a:lnB w="12700" cmpd="sng">
-                      <a:noFill/>
-                    </a:lnB>
-                    <a:lnTlToBr w="12700" cmpd="sng">
-                      <a:noFill/>
-                      <a:prstDash val="solid"/>
-                    </a:lnTlToBr>
-                    <a:lnBlToTr w="12700" cmpd="sng">
-                      <a:noFill/>
-                      <a:prstDash val="solid"/>
-                    </a:lnBlToTr>
-                    <a:noFill/>
-                  </a:tcPr>
-                </a:tc>
-                <a:tc gridSpan="2">
-                  <a:txBody>
-                    <a:bodyPr/>
-                    <a:lstStyle/>
-                    <a:p>
-                      <a:endParaRPr lang="de-CH" dirty="0"/>
-                    </a:p>
-                  </a:txBody>
-                  <a:tcPr>
-                    <a:lnL w="12700" cap="flat" cmpd="sng" algn="ctr">
-                      <a:solidFill>
-                        <a:schemeClr val="tx1"/>
-                      </a:solidFill>
-                      <a:prstDash val="solid"/>
-                      <a:round/>
-                      <a:headEnd type="none" w="med" len="med"/>
-                      <a:tailEnd type="none" w="med" len="med"/>
-                    </a:lnL>
-                    <a:lnR w="12700" cap="flat" cmpd="sng" algn="ctr">
-                      <a:noFill/>
-                      <a:prstDash val="sysDash"/>
-                      <a:round/>
-                      <a:headEnd type="none" w="med" len="med"/>
-                      <a:tailEnd type="none" w="med" len="med"/>
-                    </a:lnR>
-                    <a:lnT w="38100" cmpd="sng">
-                      <a:noFill/>
-                    </a:lnT>
-                    <a:lnB w="12700" cmpd="sng">
-                      <a:noFill/>
-                    </a:lnB>
-                    <a:lnTlToBr w="12700" cmpd="sng">
-                      <a:noFill/>
-                      <a:prstDash val="solid"/>
-                    </a:lnTlToBr>
-                    <a:lnBlToTr w="12700" cmpd="sng">
-                      <a:noFill/>
-                      <a:prstDash val="solid"/>
-                    </a:lnBlToTr>
-                    <a:noFill/>
-                  </a:tcPr>
-                </a:tc>
-                <a:tc hMerge="1">
-                  <a:txBody>
-                    <a:bodyPr/>
-                    <a:lstStyle/>
-                    <a:p>
-                      <a:endParaRPr lang="de-CH"/>
-                    </a:p>
-                  </a:txBody>
-                  <a:tcPr/>
-                </a:tc>
-              </a:tr>
-              <a:tr h="370840">
-                <a:tc gridSpan="4">
-                  <a:txBody>
-                    <a:bodyPr/>
-                    <a:lstStyle/>
-                    <a:p>
-                      <a:pPr algn="ctr"/>
-                      <a:endParaRPr lang="de-CH" sz="1000" dirty="0"/>
-                    </a:p>
-                  </a:txBody>
-                  <a:tcPr anchor="ctr">
-                    <a:lnL w="12700" cap="flat" cmpd="sng" algn="ctr">
-                      <a:noFill/>
-                      <a:prstDash val="solid"/>
-                      <a:round/>
-                      <a:headEnd type="none" w="med" len="med"/>
-                      <a:tailEnd type="none" w="med" len="med"/>
-                    </a:lnL>
-                    <a:lnR w="12700" cap="flat" cmpd="sng" algn="ctr">
-                      <a:solidFill>
-                        <a:schemeClr val="tx1"/>
+                        <a:schemeClr val="accent6">
+                          <a:lumMod val="75000"/>
+                        </a:schemeClr>
                       </a:solidFill>
                       <a:prstDash val="solid"/>
                       <a:round/>
@@ -4198,243 +3818,26 @@
                       <a:tailEnd type="none" w="med" len="med"/>
                     </a:lnR>
                     <a:lnT w="12700" cap="flat" cmpd="sng" algn="ctr">
-                      <a:noFill/>
-                      <a:prstDash val="solid"/>
-                      <a:round/>
-                      <a:headEnd type="none" w="med" len="med"/>
-                      <a:tailEnd type="none" w="med" len="med"/>
-                    </a:lnT>
-                    <a:lnB w="12700" cmpd="sng">
-                      <a:noFill/>
-                    </a:lnB>
-                    <a:lnTlToBr w="12700" cmpd="sng">
-                      <a:noFill/>
-                      <a:prstDash val="solid"/>
-                    </a:lnTlToBr>
-                    <a:lnBlToTr w="12700" cmpd="sng">
-                      <a:noFill/>
-                      <a:prstDash val="solid"/>
-                    </a:lnBlToTr>
-                    <a:noFill/>
-                  </a:tcPr>
-                </a:tc>
-                <a:tc hMerge="1">
-                  <a:txBody>
-                    <a:bodyPr/>
-                    <a:lstStyle/>
-                    <a:p>
-                      <a:pPr algn="ctr"/>
-                      <a:endParaRPr lang="de-CH" sz="1000" dirty="0"/>
-                    </a:p>
-                  </a:txBody>
-                  <a:tcPr anchor="ctr">
-                    <a:lnL w="12700" cap="flat" cmpd="sng" algn="ctr">
-                      <a:noFill/>
-                      <a:prstDash val="solid"/>
-                      <a:round/>
-                      <a:headEnd type="none" w="med" len="med"/>
-                      <a:tailEnd type="none" w="med" len="med"/>
-                    </a:lnL>
-                    <a:lnR w="12700" cap="flat" cmpd="sng" algn="ctr">
-                      <a:solidFill>
-                        <a:schemeClr val="tx1"/>
-                      </a:solidFill>
-                      <a:prstDash val="solid"/>
-                      <a:round/>
-                      <a:headEnd type="none" w="med" len="med"/>
-                      <a:tailEnd type="none" w="med" len="med"/>
-                    </a:lnR>
-                    <a:lnT w="12700" cap="flat" cmpd="sng" algn="ctr">
-                      <a:noFill/>
-                      <a:prstDash val="solid"/>
-                      <a:round/>
-                      <a:headEnd type="none" w="med" len="med"/>
-                      <a:tailEnd type="none" w="med" len="med"/>
-                    </a:lnT>
-                    <a:lnB w="12700" cmpd="sng">
-                      <a:noFill/>
-                    </a:lnB>
-                    <a:lnTlToBr w="12700" cmpd="sng">
-                      <a:noFill/>
-                      <a:prstDash val="solid"/>
-                    </a:lnTlToBr>
-                    <a:lnBlToTr w="12700" cmpd="sng">
-                      <a:noFill/>
-                      <a:prstDash val="solid"/>
-                    </a:lnBlToTr>
-                    <a:noFill/>
-                  </a:tcPr>
-                </a:tc>
-                <a:tc hMerge="1">
-                  <a:txBody>
-                    <a:bodyPr/>
-                    <a:lstStyle/>
-                    <a:p>
-                      <a:endParaRPr lang="de-CH" dirty="0"/>
-                    </a:p>
-                  </a:txBody>
-                  <a:tcPr>
-                    <a:lnL w="12700" cap="flat" cmpd="sng" algn="ctr">
-                      <a:noFill/>
-                      <a:prstDash val="solid"/>
-                      <a:round/>
-                      <a:headEnd type="none" w="med" len="med"/>
-                      <a:tailEnd type="none" w="med" len="med"/>
-                    </a:lnL>
-                    <a:lnR w="12700" cap="flat" cmpd="sng" algn="ctr">
-                      <a:solidFill>
-                        <a:schemeClr val="tx1"/>
-                      </a:solidFill>
-                      <a:prstDash val="solid"/>
-                      <a:round/>
-                      <a:headEnd type="none" w="med" len="med"/>
-                      <a:tailEnd type="none" w="med" len="med"/>
-                    </a:lnR>
-                    <a:lnT w="12700" cap="flat" cmpd="sng" algn="ctr">
-                      <a:noFill/>
-                      <a:prstDash val="solid"/>
-                      <a:round/>
-                      <a:headEnd type="none" w="med" len="med"/>
-                      <a:tailEnd type="none" w="med" len="med"/>
-                    </a:lnT>
-                    <a:lnB w="12700" cmpd="sng">
-                      <a:noFill/>
-                    </a:lnB>
-                    <a:lnTlToBr w="12700" cmpd="sng">
-                      <a:noFill/>
-                      <a:prstDash val="solid"/>
-                    </a:lnTlToBr>
-                    <a:lnBlToTr w="12700" cmpd="sng">
-                      <a:noFill/>
-                      <a:prstDash val="solid"/>
-                    </a:lnBlToTr>
-                    <a:noFill/>
-                  </a:tcPr>
-                </a:tc>
-                <a:tc hMerge="1">
-                  <a:txBody>
-                    <a:bodyPr/>
-                    <a:lstStyle/>
-                    <a:p>
-                      <a:endParaRPr lang="de-CH"/>
-                    </a:p>
-                  </a:txBody>
-                  <a:tcPr/>
-                </a:tc>
-                <a:tc>
-                  <a:txBody>
-                    <a:bodyPr/>
-                    <a:lstStyle/>
-                    <a:p>
-                      <a:endParaRPr lang="de-CH" dirty="0"/>
-                    </a:p>
-                  </a:txBody>
-                  <a:tcPr>
-                    <a:lnL w="12700" cap="flat" cmpd="sng" algn="ctr">
-                      <a:solidFill>
-                        <a:schemeClr val="tx1"/>
-                      </a:solidFill>
-                      <a:prstDash val="solid"/>
-                      <a:round/>
-                      <a:headEnd type="none" w="med" len="med"/>
-                      <a:tailEnd type="none" w="med" len="med"/>
-                    </a:lnL>
-                    <a:lnR w="12700" cap="flat" cmpd="sng" algn="ctr">
-                      <a:noFill/>
-                      <a:prstDash val="sysDash"/>
-                      <a:round/>
-                      <a:headEnd type="none" w="med" len="med"/>
-                      <a:tailEnd type="none" w="med" len="med"/>
-                    </a:lnR>
-                    <a:lnT w="12700" cmpd="sng">
-                      <a:noFill/>
-                    </a:lnT>
-                    <a:lnB w="12700" cmpd="sng">
-                      <a:noFill/>
-                    </a:lnB>
-                    <a:lnTlToBr w="12700" cmpd="sng">
-                      <a:noFill/>
-                      <a:prstDash val="solid"/>
-                    </a:lnTlToBr>
-                    <a:lnBlToTr w="12700" cmpd="sng">
-                      <a:noFill/>
-                      <a:prstDash val="solid"/>
-                    </a:lnBlToTr>
-                    <a:noFill/>
-                  </a:tcPr>
-                </a:tc>
-                <a:tc>
-                  <a:txBody>
-                    <a:bodyPr/>
-                    <a:lstStyle/>
-                    <a:p>
-                      <a:endParaRPr lang="de-CH" dirty="0"/>
-                    </a:p>
-                  </a:txBody>
-                  <a:tcPr>
-                    <a:lnL w="12700" cap="flat" cmpd="sng" algn="ctr">
-                      <a:noFill/>
-                      <a:prstDash val="sysDash"/>
-                      <a:round/>
-                      <a:headEnd type="none" w="med" len="med"/>
-                      <a:tailEnd type="none" w="med" len="med"/>
-                    </a:lnL>
-                    <a:lnR w="12700" cap="flat" cmpd="sng" algn="ctr">
-                      <a:solidFill>
-                        <a:schemeClr val="tx1"/>
-                      </a:solidFill>
-                      <a:prstDash val="sysDash"/>
-                      <a:round/>
-                      <a:headEnd type="none" w="med" len="med"/>
-                      <a:tailEnd type="none" w="med" len="med"/>
-                    </a:lnR>
-                    <a:lnT w="12700" cmpd="sng">
-                      <a:noFill/>
-                    </a:lnT>
-                    <a:lnB w="12700" cmpd="sng">
-                      <a:noFill/>
-                    </a:lnB>
-                    <a:lnTlToBr w="12700" cmpd="sng">
-                      <a:noFill/>
-                      <a:prstDash val="solid"/>
-                    </a:lnTlToBr>
-                    <a:lnBlToTr w="12700" cmpd="sng">
-                      <a:noFill/>
-                      <a:prstDash val="solid"/>
-                    </a:lnBlToTr>
-                    <a:noFill/>
-                  </a:tcPr>
-                </a:tc>
-                <a:tc>
-                  <a:txBody>
-                    <a:bodyPr/>
-                    <a:lstStyle/>
-                    <a:p>
-                      <a:endParaRPr lang="de-CH" dirty="0"/>
-                    </a:p>
-                  </a:txBody>
-                  <a:tcPr>
-                    <a:lnL w="12700" cap="flat" cmpd="sng" algn="ctr">
-                      <a:solidFill>
-                        <a:schemeClr val="tx1"/>
-                      </a:solidFill>
-                      <a:prstDash val="sysDash"/>
-                      <a:round/>
-                      <a:headEnd type="none" w="med" len="med"/>
-                      <a:tailEnd type="none" w="med" len="med"/>
-                    </a:lnL>
-                    <a:lnR w="12700" cap="flat" cmpd="sng" algn="ctr">
-                      <a:noFill/>
-                      <a:prstDash val="sysDash"/>
-                      <a:round/>
-                      <a:headEnd type="none" w="med" len="med"/>
-                      <a:tailEnd type="none" w="med" len="med"/>
-                    </a:lnR>
-                    <a:lnT w="12700" cmpd="sng">
-                      <a:noFill/>
-                    </a:lnT>
-                    <a:lnB w="12700" cmpd="sng">
-                      <a:noFill/>
+                      <a:solidFill>
+                        <a:schemeClr val="accent6">
+                          <a:lumMod val="75000"/>
+                        </a:schemeClr>
+                      </a:solidFill>
+                      <a:prstDash val="solid"/>
+                      <a:round/>
+                      <a:headEnd type="none" w="med" len="med"/>
+                      <a:tailEnd type="none" w="med" len="med"/>
+                    </a:lnT>
+                    <a:lnB w="12700" cap="flat" cmpd="sng" algn="ctr">
+                      <a:solidFill>
+                        <a:schemeClr val="accent6">
+                          <a:lumMod val="75000"/>
+                        </a:schemeClr>
+                      </a:solidFill>
+                      <a:prstDash val="solid"/>
+                      <a:round/>
+                      <a:headEnd type="none" w="med" len="med"/>
+                      <a:tailEnd type="none" w="med" len="med"/>
                     </a:lnB>
                     <a:lnTlToBr w="12700" cmpd="sng">
                       <a:noFill/>
@@ -4462,26 +3865,630 @@
                   </a:txBody>
                   <a:tcPr>
                     <a:lnL w="12700" cap="flat" cmpd="sng" algn="ctr">
-                      <a:noFill/>
-                      <a:prstDash val="sysDash"/>
-                      <a:round/>
-                      <a:headEnd type="none" w="med" len="med"/>
-                      <a:tailEnd type="none" w="med" len="med"/>
-                    </a:lnL>
-                    <a:lnR w="12700" cap="flat" cmpd="sng" algn="ctr">
-                      <a:solidFill>
-                        <a:schemeClr val="tx1"/>
-                      </a:solidFill>
-                      <a:prstDash val="sysDash"/>
-                      <a:round/>
-                      <a:headEnd type="none" w="med" len="med"/>
-                      <a:tailEnd type="none" w="med" len="med"/>
-                    </a:lnR>
-                    <a:lnT w="12700" cmpd="sng">
+                      <a:solidFill>
+                        <a:schemeClr val="accent6">
+                          <a:lumMod val="75000"/>
+                        </a:schemeClr>
+                      </a:solidFill>
+                      <a:prstDash val="solid"/>
+                      <a:round/>
+                      <a:headEnd type="none" w="med" len="med"/>
+                      <a:tailEnd type="none" w="med" len="med"/>
+                    </a:lnL>
+                    <a:lnR w="12700" cap="flat" cmpd="sng" algn="ctr">
+                      <a:solidFill>
+                        <a:schemeClr val="tx1"/>
+                      </a:solidFill>
+                      <a:prstDash val="sysDash"/>
+                      <a:round/>
+                      <a:headEnd type="none" w="med" len="med"/>
+                      <a:tailEnd type="none" w="med" len="med"/>
+                    </a:lnR>
+                    <a:lnT w="38100" cmpd="sng">
+                      <a:noFill/>
+                    </a:lnT>
+                    <a:lnB w="12700" cap="flat" cmpd="sng" algn="ctr">
+                      <a:solidFill>
+                        <a:schemeClr val="accent6">
+                          <a:lumMod val="75000"/>
+                        </a:schemeClr>
+                      </a:solidFill>
+                      <a:prstDash val="solid"/>
+                      <a:round/>
+                      <a:headEnd type="none" w="med" len="med"/>
+                      <a:tailEnd type="none" w="med" len="med"/>
+                    </a:lnB>
+                    <a:lnTlToBr w="12700" cmpd="sng">
+                      <a:noFill/>
+                      <a:prstDash val="solid"/>
+                    </a:lnTlToBr>
+                    <a:lnBlToTr w="12700" cmpd="sng">
+                      <a:noFill/>
+                      <a:prstDash val="solid"/>
+                    </a:lnBlToTr>
+                    <a:noFill/>
+                  </a:tcPr>
+                </a:tc>
+                <a:tc>
+                  <a:txBody>
+                    <a:bodyPr/>
+                    <a:lstStyle/>
+                    <a:p>
+                      <a:endParaRPr lang="de-CH" dirty="0"/>
+                    </a:p>
+                  </a:txBody>
+                  <a:tcPr>
+                    <a:lnL w="12700" cap="flat" cmpd="sng" algn="ctr">
+                      <a:solidFill>
+                        <a:schemeClr val="tx1"/>
+                      </a:solidFill>
+                      <a:prstDash val="sysDash"/>
+                      <a:round/>
+                      <a:headEnd type="none" w="med" len="med"/>
+                      <a:tailEnd type="none" w="med" len="med"/>
+                    </a:lnL>
+                    <a:lnR w="12700" cap="flat" cmpd="sng" algn="ctr">
+                      <a:noFill/>
+                      <a:prstDash val="sysDash"/>
+                      <a:round/>
+                      <a:headEnd type="none" w="med" len="med"/>
+                      <a:tailEnd type="none" w="med" len="med"/>
+                    </a:lnR>
+                    <a:lnT w="38100" cmpd="sng">
+                      <a:noFill/>
+                    </a:lnT>
+                    <a:lnB w="12700" cap="flat" cmpd="sng" algn="ctr">
+                      <a:solidFill>
+                        <a:schemeClr val="accent6">
+                          <a:lumMod val="75000"/>
+                        </a:schemeClr>
+                      </a:solidFill>
+                      <a:prstDash val="solid"/>
+                      <a:round/>
+                      <a:headEnd type="none" w="med" len="med"/>
+                      <a:tailEnd type="none" w="med" len="med"/>
+                    </a:lnB>
+                    <a:lnTlToBr w="12700" cmpd="sng">
+                      <a:noFill/>
+                      <a:prstDash val="solid"/>
+                    </a:lnTlToBr>
+                    <a:lnBlToTr w="12700" cmpd="sng">
+                      <a:noFill/>
+                      <a:prstDash val="solid"/>
+                    </a:lnBlToTr>
+                    <a:noFill/>
+                  </a:tcPr>
+                </a:tc>
+                <a:tc>
+                  <a:txBody>
+                    <a:bodyPr/>
+                    <a:lstStyle/>
+                    <a:p>
+                      <a:endParaRPr lang="de-CH" dirty="0"/>
+                    </a:p>
+                  </a:txBody>
+                  <a:tcPr>
+                    <a:lnL w="12700" cap="flat" cmpd="sng" algn="ctr">
+                      <a:noFill/>
+                      <a:prstDash val="sysDash"/>
+                      <a:round/>
+                      <a:headEnd type="none" w="med" len="med"/>
+                      <a:tailEnd type="none" w="med" len="med"/>
+                    </a:lnL>
+                    <a:lnR w="12700" cap="flat" cmpd="sng" algn="ctr">
+                      <a:solidFill>
+                        <a:schemeClr val="tx1"/>
+                      </a:solidFill>
+                      <a:prstDash val="sysDash"/>
+                      <a:round/>
+                      <a:headEnd type="none" w="med" len="med"/>
+                      <a:tailEnd type="none" w="med" len="med"/>
+                    </a:lnR>
+                    <a:lnT w="38100" cmpd="sng">
                       <a:noFill/>
                     </a:lnT>
                     <a:lnB w="12700" cmpd="sng">
                       <a:noFill/>
+                    </a:lnB>
+                    <a:lnTlToBr w="12700" cmpd="sng">
+                      <a:noFill/>
+                      <a:prstDash val="solid"/>
+                    </a:lnTlToBr>
+                    <a:lnBlToTr w="12700" cmpd="sng">
+                      <a:noFill/>
+                      <a:prstDash val="solid"/>
+                    </a:lnBlToTr>
+                    <a:noFill/>
+                  </a:tcPr>
+                </a:tc>
+                <a:tc>
+                  <a:txBody>
+                    <a:bodyPr/>
+                    <a:lstStyle/>
+                    <a:p>
+                      <a:endParaRPr lang="de-CH" dirty="0"/>
+                    </a:p>
+                  </a:txBody>
+                  <a:tcPr>
+                    <a:lnL w="12700" cap="flat" cmpd="sng" algn="ctr">
+                      <a:solidFill>
+                        <a:schemeClr val="tx1"/>
+                      </a:solidFill>
+                      <a:prstDash val="sysDash"/>
+                      <a:round/>
+                      <a:headEnd type="none" w="med" len="med"/>
+                      <a:tailEnd type="none" w="med" len="med"/>
+                    </a:lnL>
+                    <a:lnR w="12700" cap="flat" cmpd="sng" algn="ctr">
+                      <a:noFill/>
+                      <a:prstDash val="sysDash"/>
+                      <a:round/>
+                      <a:headEnd type="none" w="med" len="med"/>
+                      <a:tailEnd type="none" w="med" len="med"/>
+                    </a:lnR>
+                    <a:lnT w="38100" cmpd="sng">
+                      <a:noFill/>
+                    </a:lnT>
+                    <a:lnB w="12700" cmpd="sng">
+                      <a:noFill/>
+                    </a:lnB>
+                    <a:lnTlToBr w="12700" cmpd="sng">
+                      <a:noFill/>
+                      <a:prstDash val="solid"/>
+                    </a:lnTlToBr>
+                    <a:lnBlToTr w="12700" cmpd="sng">
+                      <a:noFill/>
+                      <a:prstDash val="solid"/>
+                    </a:lnBlToTr>
+                    <a:noFill/>
+                  </a:tcPr>
+                </a:tc>
+                <a:tc>
+                  <a:txBody>
+                    <a:bodyPr/>
+                    <a:lstStyle/>
+                    <a:p>
+                      <a:endParaRPr lang="de-CH" dirty="0"/>
+                    </a:p>
+                  </a:txBody>
+                  <a:tcPr>
+                    <a:lnL w="12700" cap="flat" cmpd="sng" algn="ctr">
+                      <a:noFill/>
+                      <a:prstDash val="sysDash"/>
+                      <a:round/>
+                      <a:headEnd type="none" w="med" len="med"/>
+                      <a:tailEnd type="none" w="med" len="med"/>
+                    </a:lnL>
+                    <a:lnR w="12700" cap="flat" cmpd="sng" algn="ctr">
+                      <a:solidFill>
+                        <a:schemeClr val="tx1"/>
+                      </a:solidFill>
+                      <a:prstDash val="solid"/>
+                      <a:round/>
+                      <a:headEnd type="none" w="med" len="med"/>
+                      <a:tailEnd type="none" w="med" len="med"/>
+                    </a:lnR>
+                    <a:lnT w="38100" cmpd="sng">
+                      <a:noFill/>
+                    </a:lnT>
+                    <a:lnB w="12700" cmpd="sng">
+                      <a:noFill/>
+                    </a:lnB>
+                    <a:lnTlToBr w="12700" cmpd="sng">
+                      <a:noFill/>
+                      <a:prstDash val="solid"/>
+                    </a:lnTlToBr>
+                    <a:lnBlToTr w="12700" cmpd="sng">
+                      <a:noFill/>
+                      <a:prstDash val="solid"/>
+                    </a:lnBlToTr>
+                    <a:noFill/>
+                  </a:tcPr>
+                </a:tc>
+                <a:tc>
+                  <a:txBody>
+                    <a:bodyPr/>
+                    <a:lstStyle/>
+                    <a:p>
+                      <a:endParaRPr lang="de-CH" dirty="0"/>
+                    </a:p>
+                  </a:txBody>
+                  <a:tcPr>
+                    <a:lnL w="12700" cap="flat" cmpd="sng" algn="ctr">
+                      <a:solidFill>
+                        <a:schemeClr val="tx1"/>
+                      </a:solidFill>
+                      <a:prstDash val="solid"/>
+                      <a:round/>
+                      <a:headEnd type="none" w="med" len="med"/>
+                      <a:tailEnd type="none" w="med" len="med"/>
+                    </a:lnL>
+                    <a:lnR w="12700" cap="flat" cmpd="sng" algn="ctr">
+                      <a:noFill/>
+                      <a:prstDash val="sysDash"/>
+                      <a:round/>
+                      <a:headEnd type="none" w="med" len="med"/>
+                      <a:tailEnd type="none" w="med" len="med"/>
+                    </a:lnR>
+                    <a:lnT w="38100" cmpd="sng">
+                      <a:noFill/>
+                    </a:lnT>
+                    <a:lnB w="12700" cmpd="sng">
+                      <a:noFill/>
+                    </a:lnB>
+                    <a:lnTlToBr w="12700" cmpd="sng">
+                      <a:noFill/>
+                      <a:prstDash val="solid"/>
+                    </a:lnTlToBr>
+                    <a:lnBlToTr w="12700" cmpd="sng">
+                      <a:noFill/>
+                      <a:prstDash val="solid"/>
+                    </a:lnBlToTr>
+                    <a:noFill/>
+                  </a:tcPr>
+                </a:tc>
+                <a:tc>
+                  <a:txBody>
+                    <a:bodyPr/>
+                    <a:lstStyle/>
+                    <a:p>
+                      <a:endParaRPr lang="de-CH" dirty="0"/>
+                    </a:p>
+                  </a:txBody>
+                  <a:tcPr>
+                    <a:lnL w="12700" cap="flat" cmpd="sng" algn="ctr">
+                      <a:noFill/>
+                      <a:prstDash val="sysDash"/>
+                      <a:round/>
+                      <a:headEnd type="none" w="med" len="med"/>
+                      <a:tailEnd type="none" w="med" len="med"/>
+                    </a:lnL>
+                    <a:lnR w="12700" cap="flat" cmpd="sng" algn="ctr">
+                      <a:noFill/>
+                      <a:prstDash val="solid"/>
+                      <a:round/>
+                      <a:headEnd type="none" w="med" len="med"/>
+                      <a:tailEnd type="none" w="med" len="med"/>
+                    </a:lnR>
+                    <a:lnT w="38100" cmpd="sng">
+                      <a:noFill/>
+                    </a:lnT>
+                    <a:lnB w="12700" cmpd="sng">
+                      <a:noFill/>
+                    </a:lnB>
+                    <a:lnTlToBr w="12700" cmpd="sng">
+                      <a:noFill/>
+                      <a:prstDash val="solid"/>
+                    </a:lnTlToBr>
+                    <a:lnBlToTr w="12700" cmpd="sng">
+                      <a:noFill/>
+                      <a:prstDash val="solid"/>
+                    </a:lnBlToTr>
+                    <a:noFill/>
+                  </a:tcPr>
+                </a:tc>
+              </a:tr>
+              <a:tr h="370840">
+                <a:tc gridSpan="4">
+                  <a:txBody>
+                    <a:bodyPr/>
+                    <a:lstStyle/>
+                    <a:p>
+                      <a:pPr algn="ctr"/>
+                      <a:r>
+                        <a:rPr lang="de-CH" sz="1000" dirty="0" err="1" smtClean="0"/>
+                        <a:t>Tract</a:t>
+                      </a:r>
+                      <a:r>
+                        <a:rPr lang="de-CH" sz="1000" dirty="0" smtClean="0"/>
+                        <a:t>.</a:t>
+                      </a:r>
+                      <a:r>
+                        <a:rPr lang="de-CH" sz="1000" baseline="0" dirty="0" smtClean="0"/>
+                        <a:t> </a:t>
+                      </a:r>
+                      <a:r>
+                        <a:rPr lang="de-CH" sz="1000" baseline="0" dirty="0" err="1" smtClean="0"/>
+                        <a:t>Extensions</a:t>
+                      </a:r>
+                      <a:endParaRPr lang="de-CH" sz="1000" dirty="0"/>
+                    </a:p>
+                  </a:txBody>
+                  <a:tcPr anchor="ctr">
+                    <a:lnL w="12700" cap="flat" cmpd="sng" algn="ctr">
+                      <a:noFill/>
+                      <a:prstDash val="solid"/>
+                      <a:round/>
+                      <a:headEnd type="none" w="med" len="med"/>
+                      <a:tailEnd type="none" w="med" len="med"/>
+                    </a:lnL>
+                    <a:lnR w="12700" cap="flat" cmpd="sng" algn="ctr">
+                      <a:solidFill>
+                        <a:schemeClr val="tx1"/>
+                      </a:solidFill>
+                      <a:prstDash val="solid"/>
+                      <a:round/>
+                      <a:headEnd type="none" w="med" len="med"/>
+                      <a:tailEnd type="none" w="med" len="med"/>
+                    </a:lnR>
+                    <a:lnT w="12700" cap="flat" cmpd="sng" algn="ctr">
+                      <a:noFill/>
+                      <a:prstDash val="solid"/>
+                      <a:round/>
+                      <a:headEnd type="none" w="med" len="med"/>
+                      <a:tailEnd type="none" w="med" len="med"/>
+                    </a:lnT>
+                    <a:lnB w="12700" cmpd="sng">
+                      <a:noFill/>
+                    </a:lnB>
+                    <a:lnTlToBr w="12700" cmpd="sng">
+                      <a:noFill/>
+                      <a:prstDash val="solid"/>
+                    </a:lnTlToBr>
+                    <a:lnBlToTr w="12700" cmpd="sng">
+                      <a:noFill/>
+                      <a:prstDash val="solid"/>
+                    </a:lnBlToTr>
+                    <a:noFill/>
+                  </a:tcPr>
+                </a:tc>
+                <a:tc hMerge="1">
+                  <a:txBody>
+                    <a:bodyPr/>
+                    <a:lstStyle/>
+                    <a:p>
+                      <a:pPr algn="ctr"/>
+                      <a:endParaRPr lang="de-CH" sz="1000" dirty="0"/>
+                    </a:p>
+                  </a:txBody>
+                  <a:tcPr anchor="ctr">
+                    <a:lnL w="12700" cap="flat" cmpd="sng" algn="ctr">
+                      <a:noFill/>
+                      <a:prstDash val="solid"/>
+                      <a:round/>
+                      <a:headEnd type="none" w="med" len="med"/>
+                      <a:tailEnd type="none" w="med" len="med"/>
+                    </a:lnL>
+                    <a:lnR w="12700" cap="flat" cmpd="sng" algn="ctr">
+                      <a:solidFill>
+                        <a:schemeClr val="tx1"/>
+                      </a:solidFill>
+                      <a:prstDash val="solid"/>
+                      <a:round/>
+                      <a:headEnd type="none" w="med" len="med"/>
+                      <a:tailEnd type="none" w="med" len="med"/>
+                    </a:lnR>
+                    <a:lnT w="12700" cap="flat" cmpd="sng" algn="ctr">
+                      <a:noFill/>
+                      <a:prstDash val="solid"/>
+                      <a:round/>
+                      <a:headEnd type="none" w="med" len="med"/>
+                      <a:tailEnd type="none" w="med" len="med"/>
+                    </a:lnT>
+                    <a:lnB w="12700" cmpd="sng">
+                      <a:noFill/>
+                    </a:lnB>
+                    <a:lnTlToBr w="12700" cmpd="sng">
+                      <a:noFill/>
+                      <a:prstDash val="solid"/>
+                    </a:lnTlToBr>
+                    <a:lnBlToTr w="12700" cmpd="sng">
+                      <a:noFill/>
+                      <a:prstDash val="solid"/>
+                    </a:lnBlToTr>
+                    <a:noFill/>
+                  </a:tcPr>
+                </a:tc>
+                <a:tc hMerge="1">
+                  <a:txBody>
+                    <a:bodyPr/>
+                    <a:lstStyle/>
+                    <a:p>
+                      <a:endParaRPr lang="de-CH" dirty="0"/>
+                    </a:p>
+                  </a:txBody>
+                  <a:tcPr>
+                    <a:lnL w="12700" cap="flat" cmpd="sng" algn="ctr">
+                      <a:noFill/>
+                      <a:prstDash val="solid"/>
+                      <a:round/>
+                      <a:headEnd type="none" w="med" len="med"/>
+                      <a:tailEnd type="none" w="med" len="med"/>
+                    </a:lnL>
+                    <a:lnR w="12700" cap="flat" cmpd="sng" algn="ctr">
+                      <a:solidFill>
+                        <a:schemeClr val="tx1"/>
+                      </a:solidFill>
+                      <a:prstDash val="solid"/>
+                      <a:round/>
+                      <a:headEnd type="none" w="med" len="med"/>
+                      <a:tailEnd type="none" w="med" len="med"/>
+                    </a:lnR>
+                    <a:lnT w="12700" cap="flat" cmpd="sng" algn="ctr">
+                      <a:noFill/>
+                      <a:prstDash val="solid"/>
+                      <a:round/>
+                      <a:headEnd type="none" w="med" len="med"/>
+                      <a:tailEnd type="none" w="med" len="med"/>
+                    </a:lnT>
+                    <a:lnB w="12700" cmpd="sng">
+                      <a:noFill/>
+                    </a:lnB>
+                    <a:lnTlToBr w="12700" cmpd="sng">
+                      <a:noFill/>
+                      <a:prstDash val="solid"/>
+                    </a:lnTlToBr>
+                    <a:lnBlToTr w="12700" cmpd="sng">
+                      <a:noFill/>
+                      <a:prstDash val="solid"/>
+                    </a:lnBlToTr>
+                    <a:noFill/>
+                  </a:tcPr>
+                </a:tc>
+                <a:tc hMerge="1">
+                  <a:txBody>
+                    <a:bodyPr/>
+                    <a:lstStyle/>
+                    <a:p>
+                      <a:endParaRPr lang="de-CH"/>
+                    </a:p>
+                  </a:txBody>
+                  <a:tcPr/>
+                </a:tc>
+                <a:tc>
+                  <a:txBody>
+                    <a:bodyPr/>
+                    <a:lstStyle/>
+                    <a:p>
+                      <a:endParaRPr lang="de-CH" dirty="0"/>
+                    </a:p>
+                  </a:txBody>
+                  <a:tcPr>
+                    <a:lnL w="12700" cap="flat" cmpd="sng" algn="ctr">
+                      <a:solidFill>
+                        <a:schemeClr val="tx1"/>
+                      </a:solidFill>
+                      <a:prstDash val="solid"/>
+                      <a:round/>
+                      <a:headEnd type="none" w="med" len="med"/>
+                      <a:tailEnd type="none" w="med" len="med"/>
+                    </a:lnL>
+                    <a:lnR w="12700" cap="flat" cmpd="sng" algn="ctr">
+                      <a:noFill/>
+                      <a:prstDash val="sysDash"/>
+                      <a:round/>
+                      <a:headEnd type="none" w="med" len="med"/>
+                      <a:tailEnd type="none" w="med" len="med"/>
+                    </a:lnR>
+                    <a:lnT w="12700" cap="flat" cmpd="sng" algn="ctr">
+                      <a:solidFill>
+                        <a:schemeClr val="accent6">
+                          <a:lumMod val="75000"/>
+                        </a:schemeClr>
+                      </a:solidFill>
+                      <a:prstDash val="solid"/>
+                      <a:round/>
+                      <a:headEnd type="none" w="med" len="med"/>
+                      <a:tailEnd type="none" w="med" len="med"/>
+                    </a:lnT>
+                    <a:lnB w="12700" cmpd="sng">
+                      <a:noFill/>
+                    </a:lnB>
+                    <a:lnTlToBr w="12700" cmpd="sng">
+                      <a:noFill/>
+                      <a:prstDash val="solid"/>
+                    </a:lnTlToBr>
+                    <a:lnBlToTr w="12700" cmpd="sng">
+                      <a:noFill/>
+                      <a:prstDash val="solid"/>
+                    </a:lnBlToTr>
+                    <a:noFill/>
+                  </a:tcPr>
+                </a:tc>
+                <a:tc>
+                  <a:txBody>
+                    <a:bodyPr/>
+                    <a:lstStyle/>
+                    <a:p>
+                      <a:endParaRPr lang="de-CH" dirty="0"/>
+                    </a:p>
+                  </a:txBody>
+                  <a:tcPr>
+                    <a:lnL w="12700" cap="flat" cmpd="sng" algn="ctr">
+                      <a:noFill/>
+                      <a:prstDash val="sysDash"/>
+                      <a:round/>
+                      <a:headEnd type="none" w="med" len="med"/>
+                      <a:tailEnd type="none" w="med" len="med"/>
+                    </a:lnL>
+                    <a:lnR w="12700" cap="flat" cmpd="sng" algn="ctr">
+                      <a:solidFill>
+                        <a:schemeClr val="accent6">
+                          <a:lumMod val="75000"/>
+                        </a:schemeClr>
+                      </a:solidFill>
+                      <a:prstDash val="solid"/>
+                      <a:round/>
+                      <a:headEnd type="none" w="med" len="med"/>
+                      <a:tailEnd type="none" w="med" len="med"/>
+                    </a:lnR>
+                    <a:lnT w="12700" cap="flat" cmpd="sng" algn="ctr">
+                      <a:solidFill>
+                        <a:schemeClr val="accent6">
+                          <a:lumMod val="75000"/>
+                        </a:schemeClr>
+                      </a:solidFill>
+                      <a:prstDash val="solid"/>
+                      <a:round/>
+                      <a:headEnd type="none" w="med" len="med"/>
+                      <a:tailEnd type="none" w="med" len="med"/>
+                    </a:lnT>
+                    <a:lnB w="12700" cmpd="sng">
+                      <a:noFill/>
+                    </a:lnB>
+                    <a:lnTlToBr w="12700" cmpd="sng">
+                      <a:noFill/>
+                      <a:prstDash val="solid"/>
+                    </a:lnTlToBr>
+                    <a:lnBlToTr w="12700" cmpd="sng">
+                      <a:noFill/>
+                      <a:prstDash val="solid"/>
+                    </a:lnBlToTr>
+                    <a:noFill/>
+                  </a:tcPr>
+                </a:tc>
+                <a:tc gridSpan="3">
+                  <a:txBody>
+                    <a:bodyPr/>
+                    <a:lstStyle/>
+                    <a:p>
+                      <a:endParaRPr lang="de-CH" dirty="0"/>
+                    </a:p>
+                  </a:txBody>
+                  <a:tcPr>
+                    <a:lnL w="12700" cap="flat" cmpd="sng" algn="ctr">
+                      <a:solidFill>
+                        <a:schemeClr val="accent6">
+                          <a:lumMod val="75000"/>
+                        </a:schemeClr>
+                      </a:solidFill>
+                      <a:prstDash val="solid"/>
+                      <a:round/>
+                      <a:headEnd type="none" w="med" len="med"/>
+                      <a:tailEnd type="none" w="med" len="med"/>
+                    </a:lnL>
+                    <a:lnR w="12700" cap="flat" cmpd="sng" algn="ctr">
+                      <a:solidFill>
+                        <a:schemeClr val="accent6">
+                          <a:lumMod val="75000"/>
+                        </a:schemeClr>
+                      </a:solidFill>
+                      <a:prstDash val="solid"/>
+                      <a:round/>
+                      <a:headEnd type="none" w="med" len="med"/>
+                      <a:tailEnd type="none" w="med" len="med"/>
+                    </a:lnR>
+                    <a:lnT w="12700" cap="flat" cmpd="sng" algn="ctr">
+                      <a:solidFill>
+                        <a:schemeClr val="accent6">
+                          <a:lumMod val="75000"/>
+                        </a:schemeClr>
+                      </a:solidFill>
+                      <a:prstDash val="solid"/>
+                      <a:round/>
+                      <a:headEnd type="none" w="med" len="med"/>
+                      <a:tailEnd type="none" w="med" len="med"/>
+                    </a:lnT>
+                    <a:lnB w="12700" cap="flat" cmpd="sng" algn="ctr">
+                      <a:solidFill>
+                        <a:schemeClr val="accent6">
+                          <a:lumMod val="75000"/>
+                        </a:schemeClr>
+                      </a:solidFill>
+                      <a:prstDash val="solid"/>
+                      <a:round/>
+                      <a:headEnd type="none" w="med" len="med"/>
+                      <a:tailEnd type="none" w="med" len="med"/>
                     </a:lnB>
                     <a:lnTlToBr w="12700" cmpd="sng">
                       <a:noFill/>
@@ -4499,6 +4506,132 @@
                     </a:solidFill>
                   </a:tcPr>
                 </a:tc>
+                <a:tc hMerge="1">
+                  <a:txBody>
+                    <a:bodyPr/>
+                    <a:lstStyle/>
+                    <a:p>
+                      <a:endParaRPr lang="de-CH" dirty="0"/>
+                    </a:p>
+                  </a:txBody>
+                  <a:tcPr>
+                    <a:lnL w="12700" cap="flat" cmpd="sng" algn="ctr">
+                      <a:noFill/>
+                      <a:prstDash val="sysDash"/>
+                      <a:round/>
+                      <a:headEnd type="none" w="med" len="med"/>
+                      <a:tailEnd type="none" w="med" len="med"/>
+                    </a:lnL>
+                    <a:lnR w="12700" cap="flat" cmpd="sng" algn="ctr">
+                      <a:noFill/>
+                      <a:prstDash val="solid"/>
+                      <a:round/>
+                      <a:headEnd type="none" w="med" len="med"/>
+                      <a:tailEnd type="none" w="med" len="med"/>
+                    </a:lnR>
+                    <a:lnT w="12700" cap="flat" cmpd="sng" algn="ctr">
+                      <a:solidFill>
+                        <a:schemeClr val="accent6">
+                          <a:lumMod val="75000"/>
+                        </a:schemeClr>
+                      </a:solidFill>
+                      <a:prstDash val="solid"/>
+                      <a:round/>
+                      <a:headEnd type="none" w="med" len="med"/>
+                      <a:tailEnd type="none" w="med" len="med"/>
+                    </a:lnT>
+                    <a:lnB w="12700" cap="flat" cmpd="sng" algn="ctr">
+                      <a:solidFill>
+                        <a:schemeClr val="accent6">
+                          <a:lumMod val="75000"/>
+                        </a:schemeClr>
+                      </a:solidFill>
+                      <a:prstDash val="solid"/>
+                      <a:round/>
+                      <a:headEnd type="none" w="med" len="med"/>
+                      <a:tailEnd type="none" w="med" len="med"/>
+                    </a:lnB>
+                    <a:lnTlToBr w="12700" cmpd="sng">
+                      <a:noFill/>
+                      <a:prstDash val="solid"/>
+                    </a:lnTlToBr>
+                    <a:lnBlToTr w="12700" cmpd="sng">
+                      <a:noFill/>
+                      <a:prstDash val="solid"/>
+                    </a:lnBlToTr>
+                    <a:solidFill>
+                      <a:schemeClr val="accent6">
+                        <a:lumMod val="40000"/>
+                        <a:lumOff val="60000"/>
+                      </a:schemeClr>
+                    </a:solidFill>
+                  </a:tcPr>
+                </a:tc>
+                <a:tc hMerge="1">
+                  <a:txBody>
+                    <a:bodyPr/>
+                    <a:lstStyle/>
+                    <a:p>
+                      <a:endParaRPr lang="de-CH" dirty="0"/>
+                    </a:p>
+                  </a:txBody>
+                  <a:tcPr>
+                    <a:lnL w="12700" cap="flat" cmpd="sng" algn="ctr">
+                      <a:noFill/>
+                      <a:prstDash val="solid"/>
+                      <a:round/>
+                      <a:headEnd type="none" w="med" len="med"/>
+                      <a:tailEnd type="none" w="med" len="med"/>
+                    </a:lnL>
+                    <a:lnR w="12700" cap="flat" cmpd="sng" algn="ctr">
+                      <a:solidFill>
+                        <a:schemeClr val="accent6">
+                          <a:lumMod val="75000"/>
+                        </a:schemeClr>
+                      </a:solidFill>
+                      <a:prstDash val="solid"/>
+                      <a:round/>
+                      <a:headEnd type="none" w="med" len="med"/>
+                      <a:tailEnd type="none" w="med" len="med"/>
+                    </a:lnR>
+                    <a:lnT w="12700" cap="flat" cmpd="sng" algn="ctr">
+                      <a:solidFill>
+                        <a:schemeClr val="accent6">
+                          <a:lumMod val="75000"/>
+                        </a:schemeClr>
+                      </a:solidFill>
+                      <a:prstDash val="solid"/>
+                      <a:round/>
+                      <a:headEnd type="none" w="med" len="med"/>
+                      <a:tailEnd type="none" w="med" len="med"/>
+                    </a:lnT>
+                    <a:lnB w="12700" cap="flat" cmpd="sng" algn="ctr">
+                      <a:solidFill>
+                        <a:schemeClr val="accent6">
+                          <a:lumMod val="75000"/>
+                        </a:schemeClr>
+                      </a:solidFill>
+                      <a:prstDash val="solid"/>
+                      <a:round/>
+                      <a:headEnd type="none" w="med" len="med"/>
+                      <a:tailEnd type="none" w="med" len="med"/>
+                    </a:lnB>
+                    <a:lnTlToBr w="12700" cmpd="sng">
+                      <a:noFill/>
+                      <a:prstDash val="solid"/>
+                    </a:lnTlToBr>
+                    <a:lnBlToTr w="12700" cmpd="sng">
+                      <a:noFill/>
+                      <a:prstDash val="solid"/>
+                    </a:lnBlToTr>
+                    <a:solidFill>
+                      <a:schemeClr val="accent6">
+                        <a:lumMod val="40000"/>
+                        <a:lumOff val="60000"/>
+                      </a:schemeClr>
+                    </a:solidFill>
+                  </a:tcPr>
+                </a:tc>
                 <a:tc>
                   <a:txBody>
                     <a:bodyPr/>
@@ -4510,15 +4643,19 @@
                   <a:tcPr>
                     <a:lnL w="12700" cap="flat" cmpd="sng" algn="ctr">
                       <a:solidFill>
-                        <a:schemeClr val="tx1"/>
-                      </a:solidFill>
-                      <a:prstDash val="sysDash"/>
-                      <a:round/>
-                      <a:headEnd type="none" w="med" len="med"/>
-                      <a:tailEnd type="none" w="med" len="med"/>
-                    </a:lnL>
-                    <a:lnR w="12700" cap="flat" cmpd="sng" algn="ctr">
-                      <a:noFill/>
+                        <a:schemeClr val="accent6">
+                          <a:lumMod val="75000"/>
+                        </a:schemeClr>
+                      </a:solidFill>
+                      <a:prstDash val="solid"/>
+                      <a:round/>
+                      <a:headEnd type="none" w="med" len="med"/>
+                      <a:tailEnd type="none" w="med" len="med"/>
+                    </a:lnL>
+                    <a:lnR w="12700" cap="flat" cmpd="sng" algn="ctr">
+                      <a:solidFill>
+                        <a:schemeClr val="tx1"/>
+                      </a:solidFill>
                       <a:prstDash val="sysDash"/>
                       <a:round/>
                       <a:headEnd type="none" w="med" len="med"/>
@@ -4551,16 +4688,16 @@
                   </a:txBody>
                   <a:tcPr>
                     <a:lnL w="12700" cap="flat" cmpd="sng" algn="ctr">
-                      <a:noFill/>
-                      <a:prstDash val="sysDash"/>
-                      <a:round/>
-                      <a:headEnd type="none" w="med" len="med"/>
-                      <a:tailEnd type="none" w="med" len="med"/>
-                    </a:lnL>
-                    <a:lnR w="12700" cap="flat" cmpd="sng" algn="ctr">
-                      <a:solidFill>
-                        <a:schemeClr val="tx1"/>
-                      </a:solidFill>
+                      <a:solidFill>
+                        <a:schemeClr val="tx1"/>
+                      </a:solidFill>
+                      <a:prstDash val="sysDash"/>
+                      <a:round/>
+                      <a:headEnd type="none" w="med" len="med"/>
+                      <a:tailEnd type="none" w="med" len="med"/>
+                    </a:lnL>
+                    <a:lnR w="12700" cap="flat" cmpd="sng" algn="ctr">
+                      <a:noFill/>
                       <a:prstDash val="sysDash"/>
                       <a:round/>
                       <a:headEnd type="none" w="med" len="med"/>
@@ -4593,17 +4730,17 @@
                   </a:txBody>
                   <a:tcPr>
                     <a:lnL w="12700" cap="flat" cmpd="sng" algn="ctr">
-                      <a:solidFill>
-                        <a:schemeClr val="tx1"/>
-                      </a:solidFill>
-                      <a:prstDash val="sysDash"/>
-                      <a:round/>
-                      <a:headEnd type="none" w="med" len="med"/>
-                      <a:tailEnd type="none" w="med" len="med"/>
-                    </a:lnL>
-                    <a:lnR w="12700" cap="flat" cmpd="sng" algn="ctr">
-                      <a:noFill/>
-                      <a:prstDash val="sysDash"/>
+                      <a:noFill/>
+                      <a:prstDash val="sysDash"/>
+                      <a:round/>
+                      <a:headEnd type="none" w="med" len="med"/>
+                      <a:tailEnd type="none" w="med" len="med"/>
+                    </a:lnL>
+                    <a:lnR w="12700" cap="flat" cmpd="sng" algn="ctr">
+                      <a:solidFill>
+                        <a:schemeClr val="tx1"/>
+                      </a:solidFill>
+                      <a:prstDash val="solid"/>
                       <a:round/>
                       <a:headEnd type="none" w="med" len="med"/>
                       <a:tailEnd type="none" w="med" len="med"/>
@@ -4635,16 +4772,16 @@
                   </a:txBody>
                   <a:tcPr>
                     <a:lnL w="12700" cap="flat" cmpd="sng" algn="ctr">
-                      <a:noFill/>
-                      <a:prstDash val="sysDash"/>
-                      <a:round/>
-                      <a:headEnd type="none" w="med" len="med"/>
-                      <a:tailEnd type="none" w="med" len="med"/>
-                    </a:lnL>
-                    <a:lnR w="12700" cap="flat" cmpd="sng" algn="ctr">
-                      <a:solidFill>
-                        <a:schemeClr val="tx1"/>
-                      </a:solidFill>
+                      <a:solidFill>
+                        <a:schemeClr val="tx1"/>
+                      </a:solidFill>
+                      <a:prstDash val="solid"/>
+                      <a:round/>
+                      <a:headEnd type="none" w="med" len="med"/>
+                      <a:tailEnd type="none" w="med" len="med"/>
+                    </a:lnL>
+                    <a:lnR w="12700" cap="flat" cmpd="sng" algn="ctr">
+                      <a:noFill/>
                       <a:prstDash val="sysDash"/>
                       <a:round/>
                       <a:headEnd type="none" w="med" len="med"/>
@@ -4677,17 +4814,15 @@
                   </a:txBody>
                   <a:tcPr>
                     <a:lnL w="12700" cap="flat" cmpd="sng" algn="ctr">
-                      <a:solidFill>
-                        <a:schemeClr val="tx1"/>
-                      </a:solidFill>
-                      <a:prstDash val="sysDash"/>
-                      <a:round/>
-                      <a:headEnd type="none" w="med" len="med"/>
-                      <a:tailEnd type="none" w="med" len="med"/>
-                    </a:lnL>
-                    <a:lnR w="12700" cap="flat" cmpd="sng" algn="ctr">
-                      <a:noFill/>
-                      <a:prstDash val="sysDash"/>
+                      <a:noFill/>
+                      <a:prstDash val="sysDash"/>
+                      <a:round/>
+                      <a:headEnd type="none" w="med" len="med"/>
+                      <a:tailEnd type="none" w="med" len="med"/>
+                    </a:lnL>
+                    <a:lnR w="12700" cap="flat" cmpd="sng" algn="ctr">
+                      <a:noFill/>
+                      <a:prstDash val="solid"/>
                       <a:round/>
                       <a:headEnd type="none" w="med" len="med"/>
                       <a:tailEnd type="none" w="med" len="med"/>
@@ -4708,100 +4843,6 @@
                     </a:lnBlToTr>
                     <a:noFill/>
                   </a:tcPr>
-                </a:tc>
-                <a:tc>
-                  <a:txBody>
-                    <a:bodyPr/>
-                    <a:lstStyle/>
-                    <a:p>
-                      <a:endParaRPr lang="de-CH" dirty="0"/>
-                    </a:p>
-                  </a:txBody>
-                  <a:tcPr>
-                    <a:lnL w="12700" cap="flat" cmpd="sng" algn="ctr">
-                      <a:noFill/>
-                      <a:prstDash val="sysDash"/>
-                      <a:round/>
-                      <a:headEnd type="none" w="med" len="med"/>
-                      <a:tailEnd type="none" w="med" len="med"/>
-                    </a:lnL>
-                    <a:lnR w="12700" cap="flat" cmpd="sng" algn="ctr">
-                      <a:solidFill>
-                        <a:schemeClr val="tx1"/>
-                      </a:solidFill>
-                      <a:prstDash val="solid"/>
-                      <a:round/>
-                      <a:headEnd type="none" w="med" len="med"/>
-                      <a:tailEnd type="none" w="med" len="med"/>
-                    </a:lnR>
-                    <a:lnT w="12700" cmpd="sng">
-                      <a:noFill/>
-                    </a:lnT>
-                    <a:lnB w="12700" cmpd="sng">
-                      <a:noFill/>
-                    </a:lnB>
-                    <a:lnTlToBr w="12700" cmpd="sng">
-                      <a:noFill/>
-                      <a:prstDash val="solid"/>
-                    </a:lnTlToBr>
-                    <a:lnBlToTr w="12700" cmpd="sng">
-                      <a:noFill/>
-                      <a:prstDash val="solid"/>
-                    </a:lnBlToTr>
-                    <a:noFill/>
-                  </a:tcPr>
-                </a:tc>
-                <a:tc gridSpan="2">
-                  <a:txBody>
-                    <a:bodyPr/>
-                    <a:lstStyle/>
-                    <a:p>
-                      <a:endParaRPr lang="de-CH" dirty="0"/>
-                    </a:p>
-                  </a:txBody>
-                  <a:tcPr>
-                    <a:lnL w="12700" cap="flat" cmpd="sng" algn="ctr">
-                      <a:solidFill>
-                        <a:schemeClr val="tx1"/>
-                      </a:solidFill>
-                      <a:prstDash val="solid"/>
-                      <a:round/>
-                      <a:headEnd type="none" w="med" len="med"/>
-                      <a:tailEnd type="none" w="med" len="med"/>
-                    </a:lnL>
-                    <a:lnR w="12700" cap="flat" cmpd="sng" algn="ctr">
-                      <a:noFill/>
-                      <a:prstDash val="sysDash"/>
-                      <a:round/>
-                      <a:headEnd type="none" w="med" len="med"/>
-                      <a:tailEnd type="none" w="med" len="med"/>
-                    </a:lnR>
-                    <a:lnT w="12700" cmpd="sng">
-                      <a:noFill/>
-                    </a:lnT>
-                    <a:lnB w="12700" cmpd="sng">
-                      <a:noFill/>
-                    </a:lnB>
-                    <a:lnTlToBr w="12700" cmpd="sng">
-                      <a:noFill/>
-                      <a:prstDash val="solid"/>
-                    </a:lnTlToBr>
-                    <a:lnBlToTr w="12700" cmpd="sng">
-                      <a:noFill/>
-                      <a:prstDash val="solid"/>
-                    </a:lnBlToTr>
-                    <a:noFill/>
-                  </a:tcPr>
-                </a:tc>
-                <a:tc hMerge="1">
-                  <a:txBody>
-                    <a:bodyPr/>
-                    <a:lstStyle/>
-                    <a:p>
-                      <a:endParaRPr lang="de-CH"/>
-                    </a:p>
-                  </a:txBody>
-                  <a:tcPr/>
                 </a:tc>
               </a:tr>
               <a:tr h="370840">
@@ -4813,7 +4854,7 @@
                       <a:pPr algn="ctr"/>
                       <a:r>
                         <a:rPr lang="de-CH" sz="1000" dirty="0" smtClean="0"/>
-                        <a:t>Parkinson Clustering</a:t>
+                        <a:t>Brain Networks</a:t>
                       </a:r>
                       <a:endParaRPr lang="de-CH" sz="1000" dirty="0"/>
                     </a:p>
@@ -5007,9 +5048,11 @@
                     </a:lnL>
                     <a:lnR w="12700" cap="flat" cmpd="sng" algn="ctr">
                       <a:solidFill>
-                        <a:schemeClr val="tx1"/>
-                      </a:solidFill>
-                      <a:prstDash val="sysDash"/>
+                        <a:schemeClr val="accent6">
+                          <a:lumMod val="75000"/>
+                        </a:schemeClr>
+                      </a:solidFill>
+                      <a:prstDash val="solid"/>
                       <a:round/>
                       <a:headEnd type="none" w="med" len="med"/>
                       <a:tailEnd type="none" w="med" len="med"/>
@@ -5031,6 +5074,207 @@
                     <a:noFill/>
                   </a:tcPr>
                 </a:tc>
+                <a:tc gridSpan="3">
+                  <a:txBody>
+                    <a:bodyPr/>
+                    <a:lstStyle/>
+                    <a:p>
+                      <a:endParaRPr lang="de-CH" dirty="0"/>
+                    </a:p>
+                  </a:txBody>
+                  <a:tcPr>
+                    <a:lnL w="12700" cap="flat" cmpd="sng" algn="ctr">
+                      <a:solidFill>
+                        <a:schemeClr val="accent6">
+                          <a:lumMod val="75000"/>
+                        </a:schemeClr>
+                      </a:solidFill>
+                      <a:prstDash val="solid"/>
+                      <a:round/>
+                      <a:headEnd type="none" w="med" len="med"/>
+                      <a:tailEnd type="none" w="med" len="med"/>
+                    </a:lnL>
+                    <a:lnR w="12700" cap="flat" cmpd="sng" algn="ctr">
+                      <a:solidFill>
+                        <a:schemeClr val="accent6">
+                          <a:lumMod val="75000"/>
+                        </a:schemeClr>
+                      </a:solidFill>
+                      <a:prstDash val="solid"/>
+                      <a:round/>
+                      <a:headEnd type="none" w="med" len="med"/>
+                      <a:tailEnd type="none" w="med" len="med"/>
+                    </a:lnR>
+                    <a:lnT w="12700" cap="flat" cmpd="sng" algn="ctr">
+                      <a:solidFill>
+                        <a:schemeClr val="accent6">
+                          <a:lumMod val="75000"/>
+                        </a:schemeClr>
+                      </a:solidFill>
+                      <a:prstDash val="solid"/>
+                      <a:round/>
+                      <a:headEnd type="none" w="med" len="med"/>
+                      <a:tailEnd type="none" w="med" len="med"/>
+                    </a:lnT>
+                    <a:lnB w="12700" cap="flat" cmpd="sng" algn="ctr">
+                      <a:solidFill>
+                        <a:schemeClr val="accent6">
+                          <a:lumMod val="75000"/>
+                        </a:schemeClr>
+                      </a:solidFill>
+                      <a:prstDash val="solid"/>
+                      <a:round/>
+                      <a:headEnd type="none" w="med" len="med"/>
+                      <a:tailEnd type="none" w="med" len="med"/>
+                    </a:lnB>
+                    <a:lnTlToBr w="12700" cmpd="sng">
+                      <a:noFill/>
+                      <a:prstDash val="solid"/>
+                    </a:lnTlToBr>
+                    <a:lnBlToTr w="12700" cmpd="sng">
+                      <a:noFill/>
+                      <a:prstDash val="solid"/>
+                    </a:lnBlToTr>
+                    <a:solidFill>
+                      <a:schemeClr val="accent6">
+                        <a:lumMod val="40000"/>
+                        <a:lumOff val="60000"/>
+                      </a:schemeClr>
+                    </a:solidFill>
+                  </a:tcPr>
+                </a:tc>
+                <a:tc hMerge="1">
+                  <a:txBody>
+                    <a:bodyPr/>
+                    <a:lstStyle/>
+                    <a:p>
+                      <a:endParaRPr lang="de-CH" dirty="0"/>
+                    </a:p>
+                  </a:txBody>
+                  <a:tcPr>
+                    <a:lnL w="12700" cap="flat" cmpd="sng" algn="ctr">
+                      <a:noFill/>
+                      <a:prstDash val="sysDash"/>
+                      <a:round/>
+                      <a:headEnd type="none" w="med" len="med"/>
+                      <a:tailEnd type="none" w="med" len="med"/>
+                    </a:lnL>
+                    <a:lnR w="12700" cap="flat" cmpd="sng" algn="ctr">
+                      <a:solidFill>
+                        <a:schemeClr val="accent6">
+                          <a:lumMod val="75000"/>
+                        </a:schemeClr>
+                      </a:solidFill>
+                      <a:prstDash val="solid"/>
+                      <a:round/>
+                      <a:headEnd type="none" w="med" len="med"/>
+                      <a:tailEnd type="none" w="med" len="med"/>
+                    </a:lnR>
+                    <a:lnT w="12700" cap="flat" cmpd="sng" algn="ctr">
+                      <a:solidFill>
+                        <a:schemeClr val="accent6">
+                          <a:lumMod val="75000"/>
+                        </a:schemeClr>
+                      </a:solidFill>
+                      <a:prstDash val="solid"/>
+                      <a:round/>
+                      <a:headEnd type="none" w="med" len="med"/>
+                      <a:tailEnd type="none" w="med" len="med"/>
+                    </a:lnT>
+                    <a:lnB w="12700" cap="flat" cmpd="sng" algn="ctr">
+                      <a:solidFill>
+                        <a:schemeClr val="accent6">
+                          <a:lumMod val="75000"/>
+                        </a:schemeClr>
+                      </a:solidFill>
+                      <a:prstDash val="solid"/>
+                      <a:round/>
+                      <a:headEnd type="none" w="med" len="med"/>
+                      <a:tailEnd type="none" w="med" len="med"/>
+                    </a:lnB>
+                    <a:lnTlToBr w="12700" cmpd="sng">
+                      <a:noFill/>
+                      <a:prstDash val="solid"/>
+                    </a:lnTlToBr>
+                    <a:lnBlToTr w="12700" cmpd="sng">
+                      <a:noFill/>
+                      <a:prstDash val="solid"/>
+                    </a:lnBlToTr>
+                    <a:solidFill>
+                      <a:schemeClr val="accent6">
+                        <a:lumMod val="40000"/>
+                        <a:lumOff val="60000"/>
+                      </a:schemeClr>
+                    </a:solidFill>
+                  </a:tcPr>
+                </a:tc>
+                <a:tc hMerge="1">
+                  <a:txBody>
+                    <a:bodyPr/>
+                    <a:lstStyle/>
+                    <a:p>
+                      <a:endParaRPr lang="de-CH" dirty="0"/>
+                    </a:p>
+                  </a:txBody>
+                  <a:tcPr>
+                    <a:lnL w="12700" cap="flat" cmpd="sng" algn="ctr">
+                      <a:solidFill>
+                        <a:schemeClr val="tx1"/>
+                      </a:solidFill>
+                      <a:prstDash val="sysDash"/>
+                      <a:round/>
+                      <a:headEnd type="none" w="med" len="med"/>
+                      <a:tailEnd type="none" w="med" len="med"/>
+                    </a:lnL>
+                    <a:lnR w="12700" cap="flat" cmpd="sng" algn="ctr">
+                      <a:solidFill>
+                        <a:schemeClr val="accent6">
+                          <a:lumMod val="75000"/>
+                        </a:schemeClr>
+                      </a:solidFill>
+                      <a:prstDash val="solid"/>
+                      <a:round/>
+                      <a:headEnd type="none" w="med" len="med"/>
+                      <a:tailEnd type="none" w="med" len="med"/>
+                    </a:lnR>
+                    <a:lnT w="12700" cap="flat" cmpd="sng" algn="ctr">
+                      <a:solidFill>
+                        <a:schemeClr val="accent6">
+                          <a:lumMod val="75000"/>
+                        </a:schemeClr>
+                      </a:solidFill>
+                      <a:prstDash val="solid"/>
+                      <a:round/>
+                      <a:headEnd type="none" w="med" len="med"/>
+                      <a:tailEnd type="none" w="med" len="med"/>
+                    </a:lnT>
+                    <a:lnB w="12700" cap="flat" cmpd="sng" algn="ctr">
+                      <a:solidFill>
+                        <a:schemeClr val="accent6">
+                          <a:lumMod val="75000"/>
+                        </a:schemeClr>
+                      </a:solidFill>
+                      <a:prstDash val="solid"/>
+                      <a:round/>
+                      <a:headEnd type="none" w="med" len="med"/>
+                      <a:tailEnd type="none" w="med" len="med"/>
+                    </a:lnB>
+                    <a:lnTlToBr w="12700" cmpd="sng">
+                      <a:noFill/>
+                      <a:prstDash val="solid"/>
+                    </a:lnTlToBr>
+                    <a:lnBlToTr w="12700" cmpd="sng">
+                      <a:noFill/>
+                      <a:prstDash val="solid"/>
+                    </a:lnBlToTr>
+                    <a:solidFill>
+                      <a:schemeClr val="accent6">
+                        <a:lumMod val="40000"/>
+                        <a:lumOff val="60000"/>
+                      </a:schemeClr>
+                    </a:solidFill>
+                  </a:tcPr>
+                </a:tc>
                 <a:tc>
                   <a:txBody>
                     <a:bodyPr/>
@@ -5042,15 +5286,19 @@
                   <a:tcPr>
                     <a:lnL w="12700" cap="flat" cmpd="sng" algn="ctr">
                       <a:solidFill>
-                        <a:schemeClr val="tx1"/>
-                      </a:solidFill>
-                      <a:prstDash val="sysDash"/>
-                      <a:round/>
-                      <a:headEnd type="none" w="med" len="med"/>
-                      <a:tailEnd type="none" w="med" len="med"/>
-                    </a:lnL>
-                    <a:lnR w="12700" cap="flat" cmpd="sng" algn="ctr">
-                      <a:noFill/>
+                        <a:schemeClr val="accent6">
+                          <a:lumMod val="75000"/>
+                        </a:schemeClr>
+                      </a:solidFill>
+                      <a:prstDash val="solid"/>
+                      <a:round/>
+                      <a:headEnd type="none" w="med" len="med"/>
+                      <a:tailEnd type="none" w="med" len="med"/>
+                    </a:lnL>
+                    <a:lnR w="12700" cap="flat" cmpd="sng" algn="ctr">
+                      <a:solidFill>
+                        <a:schemeClr val="tx1"/>
+                      </a:solidFill>
                       <a:prstDash val="sysDash"/>
                       <a:round/>
                       <a:headEnd type="none" w="med" len="med"/>
@@ -5059,6 +5307,106 @@
                     <a:lnT w="12700" cmpd="sng">
                       <a:noFill/>
                     </a:lnT>
+                    <a:lnB w="12700" cap="flat" cmpd="sng" algn="ctr">
+                      <a:solidFill>
+                        <a:schemeClr val="accent6">
+                          <a:lumMod val="75000"/>
+                        </a:schemeClr>
+                      </a:solidFill>
+                      <a:prstDash val="solid"/>
+                      <a:round/>
+                      <a:headEnd type="none" w="med" len="med"/>
+                      <a:tailEnd type="none" w="med" len="med"/>
+                    </a:lnB>
+                    <a:lnTlToBr w="12700" cmpd="sng">
+                      <a:noFill/>
+                      <a:prstDash val="solid"/>
+                    </a:lnTlToBr>
+                    <a:lnBlToTr w="12700" cmpd="sng">
+                      <a:noFill/>
+                      <a:prstDash val="solid"/>
+                    </a:lnBlToTr>
+                    <a:noFill/>
+                  </a:tcPr>
+                </a:tc>
+                <a:tc>
+                  <a:txBody>
+                    <a:bodyPr/>
+                    <a:lstStyle/>
+                    <a:p>
+                      <a:endParaRPr lang="de-CH" dirty="0"/>
+                    </a:p>
+                  </a:txBody>
+                  <a:tcPr>
+                    <a:lnL w="12700" cap="flat" cmpd="sng" algn="ctr">
+                      <a:solidFill>
+                        <a:schemeClr val="tx1"/>
+                      </a:solidFill>
+                      <a:prstDash val="sysDash"/>
+                      <a:round/>
+                      <a:headEnd type="none" w="med" len="med"/>
+                      <a:tailEnd type="none" w="med" len="med"/>
+                    </a:lnL>
+                    <a:lnR w="12700" cap="flat" cmpd="sng" algn="ctr">
+                      <a:noFill/>
+                      <a:prstDash val="sysDash"/>
+                      <a:round/>
+                      <a:headEnd type="none" w="med" len="med"/>
+                      <a:tailEnd type="none" w="med" len="med"/>
+                    </a:lnR>
+                    <a:lnT w="12700" cmpd="sng">
+                      <a:noFill/>
+                    </a:lnT>
+                    <a:lnB w="12700" cap="flat" cmpd="sng" algn="ctr">
+                      <a:solidFill>
+                        <a:schemeClr val="accent6">
+                          <a:lumMod val="75000"/>
+                        </a:schemeClr>
+                      </a:solidFill>
+                      <a:prstDash val="solid"/>
+                      <a:round/>
+                      <a:headEnd type="none" w="med" len="med"/>
+                      <a:tailEnd type="none" w="med" len="med"/>
+                    </a:lnB>
+                    <a:lnTlToBr w="12700" cmpd="sng">
+                      <a:noFill/>
+                      <a:prstDash val="solid"/>
+                    </a:lnTlToBr>
+                    <a:lnBlToTr w="12700" cmpd="sng">
+                      <a:noFill/>
+                      <a:prstDash val="solid"/>
+                    </a:lnBlToTr>
+                    <a:noFill/>
+                  </a:tcPr>
+                </a:tc>
+                <a:tc>
+                  <a:txBody>
+                    <a:bodyPr/>
+                    <a:lstStyle/>
+                    <a:p>
+                      <a:endParaRPr lang="de-CH" dirty="0"/>
+                    </a:p>
+                  </a:txBody>
+                  <a:tcPr>
+                    <a:lnL w="12700" cap="flat" cmpd="sng" algn="ctr">
+                      <a:noFill/>
+                      <a:prstDash val="sysDash"/>
+                      <a:round/>
+                      <a:headEnd type="none" w="med" len="med"/>
+                      <a:tailEnd type="none" w="med" len="med"/>
+                    </a:lnL>
+                    <a:lnR w="12700" cap="flat" cmpd="sng" algn="ctr">
+                      <a:solidFill>
+                        <a:schemeClr val="tx1"/>
+                      </a:solidFill>
+                      <a:prstDash val="solid"/>
+                      <a:round/>
+                      <a:headEnd type="none" w="med" len="med"/>
+                      <a:tailEnd type="none" w="med" len="med"/>
+                    </a:lnR>
+                    <a:lnT w="12700" cmpd="sng">
+                      <a:noFill/>
+                    </a:lnT>
                     <a:lnB w="12700" cmpd="sng">
                       <a:noFill/>
                     </a:lnB>
@@ -5078,6 +5426,48 @@
                     <a:bodyPr/>
                     <a:lstStyle/>
                     <a:p>
+                      <a:endParaRPr lang="de-CH"/>
+                    </a:p>
+                  </a:txBody>
+                  <a:tcPr>
+                    <a:lnL w="12700" cap="flat" cmpd="sng" algn="ctr">
+                      <a:solidFill>
+                        <a:schemeClr val="tx1"/>
+                      </a:solidFill>
+                      <a:prstDash val="solid"/>
+                      <a:round/>
+                      <a:headEnd type="none" w="med" len="med"/>
+                      <a:tailEnd type="none" w="med" len="med"/>
+                    </a:lnL>
+                    <a:lnR w="12700" cap="flat" cmpd="sng" algn="ctr">
+                      <a:noFill/>
+                      <a:prstDash val="sysDash"/>
+                      <a:round/>
+                      <a:headEnd type="none" w="med" len="med"/>
+                      <a:tailEnd type="none" w="med" len="med"/>
+                    </a:lnR>
+                    <a:lnT w="12700" cmpd="sng">
+                      <a:noFill/>
+                    </a:lnT>
+                    <a:lnB w="12700" cmpd="sng">
+                      <a:noFill/>
+                    </a:lnB>
+                    <a:lnTlToBr w="12700" cmpd="sng">
+                      <a:noFill/>
+                      <a:prstDash val="solid"/>
+                    </a:lnTlToBr>
+                    <a:lnBlToTr w="12700" cmpd="sng">
+                      <a:noFill/>
+                      <a:prstDash val="solid"/>
+                    </a:lnBlToTr>
+                    <a:noFill/>
+                  </a:tcPr>
+                </a:tc>
+                <a:tc>
+                  <a:txBody>
+                    <a:bodyPr/>
+                    <a:lstStyle/>
+                    <a:p>
                       <a:endParaRPr lang="de-CH" dirty="0"/>
                     </a:p>
                   </a:txBody>
@@ -5090,10 +5480,8 @@
                       <a:tailEnd type="none" w="med" len="med"/>
                     </a:lnL>
                     <a:lnR w="12700" cap="flat" cmpd="sng" algn="ctr">
-                      <a:solidFill>
-                        <a:schemeClr val="tx1"/>
-                      </a:solidFill>
-                      <a:prstDash val="sysDash"/>
+                      <a:noFill/>
+                      <a:prstDash val="solid"/>
                       <a:round/>
                       <a:headEnd type="none" w="med" len="med"/>
                       <a:tailEnd type="none" w="med" len="med"/>
@@ -5114,310 +5502,6 @@
                     </a:lnBlToTr>
                     <a:noFill/>
                   </a:tcPr>
-                </a:tc>
-                <a:tc>
-                  <a:txBody>
-                    <a:bodyPr/>
-                    <a:lstStyle/>
-                    <a:p>
-                      <a:endParaRPr lang="de-CH" dirty="0"/>
-                    </a:p>
-                  </a:txBody>
-                  <a:tcPr>
-                    <a:lnL w="12700" cap="flat" cmpd="sng" algn="ctr">
-                      <a:solidFill>
-                        <a:schemeClr val="tx1"/>
-                      </a:solidFill>
-                      <a:prstDash val="sysDash"/>
-                      <a:round/>
-                      <a:headEnd type="none" w="med" len="med"/>
-                      <a:tailEnd type="none" w="med" len="med"/>
-                    </a:lnL>
-                    <a:lnR w="12700" cap="flat" cmpd="sng" algn="ctr">
-                      <a:noFill/>
-                      <a:prstDash val="sysDash"/>
-                      <a:round/>
-                      <a:headEnd type="none" w="med" len="med"/>
-                      <a:tailEnd type="none" w="med" len="med"/>
-                    </a:lnR>
-                    <a:lnT w="12700" cmpd="sng">
-                      <a:noFill/>
-                    </a:lnT>
-                    <a:lnB w="12700" cmpd="sng">
-                      <a:noFill/>
-                    </a:lnB>
-                    <a:lnTlToBr w="12700" cmpd="sng">
-                      <a:noFill/>
-                      <a:prstDash val="solid"/>
-                    </a:lnTlToBr>
-                    <a:lnBlToTr w="12700" cmpd="sng">
-                      <a:noFill/>
-                      <a:prstDash val="solid"/>
-                    </a:lnBlToTr>
-                    <a:noFill/>
-                  </a:tcPr>
-                </a:tc>
-                <a:tc>
-                  <a:txBody>
-                    <a:bodyPr/>
-                    <a:lstStyle/>
-                    <a:p>
-                      <a:endParaRPr lang="de-CH" dirty="0"/>
-                    </a:p>
-                  </a:txBody>
-                  <a:tcPr>
-                    <a:lnL w="12700" cap="flat" cmpd="sng" algn="ctr">
-                      <a:noFill/>
-                      <a:prstDash val="sysDash"/>
-                      <a:round/>
-                      <a:headEnd type="none" w="med" len="med"/>
-                      <a:tailEnd type="none" w="med" len="med"/>
-                    </a:lnL>
-                    <a:lnR w="12700" cap="flat" cmpd="sng" algn="ctr">
-                      <a:solidFill>
-                        <a:schemeClr val="tx1"/>
-                      </a:solidFill>
-                      <a:prstDash val="sysDash"/>
-                      <a:round/>
-                      <a:headEnd type="none" w="med" len="med"/>
-                      <a:tailEnd type="none" w="med" len="med"/>
-                    </a:lnR>
-                    <a:lnT w="12700" cmpd="sng">
-                      <a:noFill/>
-                    </a:lnT>
-                    <a:lnB w="12700" cmpd="sng">
-                      <a:noFill/>
-                    </a:lnB>
-                    <a:lnTlToBr w="12700" cmpd="sng">
-                      <a:noFill/>
-                      <a:prstDash val="solid"/>
-                    </a:lnTlToBr>
-                    <a:lnBlToTr w="12700" cmpd="sng">
-                      <a:noFill/>
-                      <a:prstDash val="solid"/>
-                    </a:lnBlToTr>
-                    <a:noFill/>
-                  </a:tcPr>
-                </a:tc>
-                <a:tc>
-                  <a:txBody>
-                    <a:bodyPr/>
-                    <a:lstStyle/>
-                    <a:p>
-                      <a:endParaRPr lang="de-CH" dirty="0"/>
-                    </a:p>
-                  </a:txBody>
-                  <a:tcPr>
-                    <a:lnL w="12700" cap="flat" cmpd="sng" algn="ctr">
-                      <a:solidFill>
-                        <a:schemeClr val="tx1"/>
-                      </a:solidFill>
-                      <a:prstDash val="sysDash"/>
-                      <a:round/>
-                      <a:headEnd type="none" w="med" len="med"/>
-                      <a:tailEnd type="none" w="med" len="med"/>
-                    </a:lnL>
-                    <a:lnR w="12700" cap="flat" cmpd="sng" algn="ctr">
-                      <a:noFill/>
-                      <a:prstDash val="sysDash"/>
-                      <a:round/>
-                      <a:headEnd type="none" w="med" len="med"/>
-                      <a:tailEnd type="none" w="med" len="med"/>
-                    </a:lnR>
-                    <a:lnT w="12700" cmpd="sng">
-                      <a:noFill/>
-                    </a:lnT>
-                    <a:lnB w="12700" cmpd="sng">
-                      <a:noFill/>
-                    </a:lnB>
-                    <a:lnTlToBr w="12700" cmpd="sng">
-                      <a:noFill/>
-                      <a:prstDash val="solid"/>
-                    </a:lnTlToBr>
-                    <a:lnBlToTr w="12700" cmpd="sng">
-                      <a:noFill/>
-                      <a:prstDash val="solid"/>
-                    </a:lnBlToTr>
-                    <a:noFill/>
-                  </a:tcPr>
-                </a:tc>
-                <a:tc>
-                  <a:txBody>
-                    <a:bodyPr/>
-                    <a:lstStyle/>
-                    <a:p>
-                      <a:endParaRPr lang="de-CH" dirty="0"/>
-                    </a:p>
-                  </a:txBody>
-                  <a:tcPr>
-                    <a:lnL w="12700" cap="flat" cmpd="sng" algn="ctr">
-                      <a:noFill/>
-                      <a:prstDash val="sysDash"/>
-                      <a:round/>
-                      <a:headEnd type="none" w="med" len="med"/>
-                      <a:tailEnd type="none" w="med" len="med"/>
-                    </a:lnL>
-                    <a:lnR w="12700" cap="flat" cmpd="sng" algn="ctr">
-                      <a:solidFill>
-                        <a:schemeClr val="tx1"/>
-                      </a:solidFill>
-                      <a:prstDash val="sysDash"/>
-                      <a:round/>
-                      <a:headEnd type="none" w="med" len="med"/>
-                      <a:tailEnd type="none" w="med" len="med"/>
-                    </a:lnR>
-                    <a:lnT w="12700" cmpd="sng">
-                      <a:noFill/>
-                    </a:lnT>
-                    <a:lnB w="12700" cmpd="sng">
-                      <a:noFill/>
-                    </a:lnB>
-                    <a:lnTlToBr w="12700" cmpd="sng">
-                      <a:noFill/>
-                      <a:prstDash val="solid"/>
-                    </a:lnTlToBr>
-                    <a:lnBlToTr w="12700" cmpd="sng">
-                      <a:noFill/>
-                      <a:prstDash val="solid"/>
-                    </a:lnBlToTr>
-                    <a:noFill/>
-                  </a:tcPr>
-                </a:tc>
-                <a:tc>
-                  <a:txBody>
-                    <a:bodyPr/>
-                    <a:lstStyle/>
-                    <a:p>
-                      <a:endParaRPr lang="de-CH"/>
-                    </a:p>
-                  </a:txBody>
-                  <a:tcPr>
-                    <a:lnL w="12700" cap="flat" cmpd="sng" algn="ctr">
-                      <a:solidFill>
-                        <a:schemeClr val="tx1"/>
-                      </a:solidFill>
-                      <a:prstDash val="sysDash"/>
-                      <a:round/>
-                      <a:headEnd type="none" w="med" len="med"/>
-                      <a:tailEnd type="none" w="med" len="med"/>
-                    </a:lnL>
-                    <a:lnR w="12700" cap="flat" cmpd="sng" algn="ctr">
-                      <a:noFill/>
-                      <a:prstDash val="sysDash"/>
-                      <a:round/>
-                      <a:headEnd type="none" w="med" len="med"/>
-                      <a:tailEnd type="none" w="med" len="med"/>
-                    </a:lnR>
-                    <a:lnT w="12700" cmpd="sng">
-                      <a:noFill/>
-                    </a:lnT>
-                    <a:lnB w="12700" cmpd="sng">
-                      <a:noFill/>
-                    </a:lnB>
-                    <a:lnTlToBr w="12700" cmpd="sng">
-                      <a:noFill/>
-                      <a:prstDash val="solid"/>
-                    </a:lnTlToBr>
-                    <a:lnBlToTr w="12700" cmpd="sng">
-                      <a:noFill/>
-                      <a:prstDash val="solid"/>
-                    </a:lnBlToTr>
-                    <a:noFill/>
-                  </a:tcPr>
-                </a:tc>
-                <a:tc>
-                  <a:txBody>
-                    <a:bodyPr/>
-                    <a:lstStyle/>
-                    <a:p>
-                      <a:endParaRPr lang="de-CH" dirty="0"/>
-                    </a:p>
-                  </a:txBody>
-                  <a:tcPr>
-                    <a:lnL w="12700" cap="flat" cmpd="sng" algn="ctr">
-                      <a:noFill/>
-                      <a:prstDash val="sysDash"/>
-                      <a:round/>
-                      <a:headEnd type="none" w="med" len="med"/>
-                      <a:tailEnd type="none" w="med" len="med"/>
-                    </a:lnL>
-                    <a:lnR w="12700" cap="flat" cmpd="sng" algn="ctr">
-                      <a:solidFill>
-                        <a:schemeClr val="tx1"/>
-                      </a:solidFill>
-                      <a:prstDash val="solid"/>
-                      <a:round/>
-                      <a:headEnd type="none" w="med" len="med"/>
-                      <a:tailEnd type="none" w="med" len="med"/>
-                    </a:lnR>
-                    <a:lnT w="12700" cmpd="sng">
-                      <a:noFill/>
-                    </a:lnT>
-                    <a:lnB w="12700" cmpd="sng">
-                      <a:noFill/>
-                    </a:lnB>
-                    <a:lnTlToBr w="12700" cmpd="sng">
-                      <a:noFill/>
-                      <a:prstDash val="solid"/>
-                    </a:lnTlToBr>
-                    <a:lnBlToTr w="12700" cmpd="sng">
-                      <a:noFill/>
-                      <a:prstDash val="solid"/>
-                    </a:lnBlToTr>
-                    <a:noFill/>
-                  </a:tcPr>
-                </a:tc>
-                <a:tc gridSpan="2">
-                  <a:txBody>
-                    <a:bodyPr/>
-                    <a:lstStyle/>
-                    <a:p>
-                      <a:endParaRPr lang="de-CH" dirty="0"/>
-                    </a:p>
-                  </a:txBody>
-                  <a:tcPr>
-                    <a:lnL w="12700" cap="flat" cmpd="sng" algn="ctr">
-                      <a:solidFill>
-                        <a:schemeClr val="tx1"/>
-                      </a:solidFill>
-                      <a:prstDash val="solid"/>
-                      <a:round/>
-                      <a:headEnd type="none" w="med" len="med"/>
-                      <a:tailEnd type="none" w="med" len="med"/>
-                    </a:lnL>
-                    <a:lnR w="12700" cap="flat" cmpd="sng" algn="ctr">
-                      <a:noFill/>
-                      <a:prstDash val="sysDash"/>
-                      <a:round/>
-                      <a:headEnd type="none" w="med" len="med"/>
-                      <a:tailEnd type="none" w="med" len="med"/>
-                    </a:lnR>
-                    <a:lnT w="12700" cmpd="sng">
-                      <a:noFill/>
-                    </a:lnT>
-                    <a:lnB w="12700" cmpd="sng">
-                      <a:noFill/>
-                    </a:lnB>
-                    <a:lnTlToBr w="12700" cmpd="sng">
-                      <a:noFill/>
-                      <a:prstDash val="solid"/>
-                    </a:lnTlToBr>
-                    <a:lnBlToTr w="12700" cmpd="sng">
-                      <a:noFill/>
-                      <a:prstDash val="solid"/>
-                    </a:lnBlToTr>
-                    <a:noFill/>
-                  </a:tcPr>
-                </a:tc>
-                <a:tc hMerge="1">
-                  <a:txBody>
-                    <a:bodyPr/>
-                    <a:lstStyle/>
-                    <a:p>
-                      <a:endParaRPr lang="de-CH"/>
-                    </a:p>
-                  </a:txBody>
-                  <a:tcPr/>
                 </a:tc>
               </a:tr>
               <a:tr h="370840">
@@ -5427,6 +5511,22 @@
                     <a:lstStyle/>
                     <a:p>
                       <a:pPr algn="ctr"/>
+                      <a:r>
+                        <a:rPr lang="de-CH" sz="1000" dirty="0" smtClean="0"/>
+                        <a:t>Brain</a:t>
+                      </a:r>
+                      <a:r>
+                        <a:rPr lang="de-CH" sz="1000" baseline="0" dirty="0" smtClean="0"/>
+                        <a:t> </a:t>
+                      </a:r>
+                      <a:r>
+                        <a:rPr lang="de-CH" sz="1000" baseline="0" dirty="0" err="1" smtClean="0"/>
+                        <a:t>Repr</a:t>
+                      </a:r>
+                      <a:r>
+                        <a:rPr lang="de-CH" sz="1000" baseline="0" dirty="0" smtClean="0"/>
+                        <a:t>./Cluster.</a:t>
+                      </a:r>
                       <a:endParaRPr lang="de-CH" sz="1000" dirty="0"/>
                     </a:p>
                   </a:txBody>
@@ -5668,6 +5768,323 @@
                       <a:headEnd type="none" w="med" len="med"/>
                       <a:tailEnd type="none" w="med" len="med"/>
                     </a:lnR>
+                    <a:lnT w="12700" cap="flat" cmpd="sng" algn="ctr">
+                      <a:solidFill>
+                        <a:schemeClr val="accent6">
+                          <a:lumMod val="75000"/>
+                        </a:schemeClr>
+                      </a:solidFill>
+                      <a:prstDash val="solid"/>
+                      <a:round/>
+                      <a:headEnd type="none" w="med" len="med"/>
+                      <a:tailEnd type="none" w="med" len="med"/>
+                    </a:lnT>
+                    <a:lnB w="12700" cap="flat" cmpd="sng" algn="ctr">
+                      <a:solidFill>
+                        <a:schemeClr val="accent6">
+                          <a:lumMod val="75000"/>
+                        </a:schemeClr>
+                      </a:solidFill>
+                      <a:prstDash val="solid"/>
+                      <a:round/>
+                      <a:headEnd type="none" w="med" len="med"/>
+                      <a:tailEnd type="none" w="med" len="med"/>
+                    </a:lnB>
+                    <a:lnTlToBr w="12700" cmpd="sng">
+                      <a:noFill/>
+                      <a:prstDash val="solid"/>
+                    </a:lnTlToBr>
+                    <a:lnBlToTr w="12700" cmpd="sng">
+                      <a:noFill/>
+                      <a:prstDash val="solid"/>
+                    </a:lnBlToTr>
+                    <a:noFill/>
+                  </a:tcPr>
+                </a:tc>
+                <a:tc>
+                  <a:txBody>
+                    <a:bodyPr/>
+                    <a:lstStyle/>
+                    <a:p>
+                      <a:endParaRPr lang="de-CH" dirty="0"/>
+                    </a:p>
+                  </a:txBody>
+                  <a:tcPr>
+                    <a:lnL w="12700" cap="flat" cmpd="sng" algn="ctr">
+                      <a:noFill/>
+                      <a:prstDash val="sysDash"/>
+                      <a:round/>
+                      <a:headEnd type="none" w="med" len="med"/>
+                      <a:tailEnd type="none" w="med" len="med"/>
+                    </a:lnL>
+                    <a:lnR w="12700" cap="flat" cmpd="sng" algn="ctr">
+                      <a:solidFill>
+                        <a:schemeClr val="tx1"/>
+                      </a:solidFill>
+                      <a:prstDash val="sysDash"/>
+                      <a:round/>
+                      <a:headEnd type="none" w="med" len="med"/>
+                      <a:tailEnd type="none" w="med" len="med"/>
+                    </a:lnR>
+                    <a:lnT w="12700" cap="flat" cmpd="sng" algn="ctr">
+                      <a:solidFill>
+                        <a:schemeClr val="accent6">
+                          <a:lumMod val="75000"/>
+                        </a:schemeClr>
+                      </a:solidFill>
+                      <a:prstDash val="solid"/>
+                      <a:round/>
+                      <a:headEnd type="none" w="med" len="med"/>
+                      <a:tailEnd type="none" w="med" len="med"/>
+                    </a:lnT>
+                    <a:lnB w="12700" cap="flat" cmpd="sng" algn="ctr">
+                      <a:solidFill>
+                        <a:schemeClr val="accent6">
+                          <a:lumMod val="75000"/>
+                        </a:schemeClr>
+                      </a:solidFill>
+                      <a:prstDash val="solid"/>
+                      <a:round/>
+                      <a:headEnd type="none" w="med" len="med"/>
+                      <a:tailEnd type="none" w="med" len="med"/>
+                    </a:lnB>
+                    <a:lnTlToBr w="12700" cmpd="sng">
+                      <a:noFill/>
+                      <a:prstDash val="solid"/>
+                    </a:lnTlToBr>
+                    <a:lnBlToTr w="12700" cmpd="sng">
+                      <a:noFill/>
+                      <a:prstDash val="solid"/>
+                    </a:lnBlToTr>
+                    <a:noFill/>
+                  </a:tcPr>
+                </a:tc>
+                <a:tc gridSpan="3">
+                  <a:txBody>
+                    <a:bodyPr/>
+                    <a:lstStyle/>
+                    <a:p>
+                      <a:endParaRPr lang="de-CH" dirty="0"/>
+                    </a:p>
+                  </a:txBody>
+                  <a:tcPr>
+                    <a:lnL w="12700" cap="flat" cmpd="sng" algn="ctr">
+                      <a:solidFill>
+                        <a:schemeClr val="tx1"/>
+                      </a:solidFill>
+                      <a:prstDash val="sysDash"/>
+                      <a:round/>
+                      <a:headEnd type="none" w="med" len="med"/>
+                      <a:tailEnd type="none" w="med" len="med"/>
+                    </a:lnL>
+                    <a:lnR w="12700" cap="flat" cmpd="sng" algn="ctr">
+                      <a:solidFill>
+                        <a:schemeClr val="accent6">
+                          <a:lumMod val="75000"/>
+                        </a:schemeClr>
+                      </a:solidFill>
+                      <a:prstDash val="solid"/>
+                      <a:round/>
+                      <a:headEnd type="none" w="med" len="med"/>
+                      <a:tailEnd type="none" w="med" len="med"/>
+                    </a:lnR>
+                    <a:lnT w="12700" cap="flat" cmpd="sng" algn="ctr">
+                      <a:solidFill>
+                        <a:schemeClr val="accent6">
+                          <a:lumMod val="75000"/>
+                        </a:schemeClr>
+                      </a:solidFill>
+                      <a:prstDash val="solid"/>
+                      <a:round/>
+                      <a:headEnd type="none" w="med" len="med"/>
+                      <a:tailEnd type="none" w="med" len="med"/>
+                    </a:lnT>
+                    <a:lnB w="12700" cap="flat" cmpd="sng" algn="ctr">
+                      <a:solidFill>
+                        <a:schemeClr val="accent6">
+                          <a:lumMod val="75000"/>
+                        </a:schemeClr>
+                      </a:solidFill>
+                      <a:prstDash val="solid"/>
+                      <a:round/>
+                      <a:headEnd type="none" w="med" len="med"/>
+                      <a:tailEnd type="none" w="med" len="med"/>
+                    </a:lnB>
+                    <a:lnTlToBr w="12700" cmpd="sng">
+                      <a:noFill/>
+                      <a:prstDash val="solid"/>
+                    </a:lnTlToBr>
+                    <a:lnBlToTr w="12700" cmpd="sng">
+                      <a:noFill/>
+                      <a:prstDash val="solid"/>
+                    </a:lnBlToTr>
+                    <a:solidFill>
+                      <a:schemeClr val="accent6">
+                        <a:lumMod val="40000"/>
+                        <a:lumOff val="60000"/>
+                      </a:schemeClr>
+                    </a:solidFill>
+                  </a:tcPr>
+                </a:tc>
+                <a:tc hMerge="1">
+                  <a:txBody>
+                    <a:bodyPr/>
+                    <a:lstStyle/>
+                    <a:p>
+                      <a:endParaRPr lang="de-CH" dirty="0"/>
+                    </a:p>
+                  </a:txBody>
+                  <a:tcPr>
+                    <a:lnL w="12700" cap="flat" cmpd="sng" algn="ctr">
+                      <a:noFill/>
+                      <a:prstDash val="sysDash"/>
+                      <a:round/>
+                      <a:headEnd type="none" w="med" len="med"/>
+                      <a:tailEnd type="none" w="med" len="med"/>
+                    </a:lnL>
+                    <a:lnR w="12700" cap="flat" cmpd="sng" algn="ctr">
+                      <a:solidFill>
+                        <a:schemeClr val="tx1"/>
+                      </a:solidFill>
+                      <a:prstDash val="sysDash"/>
+                      <a:round/>
+                      <a:headEnd type="none" w="med" len="med"/>
+                      <a:tailEnd type="none" w="med" len="med"/>
+                    </a:lnR>
+                    <a:lnT w="12700" cap="flat" cmpd="sng" algn="ctr">
+                      <a:solidFill>
+                        <a:schemeClr val="accent6">
+                          <a:lumMod val="75000"/>
+                        </a:schemeClr>
+                      </a:solidFill>
+                      <a:prstDash val="solid"/>
+                      <a:round/>
+                      <a:headEnd type="none" w="med" len="med"/>
+                      <a:tailEnd type="none" w="med" len="med"/>
+                    </a:lnT>
+                    <a:lnB w="12700" cap="flat" cmpd="sng" algn="ctr">
+                      <a:solidFill>
+                        <a:schemeClr val="accent6">
+                          <a:lumMod val="75000"/>
+                        </a:schemeClr>
+                      </a:solidFill>
+                      <a:prstDash val="solid"/>
+                      <a:round/>
+                      <a:headEnd type="none" w="med" len="med"/>
+                      <a:tailEnd type="none" w="med" len="med"/>
+                    </a:lnB>
+                    <a:lnTlToBr w="12700" cmpd="sng">
+                      <a:noFill/>
+                      <a:prstDash val="solid"/>
+                    </a:lnTlToBr>
+                    <a:lnBlToTr w="12700" cmpd="sng">
+                      <a:noFill/>
+                      <a:prstDash val="solid"/>
+                    </a:lnBlToTr>
+                    <a:solidFill>
+                      <a:schemeClr val="accent6">
+                        <a:lumMod val="40000"/>
+                        <a:lumOff val="60000"/>
+                      </a:schemeClr>
+                    </a:solidFill>
+                  </a:tcPr>
+                </a:tc>
+                <a:tc hMerge="1">
+                  <a:txBody>
+                    <a:bodyPr/>
+                    <a:lstStyle/>
+                    <a:p>
+                      <a:endParaRPr lang="de-CH" dirty="0"/>
+                    </a:p>
+                  </a:txBody>
+                  <a:tcPr>
+                    <a:lnL w="12700" cap="flat" cmpd="sng" algn="ctr">
+                      <a:solidFill>
+                        <a:schemeClr val="tx1"/>
+                      </a:solidFill>
+                      <a:prstDash val="sysDash"/>
+                      <a:round/>
+                      <a:headEnd type="none" w="med" len="med"/>
+                      <a:tailEnd type="none" w="med" len="med"/>
+                    </a:lnL>
+                    <a:lnR w="12700" cap="flat" cmpd="sng" algn="ctr">
+                      <a:solidFill>
+                        <a:schemeClr val="accent6">
+                          <a:lumMod val="75000"/>
+                        </a:schemeClr>
+                      </a:solidFill>
+                      <a:prstDash val="solid"/>
+                      <a:round/>
+                      <a:headEnd type="none" w="med" len="med"/>
+                      <a:tailEnd type="none" w="med" len="med"/>
+                    </a:lnR>
+                    <a:lnT w="12700" cap="flat" cmpd="sng" algn="ctr">
+                      <a:solidFill>
+                        <a:schemeClr val="accent6">
+                          <a:lumMod val="75000"/>
+                        </a:schemeClr>
+                      </a:solidFill>
+                      <a:prstDash val="solid"/>
+                      <a:round/>
+                      <a:headEnd type="none" w="med" len="med"/>
+                      <a:tailEnd type="none" w="med" len="med"/>
+                    </a:lnT>
+                    <a:lnB w="12700" cap="flat" cmpd="sng" algn="ctr">
+                      <a:solidFill>
+                        <a:schemeClr val="accent6">
+                          <a:lumMod val="75000"/>
+                        </a:schemeClr>
+                      </a:solidFill>
+                      <a:prstDash val="solid"/>
+                      <a:round/>
+                      <a:headEnd type="none" w="med" len="med"/>
+                      <a:tailEnd type="none" w="med" len="med"/>
+                    </a:lnB>
+                    <a:lnTlToBr w="12700" cmpd="sng">
+                      <a:noFill/>
+                      <a:prstDash val="solid"/>
+                    </a:lnTlToBr>
+                    <a:lnBlToTr w="12700" cmpd="sng">
+                      <a:noFill/>
+                      <a:prstDash val="solid"/>
+                    </a:lnBlToTr>
+                    <a:solidFill>
+                      <a:schemeClr val="accent6">
+                        <a:lumMod val="40000"/>
+                        <a:lumOff val="60000"/>
+                      </a:schemeClr>
+                    </a:solidFill>
+                  </a:tcPr>
+                </a:tc>
+                <a:tc>
+                  <a:txBody>
+                    <a:bodyPr/>
+                    <a:lstStyle/>
+                    <a:p>
+                      <a:endParaRPr lang="de-CH" dirty="0"/>
+                    </a:p>
+                  </a:txBody>
+                  <a:tcPr>
+                    <a:lnL w="12700" cap="flat" cmpd="sng" algn="ctr">
+                      <a:solidFill>
+                        <a:schemeClr val="accent6">
+                          <a:lumMod val="75000"/>
+                        </a:schemeClr>
+                      </a:solidFill>
+                      <a:prstDash val="solid"/>
+                      <a:round/>
+                      <a:headEnd type="none" w="med" len="med"/>
+                      <a:tailEnd type="none" w="med" len="med"/>
+                    </a:lnL>
+                    <a:lnR w="12700" cap="flat" cmpd="sng" algn="ctr">
+                      <a:solidFill>
+                        <a:schemeClr val="tx1"/>
+                      </a:solidFill>
+                      <a:prstDash val="solid"/>
+                      <a:round/>
+                      <a:headEnd type="none" w="med" len="med"/>
+                      <a:tailEnd type="none" w="med" len="med"/>
+                    </a:lnR>
                     <a:lnT w="12700" cmpd="sng">
                       <a:noFill/>
                     </a:lnT>
@@ -5695,16 +6112,16 @@
                   </a:txBody>
                   <a:tcPr>
                     <a:lnL w="12700" cap="flat" cmpd="sng" algn="ctr">
-                      <a:noFill/>
-                      <a:prstDash val="sysDash"/>
-                      <a:round/>
-                      <a:headEnd type="none" w="med" len="med"/>
-                      <a:tailEnd type="none" w="med" len="med"/>
-                    </a:lnL>
-                    <a:lnR w="12700" cap="flat" cmpd="sng" algn="ctr">
-                      <a:solidFill>
-                        <a:schemeClr val="tx1"/>
-                      </a:solidFill>
+                      <a:solidFill>
+                        <a:schemeClr val="tx1"/>
+                      </a:solidFill>
+                      <a:prstDash val="solid"/>
+                      <a:round/>
+                      <a:headEnd type="none" w="med" len="med"/>
+                      <a:tailEnd type="none" w="med" len="med"/>
+                    </a:lnL>
+                    <a:lnR w="12700" cap="flat" cmpd="sng" algn="ctr">
+                      <a:noFill/>
                       <a:prstDash val="sysDash"/>
                       <a:round/>
                       <a:headEnd type="none" w="med" len="med"/>
@@ -5737,17 +6154,15 @@
                   </a:txBody>
                   <a:tcPr>
                     <a:lnL w="12700" cap="flat" cmpd="sng" algn="ctr">
-                      <a:solidFill>
-                        <a:schemeClr val="tx1"/>
-                      </a:solidFill>
-                      <a:prstDash val="sysDash"/>
-                      <a:round/>
-                      <a:headEnd type="none" w="med" len="med"/>
-                      <a:tailEnd type="none" w="med" len="med"/>
-                    </a:lnL>
-                    <a:lnR w="12700" cap="flat" cmpd="sng" algn="ctr">
-                      <a:noFill/>
-                      <a:prstDash val="sysDash"/>
+                      <a:noFill/>
+                      <a:prstDash val="sysDash"/>
+                      <a:round/>
+                      <a:headEnd type="none" w="med" len="med"/>
+                      <a:tailEnd type="none" w="med" len="med"/>
+                    </a:lnL>
+                    <a:lnR w="12700" cap="flat" cmpd="sng" algn="ctr">
+                      <a:noFill/>
+                      <a:prstDash val="solid"/>
                       <a:round/>
                       <a:headEnd type="none" w="med" len="med"/>
                       <a:tailEnd type="none" w="med" len="med"/>
@@ -5768,268 +6183,6 @@
                     </a:lnBlToTr>
                     <a:noFill/>
                   </a:tcPr>
-                </a:tc>
-                <a:tc>
-                  <a:txBody>
-                    <a:bodyPr/>
-                    <a:lstStyle/>
-                    <a:p>
-                      <a:endParaRPr lang="de-CH" dirty="0"/>
-                    </a:p>
-                  </a:txBody>
-                  <a:tcPr>
-                    <a:lnL w="12700" cap="flat" cmpd="sng" algn="ctr">
-                      <a:noFill/>
-                      <a:prstDash val="sysDash"/>
-                      <a:round/>
-                      <a:headEnd type="none" w="med" len="med"/>
-                      <a:tailEnd type="none" w="med" len="med"/>
-                    </a:lnL>
-                    <a:lnR w="12700" cap="flat" cmpd="sng" algn="ctr">
-                      <a:solidFill>
-                        <a:schemeClr val="tx1"/>
-                      </a:solidFill>
-                      <a:prstDash val="sysDash"/>
-                      <a:round/>
-                      <a:headEnd type="none" w="med" len="med"/>
-                      <a:tailEnd type="none" w="med" len="med"/>
-                    </a:lnR>
-                    <a:lnT w="12700" cmpd="sng">
-                      <a:noFill/>
-                    </a:lnT>
-                    <a:lnB w="12700" cmpd="sng">
-                      <a:noFill/>
-                    </a:lnB>
-                    <a:lnTlToBr w="12700" cmpd="sng">
-                      <a:noFill/>
-                      <a:prstDash val="solid"/>
-                    </a:lnTlToBr>
-                    <a:lnBlToTr w="12700" cmpd="sng">
-                      <a:noFill/>
-                      <a:prstDash val="solid"/>
-                    </a:lnBlToTr>
-                    <a:noFill/>
-                  </a:tcPr>
-                </a:tc>
-                <a:tc>
-                  <a:txBody>
-                    <a:bodyPr/>
-                    <a:lstStyle/>
-                    <a:p>
-                      <a:endParaRPr lang="de-CH" dirty="0"/>
-                    </a:p>
-                  </a:txBody>
-                  <a:tcPr>
-                    <a:lnL w="12700" cap="flat" cmpd="sng" algn="ctr">
-                      <a:solidFill>
-                        <a:schemeClr val="tx1"/>
-                      </a:solidFill>
-                      <a:prstDash val="sysDash"/>
-                      <a:round/>
-                      <a:headEnd type="none" w="med" len="med"/>
-                      <a:tailEnd type="none" w="med" len="med"/>
-                    </a:lnL>
-                    <a:lnR w="12700" cap="flat" cmpd="sng" algn="ctr">
-                      <a:noFill/>
-                      <a:prstDash val="sysDash"/>
-                      <a:round/>
-                      <a:headEnd type="none" w="med" len="med"/>
-                      <a:tailEnd type="none" w="med" len="med"/>
-                    </a:lnR>
-                    <a:lnT w="12700" cmpd="sng">
-                      <a:noFill/>
-                    </a:lnT>
-                    <a:lnB w="12700" cmpd="sng">
-                      <a:noFill/>
-                    </a:lnB>
-                    <a:lnTlToBr w="12700" cmpd="sng">
-                      <a:noFill/>
-                      <a:prstDash val="solid"/>
-                    </a:lnTlToBr>
-                    <a:lnBlToTr w="12700" cmpd="sng">
-                      <a:noFill/>
-                      <a:prstDash val="solid"/>
-                    </a:lnBlToTr>
-                    <a:noFill/>
-                  </a:tcPr>
-                </a:tc>
-                <a:tc>
-                  <a:txBody>
-                    <a:bodyPr/>
-                    <a:lstStyle/>
-                    <a:p>
-                      <a:endParaRPr lang="de-CH" dirty="0"/>
-                    </a:p>
-                  </a:txBody>
-                  <a:tcPr>
-                    <a:lnL w="12700" cap="flat" cmpd="sng" algn="ctr">
-                      <a:noFill/>
-                      <a:prstDash val="sysDash"/>
-                      <a:round/>
-                      <a:headEnd type="none" w="med" len="med"/>
-                      <a:tailEnd type="none" w="med" len="med"/>
-                    </a:lnL>
-                    <a:lnR w="12700" cap="flat" cmpd="sng" algn="ctr">
-                      <a:solidFill>
-                        <a:schemeClr val="tx1"/>
-                      </a:solidFill>
-                      <a:prstDash val="sysDash"/>
-                      <a:round/>
-                      <a:headEnd type="none" w="med" len="med"/>
-                      <a:tailEnd type="none" w="med" len="med"/>
-                    </a:lnR>
-                    <a:lnT w="12700" cmpd="sng">
-                      <a:noFill/>
-                    </a:lnT>
-                    <a:lnB w="12700" cmpd="sng">
-                      <a:noFill/>
-                    </a:lnB>
-                    <a:lnTlToBr w="12700" cmpd="sng">
-                      <a:noFill/>
-                      <a:prstDash val="solid"/>
-                    </a:lnTlToBr>
-                    <a:lnBlToTr w="12700" cmpd="sng">
-                      <a:noFill/>
-                      <a:prstDash val="solid"/>
-                    </a:lnBlToTr>
-                    <a:noFill/>
-                  </a:tcPr>
-                </a:tc>
-                <a:tc>
-                  <a:txBody>
-                    <a:bodyPr/>
-                    <a:lstStyle/>
-                    <a:p>
-                      <a:endParaRPr lang="de-CH" dirty="0"/>
-                    </a:p>
-                  </a:txBody>
-                  <a:tcPr>
-                    <a:lnL w="12700" cap="flat" cmpd="sng" algn="ctr">
-                      <a:solidFill>
-                        <a:schemeClr val="tx1"/>
-                      </a:solidFill>
-                      <a:prstDash val="sysDash"/>
-                      <a:round/>
-                      <a:headEnd type="none" w="med" len="med"/>
-                      <a:tailEnd type="none" w="med" len="med"/>
-                    </a:lnL>
-                    <a:lnR w="12700" cap="flat" cmpd="sng" algn="ctr">
-                      <a:noFill/>
-                      <a:prstDash val="sysDash"/>
-                      <a:round/>
-                      <a:headEnd type="none" w="med" len="med"/>
-                      <a:tailEnd type="none" w="med" len="med"/>
-                    </a:lnR>
-                    <a:lnT w="12700" cmpd="sng">
-                      <a:noFill/>
-                    </a:lnT>
-                    <a:lnB w="12700" cmpd="sng">
-                      <a:noFill/>
-                    </a:lnB>
-                    <a:lnTlToBr w="12700" cmpd="sng">
-                      <a:noFill/>
-                      <a:prstDash val="solid"/>
-                    </a:lnTlToBr>
-                    <a:lnBlToTr w="12700" cmpd="sng">
-                      <a:noFill/>
-                      <a:prstDash val="solid"/>
-                    </a:lnBlToTr>
-                    <a:noFill/>
-                  </a:tcPr>
-                </a:tc>
-                <a:tc>
-                  <a:txBody>
-                    <a:bodyPr/>
-                    <a:lstStyle/>
-                    <a:p>
-                      <a:endParaRPr lang="de-CH" dirty="0"/>
-                    </a:p>
-                  </a:txBody>
-                  <a:tcPr>
-                    <a:lnL w="12700" cap="flat" cmpd="sng" algn="ctr">
-                      <a:noFill/>
-                      <a:prstDash val="sysDash"/>
-                      <a:round/>
-                      <a:headEnd type="none" w="med" len="med"/>
-                      <a:tailEnd type="none" w="med" len="med"/>
-                    </a:lnL>
-                    <a:lnR w="12700" cap="flat" cmpd="sng" algn="ctr">
-                      <a:solidFill>
-                        <a:schemeClr val="tx1"/>
-                      </a:solidFill>
-                      <a:prstDash val="solid"/>
-                      <a:round/>
-                      <a:headEnd type="none" w="med" len="med"/>
-                      <a:tailEnd type="none" w="med" len="med"/>
-                    </a:lnR>
-                    <a:lnT w="12700" cmpd="sng">
-                      <a:noFill/>
-                    </a:lnT>
-                    <a:lnB w="12700" cmpd="sng">
-                      <a:noFill/>
-                    </a:lnB>
-                    <a:lnTlToBr w="12700" cmpd="sng">
-                      <a:noFill/>
-                      <a:prstDash val="solid"/>
-                    </a:lnTlToBr>
-                    <a:lnBlToTr w="12700" cmpd="sng">
-                      <a:noFill/>
-                      <a:prstDash val="solid"/>
-                    </a:lnBlToTr>
-                    <a:noFill/>
-                  </a:tcPr>
-                </a:tc>
-                <a:tc gridSpan="2">
-                  <a:txBody>
-                    <a:bodyPr/>
-                    <a:lstStyle/>
-                    <a:p>
-                      <a:endParaRPr lang="de-CH" dirty="0"/>
-                    </a:p>
-                  </a:txBody>
-                  <a:tcPr>
-                    <a:lnL w="12700" cap="flat" cmpd="sng" algn="ctr">
-                      <a:solidFill>
-                        <a:schemeClr val="tx1"/>
-                      </a:solidFill>
-                      <a:prstDash val="solid"/>
-                      <a:round/>
-                      <a:headEnd type="none" w="med" len="med"/>
-                      <a:tailEnd type="none" w="med" len="med"/>
-                    </a:lnL>
-                    <a:lnR w="12700" cap="flat" cmpd="sng" algn="ctr">
-                      <a:noFill/>
-                      <a:prstDash val="sysDash"/>
-                      <a:round/>
-                      <a:headEnd type="none" w="med" len="med"/>
-                      <a:tailEnd type="none" w="med" len="med"/>
-                    </a:lnR>
-                    <a:lnT w="12700" cmpd="sng">
-                      <a:noFill/>
-                    </a:lnT>
-                    <a:lnB w="12700" cmpd="sng">
-                      <a:noFill/>
-                    </a:lnB>
-                    <a:lnTlToBr w="12700" cmpd="sng">
-                      <a:noFill/>
-                      <a:prstDash val="solid"/>
-                    </a:lnTlToBr>
-                    <a:lnBlToTr w="12700" cmpd="sng">
-                      <a:noFill/>
-                      <a:prstDash val="solid"/>
-                    </a:lnBlToTr>
-                    <a:noFill/>
-                  </a:tcPr>
-                </a:tc>
-                <a:tc hMerge="1">
-                  <a:txBody>
-                    <a:bodyPr/>
-                    <a:lstStyle/>
-                    <a:p>
-                      <a:endParaRPr lang="de-CH"/>
-                    </a:p>
-                  </a:txBody>
-                  <a:tcPr/>
                 </a:tc>
               </a:tr>
               <a:tr h="370840">
@@ -6039,6 +6192,22 @@
                     <a:lstStyle/>
                     <a:p>
                       <a:pPr algn="ctr"/>
+                      <a:r>
+                        <a:rPr lang="de-CH" sz="1000" dirty="0" err="1" smtClean="0"/>
+                        <a:t>Dementia</a:t>
+                      </a:r>
+                      <a:r>
+                        <a:rPr lang="de-CH" sz="1000" dirty="0" smtClean="0"/>
+                        <a:t> </a:t>
+                      </a:r>
+                      <a:r>
+                        <a:rPr lang="de-CH" sz="1000" dirty="0" err="1" smtClean="0"/>
+                        <a:t>Pred</a:t>
+                      </a:r>
+                      <a:r>
+                        <a:rPr lang="de-CH" sz="1000" dirty="0" smtClean="0"/>
+                        <a:t>.</a:t>
+                      </a:r>
                       <a:endParaRPr lang="de-CH" sz="1000" dirty="0"/>
                     </a:p>
                   </a:txBody>
@@ -6255,6 +6424,203 @@
                     <a:noFill/>
                   </a:tcPr>
                 </a:tc>
+                <a:tc gridSpan="3">
+                  <a:txBody>
+                    <a:bodyPr/>
+                    <a:lstStyle/>
+                    <a:p>
+                      <a:endParaRPr lang="de-CH" dirty="0"/>
+                    </a:p>
+                  </a:txBody>
+                  <a:tcPr>
+                    <a:lnL w="12700" cap="flat" cmpd="sng" algn="ctr">
+                      <a:solidFill>
+                        <a:schemeClr val="tx1"/>
+                      </a:solidFill>
+                      <a:prstDash val="sysDash"/>
+                      <a:round/>
+                      <a:headEnd type="none" w="med" len="med"/>
+                      <a:tailEnd type="none" w="med" len="med"/>
+                    </a:lnL>
+                    <a:lnR w="12700" cap="flat" cmpd="sng" algn="ctr">
+                      <a:solidFill>
+                        <a:schemeClr val="accent6">
+                          <a:lumMod val="75000"/>
+                        </a:schemeClr>
+                      </a:solidFill>
+                      <a:prstDash val="solid"/>
+                      <a:round/>
+                      <a:headEnd type="none" w="med" len="med"/>
+                      <a:tailEnd type="none" w="med" len="med"/>
+                    </a:lnR>
+                    <a:lnT w="12700" cap="flat" cmpd="sng" algn="ctr">
+                      <a:solidFill>
+                        <a:schemeClr val="accent6">
+                          <a:lumMod val="75000"/>
+                        </a:schemeClr>
+                      </a:solidFill>
+                      <a:prstDash val="solid"/>
+                      <a:round/>
+                      <a:headEnd type="none" w="med" len="med"/>
+                      <a:tailEnd type="none" w="med" len="med"/>
+                    </a:lnT>
+                    <a:lnB w="12700" cap="flat" cmpd="sng" algn="ctr">
+                      <a:solidFill>
+                        <a:schemeClr val="accent6">
+                          <a:lumMod val="75000"/>
+                        </a:schemeClr>
+                      </a:solidFill>
+                      <a:prstDash val="solid"/>
+                      <a:round/>
+                      <a:headEnd type="none" w="med" len="med"/>
+                      <a:tailEnd type="none" w="med" len="med"/>
+                    </a:lnB>
+                    <a:lnTlToBr w="12700" cmpd="sng">
+                      <a:noFill/>
+                      <a:prstDash val="solid"/>
+                    </a:lnTlToBr>
+                    <a:lnBlToTr w="12700" cmpd="sng">
+                      <a:noFill/>
+                      <a:prstDash val="solid"/>
+                    </a:lnBlToTr>
+                    <a:solidFill>
+                      <a:schemeClr val="accent6">
+                        <a:lumMod val="40000"/>
+                        <a:lumOff val="60000"/>
+                      </a:schemeClr>
+                    </a:solidFill>
+                  </a:tcPr>
+                </a:tc>
+                <a:tc hMerge="1">
+                  <a:txBody>
+                    <a:bodyPr/>
+                    <a:lstStyle/>
+                    <a:p>
+                      <a:endParaRPr lang="de-CH" dirty="0"/>
+                    </a:p>
+                  </a:txBody>
+                  <a:tcPr>
+                    <a:lnL w="12700" cap="flat" cmpd="sng" algn="ctr">
+                      <a:noFill/>
+                      <a:prstDash val="sysDash"/>
+                      <a:round/>
+                      <a:headEnd type="none" w="med" len="med"/>
+                      <a:tailEnd type="none" w="med" len="med"/>
+                    </a:lnL>
+                    <a:lnR w="12700" cap="flat" cmpd="sng" algn="ctr">
+                      <a:solidFill>
+                        <a:schemeClr val="tx1"/>
+                      </a:solidFill>
+                      <a:prstDash val="sysDash"/>
+                      <a:round/>
+                      <a:headEnd type="none" w="med" len="med"/>
+                      <a:tailEnd type="none" w="med" len="med"/>
+                    </a:lnR>
+                    <a:lnT w="12700" cap="flat" cmpd="sng" algn="ctr">
+                      <a:solidFill>
+                        <a:schemeClr val="accent6">
+                          <a:lumMod val="75000"/>
+                        </a:schemeClr>
+                      </a:solidFill>
+                      <a:prstDash val="solid"/>
+                      <a:round/>
+                      <a:headEnd type="none" w="med" len="med"/>
+                      <a:tailEnd type="none" w="med" len="med"/>
+                    </a:lnT>
+                    <a:lnB w="12700" cap="flat" cmpd="sng" algn="ctr">
+                      <a:solidFill>
+                        <a:schemeClr val="accent6">
+                          <a:lumMod val="75000"/>
+                        </a:schemeClr>
+                      </a:solidFill>
+                      <a:prstDash val="solid"/>
+                      <a:round/>
+                      <a:headEnd type="none" w="med" len="med"/>
+                      <a:tailEnd type="none" w="med" len="med"/>
+                    </a:lnB>
+                    <a:lnTlToBr w="12700" cmpd="sng">
+                      <a:noFill/>
+                      <a:prstDash val="solid"/>
+                    </a:lnTlToBr>
+                    <a:lnBlToTr w="12700" cmpd="sng">
+                      <a:noFill/>
+                      <a:prstDash val="solid"/>
+                    </a:lnBlToTr>
+                    <a:solidFill>
+                      <a:schemeClr val="accent6">
+                        <a:lumMod val="40000"/>
+                        <a:lumOff val="60000"/>
+                      </a:schemeClr>
+                    </a:solidFill>
+                  </a:tcPr>
+                </a:tc>
+                <a:tc hMerge="1">
+                  <a:txBody>
+                    <a:bodyPr/>
+                    <a:lstStyle/>
+                    <a:p>
+                      <a:endParaRPr lang="de-CH" dirty="0"/>
+                    </a:p>
+                  </a:txBody>
+                  <a:tcPr>
+                    <a:lnL w="12700" cap="flat" cmpd="sng" algn="ctr">
+                      <a:solidFill>
+                        <a:schemeClr val="tx1"/>
+                      </a:solidFill>
+                      <a:prstDash val="sysDash"/>
+                      <a:round/>
+                      <a:headEnd type="none" w="med" len="med"/>
+                      <a:tailEnd type="none" w="med" len="med"/>
+                    </a:lnL>
+                    <a:lnR w="12700" cap="flat" cmpd="sng" algn="ctr">
+                      <a:solidFill>
+                        <a:schemeClr val="accent6">
+                          <a:lumMod val="75000"/>
+                        </a:schemeClr>
+                      </a:solidFill>
+                      <a:prstDash val="solid"/>
+                      <a:round/>
+                      <a:headEnd type="none" w="med" len="med"/>
+                      <a:tailEnd type="none" w="med" len="med"/>
+                    </a:lnR>
+                    <a:lnT w="12700" cap="flat" cmpd="sng" algn="ctr">
+                      <a:solidFill>
+                        <a:schemeClr val="accent6">
+                          <a:lumMod val="75000"/>
+                        </a:schemeClr>
+                      </a:solidFill>
+                      <a:prstDash val="solid"/>
+                      <a:round/>
+                      <a:headEnd type="none" w="med" len="med"/>
+                      <a:tailEnd type="none" w="med" len="med"/>
+                    </a:lnT>
+                    <a:lnB w="12700" cap="flat" cmpd="sng" algn="ctr">
+                      <a:solidFill>
+                        <a:schemeClr val="accent6">
+                          <a:lumMod val="75000"/>
+                        </a:schemeClr>
+                      </a:solidFill>
+                      <a:prstDash val="solid"/>
+                      <a:round/>
+                      <a:headEnd type="none" w="med" len="med"/>
+                      <a:tailEnd type="none" w="med" len="med"/>
+                    </a:lnB>
+                    <a:lnTlToBr w="12700" cmpd="sng">
+                      <a:noFill/>
+                      <a:prstDash val="solid"/>
+                    </a:lnTlToBr>
+                    <a:lnBlToTr w="12700" cmpd="sng">
+                      <a:noFill/>
+                      <a:prstDash val="solid"/>
+                    </a:lnBlToTr>
+                    <a:solidFill>
+                      <a:schemeClr val="accent6">
+                        <a:lumMod val="40000"/>
+                        <a:lumOff val="60000"/>
+                      </a:schemeClr>
+                    </a:solidFill>
+                  </a:tcPr>
+                </a:tc>
                 <a:tc>
                   <a:txBody>
                     <a:bodyPr/>
@@ -6266,16 +6632,136 @@
                   <a:tcPr>
                     <a:lnL w="12700" cap="flat" cmpd="sng" algn="ctr">
                       <a:solidFill>
-                        <a:schemeClr val="tx1"/>
-                      </a:solidFill>
-                      <a:prstDash val="sysDash"/>
-                      <a:round/>
-                      <a:headEnd type="none" w="med" len="med"/>
-                      <a:tailEnd type="none" w="med" len="med"/>
-                    </a:lnL>
-                    <a:lnR w="12700" cap="flat" cmpd="sng" algn="ctr">
-                      <a:noFill/>
-                      <a:prstDash val="sysDash"/>
+                        <a:schemeClr val="accent6">
+                          <a:lumMod val="75000"/>
+                        </a:schemeClr>
+                      </a:solidFill>
+                      <a:prstDash val="solid"/>
+                      <a:round/>
+                      <a:headEnd type="none" w="med" len="med"/>
+                      <a:tailEnd type="none" w="med" len="med"/>
+                    </a:lnL>
+                    <a:lnR w="12700" cap="flat" cmpd="sng" algn="ctr">
+                      <a:solidFill>
+                        <a:schemeClr val="tx1"/>
+                      </a:solidFill>
+                      <a:prstDash val="sysDash"/>
+                      <a:round/>
+                      <a:headEnd type="none" w="med" len="med"/>
+                      <a:tailEnd type="none" w="med" len="med"/>
+                    </a:lnR>
+                    <a:lnT w="12700" cap="flat" cmpd="sng" algn="ctr">
+                      <a:solidFill>
+                        <a:schemeClr val="accent6">
+                          <a:lumMod val="75000"/>
+                        </a:schemeClr>
+                      </a:solidFill>
+                      <a:prstDash val="solid"/>
+                      <a:round/>
+                      <a:headEnd type="none" w="med" len="med"/>
+                      <a:tailEnd type="none" w="med" len="med"/>
+                    </a:lnT>
+                    <a:lnB w="12700" cap="flat" cmpd="sng" algn="ctr">
+                      <a:solidFill>
+                        <a:schemeClr val="accent6">
+                          <a:lumMod val="75000"/>
+                        </a:schemeClr>
+                      </a:solidFill>
+                      <a:prstDash val="solid"/>
+                      <a:round/>
+                      <a:headEnd type="none" w="med" len="med"/>
+                      <a:tailEnd type="none" w="med" len="med"/>
+                    </a:lnB>
+                    <a:lnTlToBr w="12700" cmpd="sng">
+                      <a:noFill/>
+                      <a:prstDash val="solid"/>
+                    </a:lnTlToBr>
+                    <a:lnBlToTr w="12700" cmpd="sng">
+                      <a:noFill/>
+                      <a:prstDash val="solid"/>
+                    </a:lnBlToTr>
+                    <a:noFill/>
+                  </a:tcPr>
+                </a:tc>
+                <a:tc>
+                  <a:txBody>
+                    <a:bodyPr/>
+                    <a:lstStyle/>
+                    <a:p>
+                      <a:endParaRPr lang="de-CH" dirty="0"/>
+                    </a:p>
+                  </a:txBody>
+                  <a:tcPr>
+                    <a:lnL w="12700" cap="flat" cmpd="sng" algn="ctr">
+                      <a:solidFill>
+                        <a:schemeClr val="tx1"/>
+                      </a:solidFill>
+                      <a:prstDash val="sysDash"/>
+                      <a:round/>
+                      <a:headEnd type="none" w="med" len="med"/>
+                      <a:tailEnd type="none" w="med" len="med"/>
+                    </a:lnL>
+                    <a:lnR w="12700" cap="flat" cmpd="sng" algn="ctr">
+                      <a:noFill/>
+                      <a:prstDash val="sysDash"/>
+                      <a:round/>
+                      <a:headEnd type="none" w="med" len="med"/>
+                      <a:tailEnd type="none" w="med" len="med"/>
+                    </a:lnR>
+                    <a:lnT w="12700" cap="flat" cmpd="sng" algn="ctr">
+                      <a:solidFill>
+                        <a:schemeClr val="accent6">
+                          <a:lumMod val="75000"/>
+                        </a:schemeClr>
+                      </a:solidFill>
+                      <a:prstDash val="solid"/>
+                      <a:round/>
+                      <a:headEnd type="none" w="med" len="med"/>
+                      <a:tailEnd type="none" w="med" len="med"/>
+                    </a:lnT>
+                    <a:lnB w="12700" cap="flat" cmpd="sng" algn="ctr">
+                      <a:solidFill>
+                        <a:schemeClr val="accent6">
+                          <a:lumMod val="75000"/>
+                        </a:schemeClr>
+                      </a:solidFill>
+                      <a:prstDash val="solid"/>
+                      <a:round/>
+                      <a:headEnd type="none" w="med" len="med"/>
+                      <a:tailEnd type="none" w="med" len="med"/>
+                    </a:lnB>
+                    <a:lnTlToBr w="12700" cmpd="sng">
+                      <a:noFill/>
+                      <a:prstDash val="solid"/>
+                    </a:lnTlToBr>
+                    <a:lnBlToTr w="12700" cmpd="sng">
+                      <a:noFill/>
+                      <a:prstDash val="solid"/>
+                    </a:lnBlToTr>
+                    <a:noFill/>
+                  </a:tcPr>
+                </a:tc>
+                <a:tc>
+                  <a:txBody>
+                    <a:bodyPr/>
+                    <a:lstStyle/>
+                    <a:p>
+                      <a:endParaRPr lang="de-CH" dirty="0"/>
+                    </a:p>
+                  </a:txBody>
+                  <a:tcPr>
+                    <a:lnL w="12700" cap="flat" cmpd="sng" algn="ctr">
+                      <a:noFill/>
+                      <a:prstDash val="sysDash"/>
+                      <a:round/>
+                      <a:headEnd type="none" w="med" len="med"/>
+                      <a:tailEnd type="none" w="med" len="med"/>
+                    </a:lnL>
+                    <a:lnR w="12700" cap="flat" cmpd="sng" algn="ctr">
+                      <a:solidFill>
+                        <a:schemeClr val="tx1"/>
+                      </a:solidFill>
+                      <a:prstDash val="solid"/>
                       <a:round/>
                       <a:headEnd type="none" w="med" len="med"/>
                       <a:tailEnd type="none" w="med" len="med"/>
@@ -6307,16 +6793,16 @@
                   </a:txBody>
                   <a:tcPr>
                     <a:lnL w="12700" cap="flat" cmpd="sng" algn="ctr">
-                      <a:noFill/>
-                      <a:prstDash val="sysDash"/>
-                      <a:round/>
-                      <a:headEnd type="none" w="med" len="med"/>
-                      <a:tailEnd type="none" w="med" len="med"/>
-                    </a:lnL>
-                    <a:lnR w="12700" cap="flat" cmpd="sng" algn="ctr">
-                      <a:solidFill>
-                        <a:schemeClr val="tx1"/>
-                      </a:solidFill>
+                      <a:solidFill>
+                        <a:schemeClr val="tx1"/>
+                      </a:solidFill>
+                      <a:prstDash val="solid"/>
+                      <a:round/>
+                      <a:headEnd type="none" w="med" len="med"/>
+                      <a:tailEnd type="none" w="med" len="med"/>
+                    </a:lnL>
+                    <a:lnR w="12700" cap="flat" cmpd="sng" algn="ctr">
+                      <a:noFill/>
                       <a:prstDash val="sysDash"/>
                       <a:round/>
                       <a:headEnd type="none" w="med" len="med"/>
@@ -6349,17 +6835,15 @@
                   </a:txBody>
                   <a:tcPr>
                     <a:lnL w="12700" cap="flat" cmpd="sng" algn="ctr">
-                      <a:solidFill>
-                        <a:schemeClr val="tx1"/>
-                      </a:solidFill>
-                      <a:prstDash val="sysDash"/>
-                      <a:round/>
-                      <a:headEnd type="none" w="med" len="med"/>
-                      <a:tailEnd type="none" w="med" len="med"/>
-                    </a:lnL>
-                    <a:lnR w="12700" cap="flat" cmpd="sng" algn="ctr">
-                      <a:noFill/>
-                      <a:prstDash val="sysDash"/>
+                      <a:noFill/>
+                      <a:prstDash val="sysDash"/>
+                      <a:round/>
+                      <a:headEnd type="none" w="med" len="med"/>
+                      <a:tailEnd type="none" w="med" len="med"/>
+                    </a:lnL>
+                    <a:lnR w="12700" cap="flat" cmpd="sng" algn="ctr">
+                      <a:noFill/>
+                      <a:prstDash val="solid"/>
                       <a:round/>
                       <a:headEnd type="none" w="med" len="med"/>
                       <a:tailEnd type="none" w="med" len="med"/>
@@ -6367,281 +6851,23 @@
                     <a:lnT w="12700" cmpd="sng">
                       <a:noFill/>
                     </a:lnT>
-                    <a:lnB w="12700" cmpd="sng">
-                      <a:noFill/>
-                    </a:lnB>
-                    <a:lnTlToBr w="12700" cmpd="sng">
-                      <a:noFill/>
-                      <a:prstDash val="solid"/>
-                    </a:lnTlToBr>
-                    <a:lnBlToTr w="12700" cmpd="sng">
-                      <a:noFill/>
-                      <a:prstDash val="solid"/>
-                    </a:lnBlToTr>
-                    <a:noFill/>
-                  </a:tcPr>
-                </a:tc>
-                <a:tc>
-                  <a:txBody>
-                    <a:bodyPr/>
-                    <a:lstStyle/>
-                    <a:p>
-                      <a:endParaRPr lang="de-CH" dirty="0"/>
-                    </a:p>
-                  </a:txBody>
-                  <a:tcPr>
-                    <a:lnL w="12700" cap="flat" cmpd="sng" algn="ctr">
-                      <a:noFill/>
-                      <a:prstDash val="sysDash"/>
-                      <a:round/>
-                      <a:headEnd type="none" w="med" len="med"/>
-                      <a:tailEnd type="none" w="med" len="med"/>
-                    </a:lnL>
-                    <a:lnR w="12700" cap="flat" cmpd="sng" algn="ctr">
-                      <a:solidFill>
-                        <a:schemeClr val="tx1"/>
-                      </a:solidFill>
-                      <a:prstDash val="sysDash"/>
-                      <a:round/>
-                      <a:headEnd type="none" w="med" len="med"/>
-                      <a:tailEnd type="none" w="med" len="med"/>
-                    </a:lnR>
-                    <a:lnT w="12700" cmpd="sng">
-                      <a:noFill/>
-                    </a:lnT>
-                    <a:lnB w="12700" cmpd="sng">
-                      <a:noFill/>
-                    </a:lnB>
-                    <a:lnTlToBr w="12700" cmpd="sng">
-                      <a:noFill/>
-                      <a:prstDash val="solid"/>
-                    </a:lnTlToBr>
-                    <a:lnBlToTr w="12700" cmpd="sng">
-                      <a:noFill/>
-                      <a:prstDash val="solid"/>
-                    </a:lnBlToTr>
-                    <a:noFill/>
-                  </a:tcPr>
-                </a:tc>
-                <a:tc>
-                  <a:txBody>
-                    <a:bodyPr/>
-                    <a:lstStyle/>
-                    <a:p>
-                      <a:endParaRPr lang="de-CH" dirty="0"/>
-                    </a:p>
-                  </a:txBody>
-                  <a:tcPr>
-                    <a:lnL w="12700" cap="flat" cmpd="sng" algn="ctr">
-                      <a:solidFill>
-                        <a:schemeClr val="tx1"/>
-                      </a:solidFill>
-                      <a:prstDash val="sysDash"/>
-                      <a:round/>
-                      <a:headEnd type="none" w="med" len="med"/>
-                      <a:tailEnd type="none" w="med" len="med"/>
-                    </a:lnL>
-                    <a:lnR w="12700" cap="flat" cmpd="sng" algn="ctr">
-                      <a:noFill/>
-                      <a:prstDash val="sysDash"/>
-                      <a:round/>
-                      <a:headEnd type="none" w="med" len="med"/>
-                      <a:tailEnd type="none" w="med" len="med"/>
-                    </a:lnR>
-                    <a:lnT w="12700" cmpd="sng">
-                      <a:noFill/>
-                    </a:lnT>
-                    <a:lnB w="12700" cmpd="sng">
-                      <a:noFill/>
-                    </a:lnB>
-                    <a:lnTlToBr w="12700" cmpd="sng">
-                      <a:noFill/>
-                      <a:prstDash val="solid"/>
-                    </a:lnTlToBr>
-                    <a:lnBlToTr w="12700" cmpd="sng">
-                      <a:noFill/>
-                      <a:prstDash val="solid"/>
-                    </a:lnBlToTr>
-                    <a:noFill/>
-                  </a:tcPr>
-                </a:tc>
-                <a:tc>
-                  <a:txBody>
-                    <a:bodyPr/>
-                    <a:lstStyle/>
-                    <a:p>
-                      <a:endParaRPr lang="de-CH" dirty="0"/>
-                    </a:p>
-                  </a:txBody>
-                  <a:tcPr>
-                    <a:lnL w="12700" cap="flat" cmpd="sng" algn="ctr">
-                      <a:noFill/>
-                      <a:prstDash val="sysDash"/>
-                      <a:round/>
-                      <a:headEnd type="none" w="med" len="med"/>
-                      <a:tailEnd type="none" w="med" len="med"/>
-                    </a:lnL>
-                    <a:lnR w="12700" cap="flat" cmpd="sng" algn="ctr">
-                      <a:solidFill>
-                        <a:schemeClr val="tx1"/>
-                      </a:solidFill>
-                      <a:prstDash val="sysDash"/>
-                      <a:round/>
-                      <a:headEnd type="none" w="med" len="med"/>
-                      <a:tailEnd type="none" w="med" len="med"/>
-                    </a:lnR>
-                    <a:lnT w="12700" cmpd="sng">
-                      <a:noFill/>
-                    </a:lnT>
-                    <a:lnB w="12700" cmpd="sng">
-                      <a:noFill/>
-                    </a:lnB>
-                    <a:lnTlToBr w="12700" cmpd="sng">
-                      <a:noFill/>
-                      <a:prstDash val="solid"/>
-                    </a:lnTlToBr>
-                    <a:lnBlToTr w="12700" cmpd="sng">
-                      <a:noFill/>
-                      <a:prstDash val="solid"/>
-                    </a:lnBlToTr>
-                    <a:noFill/>
-                  </a:tcPr>
-                </a:tc>
-                <a:tc>
-                  <a:txBody>
-                    <a:bodyPr/>
-                    <a:lstStyle/>
-                    <a:p>
-                      <a:endParaRPr lang="de-CH" dirty="0"/>
-                    </a:p>
-                  </a:txBody>
-                  <a:tcPr>
-                    <a:lnL w="12700" cap="flat" cmpd="sng" algn="ctr">
-                      <a:solidFill>
-                        <a:schemeClr val="tx1"/>
-                      </a:solidFill>
-                      <a:prstDash val="sysDash"/>
-                      <a:round/>
-                      <a:headEnd type="none" w="med" len="med"/>
-                      <a:tailEnd type="none" w="med" len="med"/>
-                    </a:lnL>
-                    <a:lnR w="12700" cap="flat" cmpd="sng" algn="ctr">
-                      <a:noFill/>
-                      <a:prstDash val="sysDash"/>
-                      <a:round/>
-                      <a:headEnd type="none" w="med" len="med"/>
-                      <a:tailEnd type="none" w="med" len="med"/>
-                    </a:lnR>
-                    <a:lnT w="12700" cmpd="sng">
-                      <a:noFill/>
-                    </a:lnT>
-                    <a:lnB w="12700" cmpd="sng">
-                      <a:noFill/>
-                    </a:lnB>
-                    <a:lnTlToBr w="12700" cmpd="sng">
-                      <a:noFill/>
-                      <a:prstDash val="solid"/>
-                    </a:lnTlToBr>
-                    <a:lnBlToTr w="12700" cmpd="sng">
-                      <a:noFill/>
-                      <a:prstDash val="solid"/>
-                    </a:lnBlToTr>
-                    <a:noFill/>
-                  </a:tcPr>
-                </a:tc>
-                <a:tc>
-                  <a:txBody>
-                    <a:bodyPr/>
-                    <a:lstStyle/>
-                    <a:p>
-                      <a:endParaRPr lang="de-CH" dirty="0"/>
-                    </a:p>
-                  </a:txBody>
-                  <a:tcPr>
-                    <a:lnL w="12700" cap="flat" cmpd="sng" algn="ctr">
-                      <a:noFill/>
-                      <a:prstDash val="sysDash"/>
-                      <a:round/>
-                      <a:headEnd type="none" w="med" len="med"/>
-                      <a:tailEnd type="none" w="med" len="med"/>
-                    </a:lnL>
-                    <a:lnR w="12700" cap="flat" cmpd="sng" algn="ctr">
-                      <a:solidFill>
-                        <a:schemeClr val="tx1"/>
-                      </a:solidFill>
-                      <a:prstDash val="solid"/>
-                      <a:round/>
-                      <a:headEnd type="none" w="med" len="med"/>
-                      <a:tailEnd type="none" w="med" len="med"/>
-                    </a:lnR>
-                    <a:lnT w="12700" cmpd="sng">
-                      <a:noFill/>
-                    </a:lnT>
-                    <a:lnB w="12700" cmpd="sng">
-                      <a:noFill/>
-                    </a:lnB>
-                    <a:lnTlToBr w="12700" cmpd="sng">
-                      <a:noFill/>
-                      <a:prstDash val="solid"/>
-                    </a:lnTlToBr>
-                    <a:lnBlToTr w="12700" cmpd="sng">
-                      <a:noFill/>
-                      <a:prstDash val="solid"/>
-                    </a:lnBlToTr>
-                    <a:noFill/>
-                  </a:tcPr>
-                </a:tc>
-                <a:tc gridSpan="2">
-                  <a:txBody>
-                    <a:bodyPr/>
-                    <a:lstStyle/>
-                    <a:p>
-                      <a:endParaRPr lang="de-CH" dirty="0"/>
-                    </a:p>
-                  </a:txBody>
-                  <a:tcPr>
-                    <a:lnL w="12700" cap="flat" cmpd="sng" algn="ctr">
-                      <a:solidFill>
-                        <a:schemeClr val="tx1"/>
-                      </a:solidFill>
-                      <a:prstDash val="solid"/>
-                      <a:round/>
-                      <a:headEnd type="none" w="med" len="med"/>
-                      <a:tailEnd type="none" w="med" len="med"/>
-                    </a:lnL>
-                    <a:lnR w="12700" cap="flat" cmpd="sng" algn="ctr">
-                      <a:noFill/>
-                      <a:prstDash val="sysDash"/>
-                      <a:round/>
-                      <a:headEnd type="none" w="med" len="med"/>
-                      <a:tailEnd type="none" w="med" len="med"/>
-                    </a:lnR>
-                    <a:lnT w="12700" cmpd="sng">
-                      <a:noFill/>
-                    </a:lnT>
-                    <a:lnB w="12700" cmpd="sng">
-                      <a:noFill/>
-                    </a:lnB>
-                    <a:lnTlToBr w="12700" cmpd="sng">
-                      <a:noFill/>
-                      <a:prstDash val="solid"/>
-                    </a:lnTlToBr>
-                    <a:lnBlToTr w="12700" cmpd="sng">
-                      <a:noFill/>
-                      <a:prstDash val="solid"/>
-                    </a:lnBlToTr>
-                    <a:noFill/>
-                  </a:tcPr>
-                </a:tc>
-                <a:tc hMerge="1">
-                  <a:txBody>
-                    <a:bodyPr/>
-                    <a:lstStyle/>
-                    <a:p>
-                      <a:endParaRPr lang="de-CH"/>
-                    </a:p>
-                  </a:txBody>
-                  <a:tcPr/>
+                    <a:lnB w="12700" cap="flat" cmpd="sng" algn="ctr">
+                      <a:noFill/>
+                      <a:prstDash val="solid"/>
+                      <a:round/>
+                      <a:headEnd type="none" w="med" len="med"/>
+                      <a:tailEnd type="none" w="med" len="med"/>
+                    </a:lnB>
+                    <a:lnTlToBr w="12700" cmpd="sng">
+                      <a:noFill/>
+                      <a:prstDash val="solid"/>
+                    </a:lnTlToBr>
+                    <a:lnBlToTr w="12700" cmpd="sng">
+                      <a:noFill/>
+                      <a:prstDash val="solid"/>
+                    </a:lnBlToTr>
+                    <a:noFill/>
+                  </a:tcPr>
                 </a:tc>
               </a:tr>
               <a:tr h="370840">
@@ -6651,6 +6877,632 @@
                     <a:lstStyle/>
                     <a:p>
                       <a:pPr algn="ctr"/>
+                      <a:r>
+                        <a:rPr lang="de-CH" sz="1000" dirty="0" err="1" smtClean="0"/>
+                        <a:t>Dementia</a:t>
+                      </a:r>
+                      <a:r>
+                        <a:rPr lang="de-CH" sz="1000" baseline="0" dirty="0" smtClean="0"/>
+                        <a:t> </a:t>
+                      </a:r>
+                      <a:r>
+                        <a:rPr lang="de-CH" sz="1000" dirty="0" err="1" smtClean="0"/>
+                        <a:t>Multimod</a:t>
+                      </a:r>
+                      <a:r>
+                        <a:rPr lang="de-CH" sz="1000" dirty="0" smtClean="0"/>
+                        <a:t>.</a:t>
+                      </a:r>
+                      <a:endParaRPr lang="de-CH" sz="1000" dirty="0"/>
+                    </a:p>
+                  </a:txBody>
+                  <a:tcPr anchor="ctr">
+                    <a:lnL w="12700" cap="flat" cmpd="sng" algn="ctr">
+                      <a:noFill/>
+                      <a:prstDash val="solid"/>
+                      <a:round/>
+                      <a:headEnd type="none" w="med" len="med"/>
+                      <a:tailEnd type="none" w="med" len="med"/>
+                    </a:lnL>
+                    <a:lnR w="12700" cap="flat" cmpd="sng" algn="ctr">
+                      <a:solidFill>
+                        <a:schemeClr val="tx1"/>
+                      </a:solidFill>
+                      <a:prstDash val="solid"/>
+                      <a:round/>
+                      <a:headEnd type="none" w="med" len="med"/>
+                      <a:tailEnd type="none" w="med" len="med"/>
+                    </a:lnR>
+                    <a:lnT w="12700" cmpd="sng">
+                      <a:noFill/>
+                    </a:lnT>
+                    <a:lnB w="12700" cmpd="sng">
+                      <a:noFill/>
+                    </a:lnB>
+                    <a:lnTlToBr w="12700" cmpd="sng">
+                      <a:noFill/>
+                      <a:prstDash val="solid"/>
+                    </a:lnTlToBr>
+                    <a:lnBlToTr w="12700" cmpd="sng">
+                      <a:noFill/>
+                      <a:prstDash val="solid"/>
+                    </a:lnBlToTr>
+                    <a:noFill/>
+                  </a:tcPr>
+                </a:tc>
+                <a:tc hMerge="1">
+                  <a:txBody>
+                    <a:bodyPr/>
+                    <a:lstStyle/>
+                    <a:p>
+                      <a:endParaRPr lang="de-CH"/>
+                    </a:p>
+                  </a:txBody>
+                  <a:tcPr/>
+                </a:tc>
+                <a:tc hMerge="1">
+                  <a:txBody>
+                    <a:bodyPr/>
+                    <a:lstStyle/>
+                    <a:p>
+                      <a:endParaRPr lang="de-CH"/>
+                    </a:p>
+                  </a:txBody>
+                  <a:tcPr/>
+                </a:tc>
+                <a:tc hMerge="1">
+                  <a:txBody>
+                    <a:bodyPr/>
+                    <a:lstStyle/>
+                    <a:p>
+                      <a:endParaRPr lang="de-CH"/>
+                    </a:p>
+                  </a:txBody>
+                  <a:tcPr/>
+                </a:tc>
+                <a:tc>
+                  <a:txBody>
+                    <a:bodyPr/>
+                    <a:lstStyle/>
+                    <a:p>
+                      <a:endParaRPr lang="de-CH" dirty="0"/>
+                    </a:p>
+                  </a:txBody>
+                  <a:tcPr>
+                    <a:lnL w="12700" cap="flat" cmpd="sng" algn="ctr">
+                      <a:solidFill>
+                        <a:schemeClr val="tx1"/>
+                      </a:solidFill>
+                      <a:prstDash val="solid"/>
+                      <a:round/>
+                      <a:headEnd type="none" w="med" len="med"/>
+                      <a:tailEnd type="none" w="med" len="med"/>
+                    </a:lnL>
+                    <a:lnR w="12700" cap="flat" cmpd="sng" algn="ctr">
+                      <a:noFill/>
+                      <a:prstDash val="sysDash"/>
+                      <a:round/>
+                      <a:headEnd type="none" w="med" len="med"/>
+                      <a:tailEnd type="none" w="med" len="med"/>
+                    </a:lnR>
+                    <a:lnT w="12700" cmpd="sng">
+                      <a:noFill/>
+                    </a:lnT>
+                    <a:lnB w="12700" cmpd="sng">
+                      <a:noFill/>
+                    </a:lnB>
+                    <a:lnTlToBr w="12700" cmpd="sng">
+                      <a:noFill/>
+                      <a:prstDash val="solid"/>
+                    </a:lnTlToBr>
+                    <a:lnBlToTr w="12700" cmpd="sng">
+                      <a:noFill/>
+                      <a:prstDash val="solid"/>
+                    </a:lnBlToTr>
+                    <a:noFill/>
+                  </a:tcPr>
+                </a:tc>
+                <a:tc>
+                  <a:txBody>
+                    <a:bodyPr/>
+                    <a:lstStyle/>
+                    <a:p>
+                      <a:endParaRPr lang="de-CH" dirty="0"/>
+                    </a:p>
+                  </a:txBody>
+                  <a:tcPr>
+                    <a:lnL w="12700" cap="flat" cmpd="sng" algn="ctr">
+                      <a:noFill/>
+                      <a:prstDash val="sysDash"/>
+                      <a:round/>
+                      <a:headEnd type="none" w="med" len="med"/>
+                      <a:tailEnd type="none" w="med" len="med"/>
+                    </a:lnL>
+                    <a:lnR w="12700" cap="flat" cmpd="sng" algn="ctr">
+                      <a:solidFill>
+                        <a:schemeClr val="tx1"/>
+                      </a:solidFill>
+                      <a:prstDash val="sysDash"/>
+                      <a:round/>
+                      <a:headEnd type="none" w="med" len="med"/>
+                      <a:tailEnd type="none" w="med" len="med"/>
+                    </a:lnR>
+                    <a:lnT w="12700" cmpd="sng">
+                      <a:noFill/>
+                    </a:lnT>
+                    <a:lnB w="12700" cmpd="sng">
+                      <a:noFill/>
+                    </a:lnB>
+                    <a:lnTlToBr w="12700" cmpd="sng">
+                      <a:noFill/>
+                      <a:prstDash val="solid"/>
+                    </a:lnTlToBr>
+                    <a:lnBlToTr w="12700" cmpd="sng">
+                      <a:noFill/>
+                      <a:prstDash val="solid"/>
+                    </a:lnBlToTr>
+                    <a:noFill/>
+                  </a:tcPr>
+                </a:tc>
+                <a:tc>
+                  <a:txBody>
+                    <a:bodyPr/>
+                    <a:lstStyle/>
+                    <a:p>
+                      <a:endParaRPr lang="de-CH" dirty="0"/>
+                    </a:p>
+                  </a:txBody>
+                  <a:tcPr>
+                    <a:lnL w="12700" cap="flat" cmpd="sng" algn="ctr">
+                      <a:solidFill>
+                        <a:schemeClr val="tx1"/>
+                      </a:solidFill>
+                      <a:prstDash val="sysDash"/>
+                      <a:round/>
+                      <a:headEnd type="none" w="med" len="med"/>
+                      <a:tailEnd type="none" w="med" len="med"/>
+                    </a:lnL>
+                    <a:lnR w="12700" cap="flat" cmpd="sng" algn="ctr">
+                      <a:noFill/>
+                      <a:prstDash val="sysDash"/>
+                      <a:round/>
+                      <a:headEnd type="none" w="med" len="med"/>
+                      <a:tailEnd type="none" w="med" len="med"/>
+                    </a:lnR>
+                    <a:lnT w="12700" cap="flat" cmpd="sng" algn="ctr">
+                      <a:solidFill>
+                        <a:schemeClr val="accent6">
+                          <a:lumMod val="75000"/>
+                        </a:schemeClr>
+                      </a:solidFill>
+                      <a:prstDash val="solid"/>
+                      <a:round/>
+                      <a:headEnd type="none" w="med" len="med"/>
+                      <a:tailEnd type="none" w="med" len="med"/>
+                    </a:lnT>
+                    <a:lnB w="12700" cmpd="sng">
+                      <a:noFill/>
+                    </a:lnB>
+                    <a:lnTlToBr w="12700" cmpd="sng">
+                      <a:noFill/>
+                      <a:prstDash val="solid"/>
+                    </a:lnTlToBr>
+                    <a:lnBlToTr w="12700" cmpd="sng">
+                      <a:noFill/>
+                      <a:prstDash val="solid"/>
+                    </a:lnBlToTr>
+                    <a:noFill/>
+                  </a:tcPr>
+                </a:tc>
+                <a:tc>
+                  <a:txBody>
+                    <a:bodyPr/>
+                    <a:lstStyle/>
+                    <a:p>
+                      <a:endParaRPr lang="de-CH" dirty="0"/>
+                    </a:p>
+                  </a:txBody>
+                  <a:tcPr>
+                    <a:lnL w="12700" cap="flat" cmpd="sng" algn="ctr">
+                      <a:noFill/>
+                      <a:prstDash val="sysDash"/>
+                      <a:round/>
+                      <a:headEnd type="none" w="med" len="med"/>
+                      <a:tailEnd type="none" w="med" len="med"/>
+                    </a:lnL>
+                    <a:lnR w="12700" cap="flat" cmpd="sng" algn="ctr">
+                      <a:solidFill>
+                        <a:schemeClr val="tx1"/>
+                      </a:solidFill>
+                      <a:prstDash val="sysDash"/>
+                      <a:round/>
+                      <a:headEnd type="none" w="med" len="med"/>
+                      <a:tailEnd type="none" w="med" len="med"/>
+                    </a:lnR>
+                    <a:lnT w="12700" cap="flat" cmpd="sng" algn="ctr">
+                      <a:solidFill>
+                        <a:schemeClr val="accent6">
+                          <a:lumMod val="75000"/>
+                        </a:schemeClr>
+                      </a:solidFill>
+                      <a:prstDash val="solid"/>
+                      <a:round/>
+                      <a:headEnd type="none" w="med" len="med"/>
+                      <a:tailEnd type="none" w="med" len="med"/>
+                    </a:lnT>
+                    <a:lnB w="12700" cmpd="sng">
+                      <a:noFill/>
+                    </a:lnB>
+                    <a:lnTlToBr w="12700" cmpd="sng">
+                      <a:noFill/>
+                      <a:prstDash val="solid"/>
+                    </a:lnTlToBr>
+                    <a:lnBlToTr w="12700" cmpd="sng">
+                      <a:noFill/>
+                      <a:prstDash val="solid"/>
+                    </a:lnBlToTr>
+                    <a:noFill/>
+                  </a:tcPr>
+                </a:tc>
+                <a:tc gridSpan="3">
+                  <a:txBody>
+                    <a:bodyPr/>
+                    <a:lstStyle/>
+                    <a:p>
+                      <a:endParaRPr lang="de-CH" dirty="0"/>
+                    </a:p>
+                  </a:txBody>
+                  <a:tcPr>
+                    <a:lnL w="12700" cap="flat" cmpd="sng" algn="ctr">
+                      <a:solidFill>
+                        <a:schemeClr val="tx1"/>
+                      </a:solidFill>
+                      <a:prstDash val="sysDash"/>
+                      <a:round/>
+                      <a:headEnd type="none" w="med" len="med"/>
+                      <a:tailEnd type="none" w="med" len="med"/>
+                    </a:lnL>
+                    <a:lnR w="12700" cap="flat" cmpd="sng" algn="ctr">
+                      <a:solidFill>
+                        <a:schemeClr val="accent6">
+                          <a:lumMod val="75000"/>
+                        </a:schemeClr>
+                      </a:solidFill>
+                      <a:prstDash val="solid"/>
+                      <a:round/>
+                      <a:headEnd type="none" w="med" len="med"/>
+                      <a:tailEnd type="none" w="med" len="med"/>
+                    </a:lnR>
+                    <a:lnT w="12700" cap="flat" cmpd="sng" algn="ctr">
+                      <a:solidFill>
+                        <a:schemeClr val="accent6">
+                          <a:lumMod val="75000"/>
+                        </a:schemeClr>
+                      </a:solidFill>
+                      <a:prstDash val="solid"/>
+                      <a:round/>
+                      <a:headEnd type="none" w="med" len="med"/>
+                      <a:tailEnd type="none" w="med" len="med"/>
+                    </a:lnT>
+                    <a:lnB w="12700" cap="flat" cmpd="sng" algn="ctr">
+                      <a:solidFill>
+                        <a:schemeClr val="accent6">
+                          <a:lumMod val="75000"/>
+                        </a:schemeClr>
+                      </a:solidFill>
+                      <a:prstDash val="solid"/>
+                      <a:round/>
+                      <a:headEnd type="none" w="med" len="med"/>
+                      <a:tailEnd type="none" w="med" len="med"/>
+                    </a:lnB>
+                    <a:lnTlToBr w="12700" cmpd="sng">
+                      <a:noFill/>
+                      <a:prstDash val="solid"/>
+                    </a:lnTlToBr>
+                    <a:lnBlToTr w="12700" cmpd="sng">
+                      <a:noFill/>
+                      <a:prstDash val="solid"/>
+                    </a:lnBlToTr>
+                    <a:solidFill>
+                      <a:schemeClr val="accent6">
+                        <a:lumMod val="40000"/>
+                        <a:lumOff val="60000"/>
+                      </a:schemeClr>
+                    </a:solidFill>
+                  </a:tcPr>
+                </a:tc>
+                <a:tc hMerge="1">
+                  <a:txBody>
+                    <a:bodyPr/>
+                    <a:lstStyle/>
+                    <a:p>
+                      <a:endParaRPr lang="de-CH" dirty="0"/>
+                    </a:p>
+                  </a:txBody>
+                  <a:tcPr>
+                    <a:lnL w="12700" cap="flat" cmpd="sng" algn="ctr">
+                      <a:solidFill>
+                        <a:schemeClr val="accent6">
+                          <a:lumMod val="75000"/>
+                        </a:schemeClr>
+                      </a:solidFill>
+                      <a:prstDash val="solid"/>
+                      <a:round/>
+                      <a:headEnd type="none" w="med" len="med"/>
+                      <a:tailEnd type="none" w="med" len="med"/>
+                    </a:lnL>
+                    <a:lnR w="12700" cap="flat" cmpd="sng" algn="ctr">
+                      <a:solidFill>
+                        <a:schemeClr val="accent6">
+                          <a:lumMod val="75000"/>
+                        </a:schemeClr>
+                      </a:solidFill>
+                      <a:prstDash val="solid"/>
+                      <a:round/>
+                      <a:headEnd type="none" w="med" len="med"/>
+                      <a:tailEnd type="none" w="med" len="med"/>
+                    </a:lnR>
+                    <a:lnT w="12700" cap="flat" cmpd="sng" algn="ctr">
+                      <a:solidFill>
+                        <a:schemeClr val="accent6">
+                          <a:lumMod val="75000"/>
+                        </a:schemeClr>
+                      </a:solidFill>
+                      <a:prstDash val="solid"/>
+                      <a:round/>
+                      <a:headEnd type="none" w="med" len="med"/>
+                      <a:tailEnd type="none" w="med" len="med"/>
+                    </a:lnT>
+                    <a:lnB w="12700" cap="flat" cmpd="sng" algn="ctr">
+                      <a:solidFill>
+                        <a:schemeClr val="accent6">
+                          <a:lumMod val="75000"/>
+                        </a:schemeClr>
+                      </a:solidFill>
+                      <a:prstDash val="solid"/>
+                      <a:round/>
+                      <a:headEnd type="none" w="med" len="med"/>
+                      <a:tailEnd type="none" w="med" len="med"/>
+                    </a:lnB>
+                    <a:lnTlToBr w="12700" cmpd="sng">
+                      <a:noFill/>
+                      <a:prstDash val="solid"/>
+                    </a:lnTlToBr>
+                    <a:lnBlToTr w="12700" cmpd="sng">
+                      <a:noFill/>
+                      <a:prstDash val="solid"/>
+                    </a:lnBlToTr>
+                    <a:solidFill>
+                      <a:schemeClr val="accent6">
+                        <a:lumMod val="40000"/>
+                        <a:lumOff val="60000"/>
+                      </a:schemeClr>
+                    </a:solidFill>
+                  </a:tcPr>
+                </a:tc>
+                <a:tc hMerge="1">
+                  <a:txBody>
+                    <a:bodyPr/>
+                    <a:lstStyle/>
+                    <a:p>
+                      <a:endParaRPr lang="de-CH" dirty="0"/>
+                    </a:p>
+                  </a:txBody>
+                  <a:tcPr>
+                    <a:lnL w="12700" cap="flat" cmpd="sng" algn="ctr">
+                      <a:solidFill>
+                        <a:schemeClr val="tx1"/>
+                      </a:solidFill>
+                      <a:prstDash val="sysDash"/>
+                      <a:round/>
+                      <a:headEnd type="none" w="med" len="med"/>
+                      <a:tailEnd type="none" w="med" len="med"/>
+                    </a:lnL>
+                    <a:lnR w="12700" cap="flat" cmpd="sng" algn="ctr">
+                      <a:solidFill>
+                        <a:schemeClr val="accent6">
+                          <a:lumMod val="75000"/>
+                        </a:schemeClr>
+                      </a:solidFill>
+                      <a:prstDash val="solid"/>
+                      <a:round/>
+                      <a:headEnd type="none" w="med" len="med"/>
+                      <a:tailEnd type="none" w="med" len="med"/>
+                    </a:lnR>
+                    <a:lnT w="12700" cap="flat" cmpd="sng" algn="ctr">
+                      <a:solidFill>
+                        <a:schemeClr val="accent6">
+                          <a:lumMod val="75000"/>
+                        </a:schemeClr>
+                      </a:solidFill>
+                      <a:prstDash val="solid"/>
+                      <a:round/>
+                      <a:headEnd type="none" w="med" len="med"/>
+                      <a:tailEnd type="none" w="med" len="med"/>
+                    </a:lnT>
+                    <a:lnB w="12700" cap="flat" cmpd="sng" algn="ctr">
+                      <a:solidFill>
+                        <a:schemeClr val="accent6">
+                          <a:lumMod val="75000"/>
+                        </a:schemeClr>
+                      </a:solidFill>
+                      <a:prstDash val="solid"/>
+                      <a:round/>
+                      <a:headEnd type="none" w="med" len="med"/>
+                      <a:tailEnd type="none" w="med" len="med"/>
+                    </a:lnB>
+                    <a:lnTlToBr w="12700" cmpd="sng">
+                      <a:noFill/>
+                      <a:prstDash val="solid"/>
+                    </a:lnTlToBr>
+                    <a:lnBlToTr w="12700" cmpd="sng">
+                      <a:noFill/>
+                      <a:prstDash val="solid"/>
+                    </a:lnBlToTr>
+                    <a:solidFill>
+                      <a:schemeClr val="accent6">
+                        <a:lumMod val="40000"/>
+                        <a:lumOff val="60000"/>
+                      </a:schemeClr>
+                    </a:solidFill>
+                  </a:tcPr>
+                </a:tc>
+                <a:tc>
+                  <a:txBody>
+                    <a:bodyPr/>
+                    <a:lstStyle/>
+                    <a:p>
+                      <a:endParaRPr lang="de-CH" dirty="0"/>
+                    </a:p>
+                  </a:txBody>
+                  <a:tcPr>
+                    <a:lnL w="12700" cap="flat" cmpd="sng" algn="ctr">
+                      <a:solidFill>
+                        <a:schemeClr val="accent6">
+                          <a:lumMod val="75000"/>
+                        </a:schemeClr>
+                      </a:solidFill>
+                      <a:prstDash val="solid"/>
+                      <a:round/>
+                      <a:headEnd type="none" w="med" len="med"/>
+                      <a:tailEnd type="none" w="med" len="med"/>
+                    </a:lnL>
+                    <a:lnR w="12700" cap="flat" cmpd="sng" algn="ctr">
+                      <a:solidFill>
+                        <a:schemeClr val="tx1"/>
+                      </a:solidFill>
+                      <a:prstDash val="solid"/>
+                      <a:round/>
+                      <a:headEnd type="none" w="med" len="med"/>
+                      <a:tailEnd type="none" w="med" len="med"/>
+                    </a:lnR>
+                    <a:lnT w="12700" cmpd="sng">
+                      <a:noFill/>
+                    </a:lnT>
+                    <a:lnB w="12700" cap="flat" cmpd="sng" algn="ctr">
+                      <a:solidFill>
+                        <a:schemeClr val="accent6">
+                          <a:lumMod val="75000"/>
+                        </a:schemeClr>
+                      </a:solidFill>
+                      <a:prstDash val="solid"/>
+                      <a:round/>
+                      <a:headEnd type="none" w="med" len="med"/>
+                      <a:tailEnd type="none" w="med" len="med"/>
+                    </a:lnB>
+                    <a:lnTlToBr w="12700" cmpd="sng">
+                      <a:noFill/>
+                      <a:prstDash val="solid"/>
+                    </a:lnTlToBr>
+                    <a:lnBlToTr w="12700" cmpd="sng">
+                      <a:noFill/>
+                      <a:prstDash val="solid"/>
+                    </a:lnBlToTr>
+                    <a:noFill/>
+                  </a:tcPr>
+                </a:tc>
+                <a:tc>
+                  <a:txBody>
+                    <a:bodyPr/>
+                    <a:lstStyle/>
+                    <a:p>
+                      <a:endParaRPr lang="de-CH" dirty="0"/>
+                    </a:p>
+                  </a:txBody>
+                  <a:tcPr>
+                    <a:lnL w="12700" cap="flat" cmpd="sng" algn="ctr">
+                      <a:solidFill>
+                        <a:schemeClr val="tx1"/>
+                      </a:solidFill>
+                      <a:prstDash val="solid"/>
+                      <a:round/>
+                      <a:headEnd type="none" w="med" len="med"/>
+                      <a:tailEnd type="none" w="med" len="med"/>
+                    </a:lnL>
+                    <a:lnR w="12700" cap="flat" cmpd="sng" algn="ctr">
+                      <a:noFill/>
+                      <a:prstDash val="sysDash"/>
+                      <a:round/>
+                      <a:headEnd type="none" w="med" len="med"/>
+                      <a:tailEnd type="none" w="med" len="med"/>
+                    </a:lnR>
+                    <a:lnT w="12700" cmpd="sng">
+                      <a:noFill/>
+                    </a:lnT>
+                    <a:lnB w="12700" cmpd="sng">
+                      <a:noFill/>
+                    </a:lnB>
+                    <a:lnTlToBr w="12700" cmpd="sng">
+                      <a:noFill/>
+                      <a:prstDash val="solid"/>
+                    </a:lnTlToBr>
+                    <a:lnBlToTr w="12700" cmpd="sng">
+                      <a:noFill/>
+                      <a:prstDash val="solid"/>
+                    </a:lnBlToTr>
+                    <a:noFill/>
+                  </a:tcPr>
+                </a:tc>
+                <a:tc>
+                  <a:txBody>
+                    <a:bodyPr/>
+                    <a:lstStyle/>
+                    <a:p>
+                      <a:endParaRPr lang="de-CH" dirty="0"/>
+                    </a:p>
+                  </a:txBody>
+                  <a:tcPr>
+                    <a:lnL w="12700" cap="flat" cmpd="sng" algn="ctr">
+                      <a:noFill/>
+                      <a:prstDash val="sysDash"/>
+                      <a:round/>
+                      <a:headEnd type="none" w="med" len="med"/>
+                      <a:tailEnd type="none" w="med" len="med"/>
+                    </a:lnL>
+                    <a:lnR w="12700" cap="flat" cmpd="sng" algn="ctr">
+                      <a:noFill/>
+                      <a:prstDash val="solid"/>
+                      <a:round/>
+                      <a:headEnd type="none" w="med" len="med"/>
+                      <a:tailEnd type="none" w="med" len="med"/>
+                    </a:lnR>
+                    <a:lnT w="12700" cmpd="sng">
+                      <a:noFill/>
+                    </a:lnT>
+                    <a:lnB w="12700" cap="flat" cmpd="sng" algn="ctr">
+                      <a:noFill/>
+                      <a:prstDash val="solid"/>
+                      <a:round/>
+                      <a:headEnd type="none" w="med" len="med"/>
+                      <a:tailEnd type="none" w="med" len="med"/>
+                    </a:lnB>
+                    <a:lnTlToBr w="12700" cmpd="sng">
+                      <a:noFill/>
+                      <a:prstDash val="solid"/>
+                    </a:lnTlToBr>
+                    <a:lnBlToTr w="12700" cmpd="sng">
+                      <a:noFill/>
+                      <a:prstDash val="solid"/>
+                    </a:lnBlToTr>
+                    <a:noFill/>
+                  </a:tcPr>
+                </a:tc>
+              </a:tr>
+              <a:tr h="370840">
+                <a:tc gridSpan="4">
+                  <a:txBody>
+                    <a:bodyPr/>
+                    <a:lstStyle/>
+                    <a:p>
+                      <a:pPr algn="ctr"/>
+                      <a:r>
+                        <a:rPr lang="de-CH" sz="1000" dirty="0" smtClean="0"/>
+                        <a:t>Write </a:t>
+                      </a:r>
+                      <a:r>
+                        <a:rPr lang="de-CH" sz="1000" dirty="0" err="1" smtClean="0"/>
+                        <a:t>up</a:t>
+                      </a:r>
                       <a:endParaRPr lang="de-CH" sz="1000" dirty="0"/>
                     </a:p>
                   </a:txBody>
@@ -6976,6 +7828,227 @@
                       <a:headEnd type="none" w="med" len="med"/>
                       <a:tailEnd type="none" w="med" len="med"/>
                     </a:lnR>
+                    <a:lnT w="12700" cap="flat" cmpd="sng" algn="ctr">
+                      <a:solidFill>
+                        <a:schemeClr val="accent6">
+                          <a:lumMod val="75000"/>
+                        </a:schemeClr>
+                      </a:solidFill>
+                      <a:prstDash val="solid"/>
+                      <a:round/>
+                      <a:headEnd type="none" w="med" len="med"/>
+                      <a:tailEnd type="none" w="med" len="med"/>
+                    </a:lnT>
+                    <a:lnB w="12700" cmpd="sng">
+                      <a:noFill/>
+                    </a:lnB>
+                    <a:lnTlToBr w="12700" cmpd="sng">
+                      <a:noFill/>
+                      <a:prstDash val="solid"/>
+                    </a:lnTlToBr>
+                    <a:lnBlToTr w="12700" cmpd="sng">
+                      <a:noFill/>
+                      <a:prstDash val="solid"/>
+                    </a:lnBlToTr>
+                    <a:noFill/>
+                  </a:tcPr>
+                </a:tc>
+                <a:tc>
+                  <a:txBody>
+                    <a:bodyPr/>
+                    <a:lstStyle/>
+                    <a:p>
+                      <a:endParaRPr lang="de-CH"/>
+                    </a:p>
+                  </a:txBody>
+                  <a:tcPr>
+                    <a:lnL w="12700" cap="flat" cmpd="sng" algn="ctr">
+                      <a:noFill/>
+                      <a:prstDash val="sysDash"/>
+                      <a:round/>
+                      <a:headEnd type="none" w="med" len="med"/>
+                      <a:tailEnd type="none" w="med" len="med"/>
+                    </a:lnL>
+                    <a:lnR w="12700" cap="flat" cmpd="sng" algn="ctr">
+                      <a:solidFill>
+                        <a:schemeClr val="tx1"/>
+                      </a:solidFill>
+                      <a:prstDash val="sysDash"/>
+                      <a:round/>
+                      <a:headEnd type="none" w="med" len="med"/>
+                      <a:tailEnd type="none" w="med" len="med"/>
+                    </a:lnR>
+                    <a:lnT w="12700" cap="flat" cmpd="sng" algn="ctr">
+                      <a:solidFill>
+                        <a:schemeClr val="accent6">
+                          <a:lumMod val="75000"/>
+                        </a:schemeClr>
+                      </a:solidFill>
+                      <a:prstDash val="solid"/>
+                      <a:round/>
+                      <a:headEnd type="none" w="med" len="med"/>
+                      <a:tailEnd type="none" w="med" len="med"/>
+                    </a:lnT>
+                    <a:lnB w="12700" cmpd="sng">
+                      <a:noFill/>
+                    </a:lnB>
+                    <a:lnTlToBr w="12700" cmpd="sng">
+                      <a:noFill/>
+                      <a:prstDash val="solid"/>
+                    </a:lnTlToBr>
+                    <a:lnBlToTr w="12700" cmpd="sng">
+                      <a:noFill/>
+                      <a:prstDash val="solid"/>
+                    </a:lnBlToTr>
+                    <a:noFill/>
+                  </a:tcPr>
+                </a:tc>
+                <a:tc>
+                  <a:txBody>
+                    <a:bodyPr/>
+                    <a:lstStyle/>
+                    <a:p>
+                      <a:endParaRPr lang="de-CH" dirty="0"/>
+                    </a:p>
+                  </a:txBody>
+                  <a:tcPr>
+                    <a:lnL w="12700" cap="flat" cmpd="sng" algn="ctr">
+                      <a:solidFill>
+                        <a:schemeClr val="tx1"/>
+                      </a:solidFill>
+                      <a:prstDash val="sysDash"/>
+                      <a:round/>
+                      <a:headEnd type="none" w="med" len="med"/>
+                      <a:tailEnd type="none" w="med" len="med"/>
+                    </a:lnL>
+                    <a:lnR w="12700" cap="flat" cmpd="sng" algn="ctr">
+                      <a:solidFill>
+                        <a:schemeClr val="accent6">
+                          <a:lumMod val="75000"/>
+                        </a:schemeClr>
+                      </a:solidFill>
+                      <a:prstDash val="solid"/>
+                      <a:round/>
+                      <a:headEnd type="none" w="med" len="med"/>
+                      <a:tailEnd type="none" w="med" len="med"/>
+                    </a:lnR>
+                    <a:lnT w="12700" cap="flat" cmpd="sng" algn="ctr">
+                      <a:solidFill>
+                        <a:schemeClr val="accent6">
+                          <a:lumMod val="75000"/>
+                        </a:schemeClr>
+                      </a:solidFill>
+                      <a:prstDash val="solid"/>
+                      <a:round/>
+                      <a:headEnd type="none" w="med" len="med"/>
+                      <a:tailEnd type="none" w="med" len="med"/>
+                    </a:lnT>
+                    <a:lnB w="12700" cmpd="sng">
+                      <a:noFill/>
+                    </a:lnB>
+                    <a:lnTlToBr w="12700" cmpd="sng">
+                      <a:noFill/>
+                      <a:prstDash val="solid"/>
+                    </a:lnTlToBr>
+                    <a:lnBlToTr w="12700" cmpd="sng">
+                      <a:noFill/>
+                      <a:prstDash val="solid"/>
+                    </a:lnBlToTr>
+                    <a:noFill/>
+                  </a:tcPr>
+                </a:tc>
+                <a:tc>
+                  <a:txBody>
+                    <a:bodyPr/>
+                    <a:lstStyle/>
+                    <a:p>
+                      <a:endParaRPr lang="de-CH" dirty="0"/>
+                    </a:p>
+                  </a:txBody>
+                  <a:tcPr>
+                    <a:lnL w="12700" cap="flat" cmpd="sng" algn="ctr">
+                      <a:solidFill>
+                        <a:schemeClr val="accent6">
+                          <a:lumMod val="75000"/>
+                        </a:schemeClr>
+                      </a:solidFill>
+                      <a:prstDash val="solid"/>
+                      <a:round/>
+                      <a:headEnd type="none" w="med" len="med"/>
+                      <a:tailEnd type="none" w="med" len="med"/>
+                    </a:lnL>
+                    <a:lnR w="12700" cap="flat" cmpd="sng" algn="ctr">
+                      <a:solidFill>
+                        <a:schemeClr val="tx1"/>
+                      </a:solidFill>
+                      <a:prstDash val="solid"/>
+                      <a:round/>
+                      <a:headEnd type="none" w="med" len="med"/>
+                      <a:tailEnd type="none" w="med" len="med"/>
+                    </a:lnR>
+                    <a:lnT w="12700" cap="flat" cmpd="sng" algn="ctr">
+                      <a:solidFill>
+                        <a:schemeClr val="accent6">
+                          <a:lumMod val="75000"/>
+                        </a:schemeClr>
+                      </a:solidFill>
+                      <a:prstDash val="solid"/>
+                      <a:round/>
+                      <a:headEnd type="none" w="med" len="med"/>
+                      <a:tailEnd type="none" w="med" len="med"/>
+                    </a:lnT>
+                    <a:lnB w="12700" cap="flat" cmpd="sng" algn="ctr">
+                      <a:solidFill>
+                        <a:schemeClr val="accent6">
+                          <a:lumMod val="75000"/>
+                        </a:schemeClr>
+                      </a:solidFill>
+                      <a:prstDash val="solid"/>
+                      <a:round/>
+                      <a:headEnd type="none" w="med" len="med"/>
+                      <a:tailEnd type="none" w="med" len="med"/>
+                    </a:lnB>
+                    <a:lnTlToBr w="12700" cmpd="sng">
+                      <a:noFill/>
+                      <a:prstDash val="solid"/>
+                    </a:lnTlToBr>
+                    <a:lnBlToTr w="12700" cmpd="sng">
+                      <a:noFill/>
+                      <a:prstDash val="solid"/>
+                    </a:lnBlToTr>
+                    <a:solidFill>
+                      <a:schemeClr val="accent6">
+                        <a:lumMod val="40000"/>
+                        <a:lumOff val="60000"/>
+                      </a:schemeClr>
+                    </a:solidFill>
+                  </a:tcPr>
+                </a:tc>
+                <a:tc>
+                  <a:txBody>
+                    <a:bodyPr/>
+                    <a:lstStyle/>
+                    <a:p>
+                      <a:endParaRPr lang="de-CH" dirty="0"/>
+                    </a:p>
+                  </a:txBody>
+                  <a:tcPr>
+                    <a:lnL w="12700" cap="flat" cmpd="sng" algn="ctr">
+                      <a:solidFill>
+                        <a:schemeClr val="tx1"/>
+                      </a:solidFill>
+                      <a:prstDash val="solid"/>
+                      <a:round/>
+                      <a:headEnd type="none" w="med" len="med"/>
+                      <a:tailEnd type="none" w="med" len="med"/>
+                    </a:lnL>
+                    <a:lnR w="12700" cap="flat" cmpd="sng" algn="ctr">
+                      <a:noFill/>
+                      <a:prstDash val="solid"/>
+                      <a:round/>
+                      <a:headEnd type="none" w="med" len="med"/>
+                      <a:tailEnd type="none" w="med" len="med"/>
+                    </a:lnR>
                     <a:lnT w="12700" cmpd="sng">
                       <a:noFill/>
                     </a:lnT>
@@ -6998,262 +8071,48 @@
                     <a:bodyPr/>
                     <a:lstStyle/>
                     <a:p>
-                      <a:endParaRPr lang="de-CH"/>
-                    </a:p>
-                  </a:txBody>
-                  <a:tcPr>
-                    <a:lnL w="12700" cap="flat" cmpd="sng" algn="ctr">
-                      <a:noFill/>
-                      <a:prstDash val="sysDash"/>
-                      <a:round/>
-                      <a:headEnd type="none" w="med" len="med"/>
-                      <a:tailEnd type="none" w="med" len="med"/>
-                    </a:lnL>
-                    <a:lnR w="12700" cap="flat" cmpd="sng" algn="ctr">
-                      <a:solidFill>
-                        <a:schemeClr val="tx1"/>
-                      </a:solidFill>
-                      <a:prstDash val="sysDash"/>
-                      <a:round/>
-                      <a:headEnd type="none" w="med" len="med"/>
-                      <a:tailEnd type="none" w="med" len="med"/>
-                    </a:lnR>
-                    <a:lnT w="12700" cmpd="sng">
-                      <a:noFill/>
-                    </a:lnT>
-                    <a:lnB w="12700" cmpd="sng">
-                      <a:noFill/>
-                    </a:lnB>
-                    <a:lnTlToBr w="12700" cmpd="sng">
-                      <a:noFill/>
-                      <a:prstDash val="solid"/>
-                    </a:lnTlToBr>
-                    <a:lnBlToTr w="12700" cmpd="sng">
-                      <a:noFill/>
-                      <a:prstDash val="solid"/>
-                    </a:lnBlToTr>
-                    <a:noFill/>
-                  </a:tcPr>
-                </a:tc>
-                <a:tc>
-                  <a:txBody>
-                    <a:bodyPr/>
-                    <a:lstStyle/>
-                    <a:p>
                       <a:endParaRPr lang="de-CH" dirty="0"/>
                     </a:p>
                   </a:txBody>
                   <a:tcPr>
                     <a:lnL w="12700" cap="flat" cmpd="sng" algn="ctr">
-                      <a:solidFill>
-                        <a:schemeClr val="tx1"/>
-                      </a:solidFill>
-                      <a:prstDash val="sysDash"/>
-                      <a:round/>
-                      <a:headEnd type="none" w="med" len="med"/>
-                      <a:tailEnd type="none" w="med" len="med"/>
-                    </a:lnL>
-                    <a:lnR w="12700" cap="flat" cmpd="sng" algn="ctr">
-                      <a:noFill/>
-                      <a:prstDash val="sysDash"/>
-                      <a:round/>
-                      <a:headEnd type="none" w="med" len="med"/>
-                      <a:tailEnd type="none" w="med" len="med"/>
-                    </a:lnR>
-                    <a:lnT w="12700" cmpd="sng">
-                      <a:noFill/>
-                    </a:lnT>
-                    <a:lnB w="12700" cmpd="sng">
-                      <a:noFill/>
-                    </a:lnB>
-                    <a:lnTlToBr w="12700" cmpd="sng">
-                      <a:noFill/>
-                      <a:prstDash val="solid"/>
-                    </a:lnTlToBr>
-                    <a:lnBlToTr w="12700" cmpd="sng">
-                      <a:noFill/>
-                      <a:prstDash val="solid"/>
-                    </a:lnBlToTr>
-                    <a:noFill/>
-                  </a:tcPr>
-                </a:tc>
-                <a:tc>
-                  <a:txBody>
-                    <a:bodyPr/>
-                    <a:lstStyle/>
-                    <a:p>
-                      <a:endParaRPr lang="de-CH" dirty="0"/>
-                    </a:p>
-                  </a:txBody>
-                  <a:tcPr>
-                    <a:lnL w="12700" cap="flat" cmpd="sng" algn="ctr">
-                      <a:noFill/>
-                      <a:prstDash val="sysDash"/>
-                      <a:round/>
-                      <a:headEnd type="none" w="med" len="med"/>
-                      <a:tailEnd type="none" w="med" len="med"/>
-                    </a:lnL>
-                    <a:lnR w="12700" cap="flat" cmpd="sng" algn="ctr">
-                      <a:solidFill>
-                        <a:schemeClr val="tx1"/>
-                      </a:solidFill>
-                      <a:prstDash val="sysDash"/>
-                      <a:round/>
-                      <a:headEnd type="none" w="med" len="med"/>
-                      <a:tailEnd type="none" w="med" len="med"/>
-                    </a:lnR>
-                    <a:lnT w="12700" cmpd="sng">
-                      <a:noFill/>
-                    </a:lnT>
-                    <a:lnB w="12700" cmpd="sng">
-                      <a:noFill/>
-                    </a:lnB>
-                    <a:lnTlToBr w="12700" cmpd="sng">
-                      <a:noFill/>
-                      <a:prstDash val="solid"/>
-                    </a:lnTlToBr>
-                    <a:lnBlToTr w="12700" cmpd="sng">
-                      <a:noFill/>
-                      <a:prstDash val="solid"/>
-                    </a:lnBlToTr>
-                    <a:noFill/>
-                  </a:tcPr>
-                </a:tc>
-                <a:tc>
-                  <a:txBody>
-                    <a:bodyPr/>
-                    <a:lstStyle/>
-                    <a:p>
-                      <a:endParaRPr lang="de-CH" dirty="0"/>
-                    </a:p>
-                  </a:txBody>
-                  <a:tcPr>
-                    <a:lnL w="12700" cap="flat" cmpd="sng" algn="ctr">
-                      <a:solidFill>
-                        <a:schemeClr val="tx1"/>
-                      </a:solidFill>
-                      <a:prstDash val="sysDash"/>
-                      <a:round/>
-                      <a:headEnd type="none" w="med" len="med"/>
-                      <a:tailEnd type="none" w="med" len="med"/>
-                    </a:lnL>
-                    <a:lnR w="12700" cap="flat" cmpd="sng" algn="ctr">
-                      <a:noFill/>
-                      <a:prstDash val="sysDash"/>
-                      <a:round/>
-                      <a:headEnd type="none" w="med" len="med"/>
-                      <a:tailEnd type="none" w="med" len="med"/>
-                    </a:lnR>
-                    <a:lnT w="12700" cmpd="sng">
-                      <a:noFill/>
-                    </a:lnT>
-                    <a:lnB w="12700" cmpd="sng">
-                      <a:noFill/>
-                    </a:lnB>
-                    <a:lnTlToBr w="12700" cmpd="sng">
-                      <a:noFill/>
-                      <a:prstDash val="solid"/>
-                    </a:lnTlToBr>
-                    <a:lnBlToTr w="12700" cmpd="sng">
-                      <a:noFill/>
-                      <a:prstDash val="solid"/>
-                    </a:lnBlToTr>
-                    <a:noFill/>
-                  </a:tcPr>
-                </a:tc>
-                <a:tc>
-                  <a:txBody>
-                    <a:bodyPr/>
-                    <a:lstStyle/>
-                    <a:p>
-                      <a:endParaRPr lang="de-CH" dirty="0"/>
-                    </a:p>
-                  </a:txBody>
-                  <a:tcPr>
-                    <a:lnL w="12700" cap="flat" cmpd="sng" algn="ctr">
-                      <a:noFill/>
-                      <a:prstDash val="sysDash"/>
-                      <a:round/>
-                      <a:headEnd type="none" w="med" len="med"/>
-                      <a:tailEnd type="none" w="med" len="med"/>
-                    </a:lnL>
-                    <a:lnR w="12700" cap="flat" cmpd="sng" algn="ctr">
-                      <a:solidFill>
-                        <a:schemeClr val="tx1"/>
-                      </a:solidFill>
-                      <a:prstDash val="solid"/>
-                      <a:round/>
-                      <a:headEnd type="none" w="med" len="med"/>
-                      <a:tailEnd type="none" w="med" len="med"/>
-                    </a:lnR>
-                    <a:lnT w="12700" cmpd="sng">
-                      <a:noFill/>
-                    </a:lnT>
-                    <a:lnB w="12700" cmpd="sng">
-                      <a:noFill/>
-                    </a:lnB>
-                    <a:lnTlToBr w="12700" cmpd="sng">
-                      <a:noFill/>
-                      <a:prstDash val="solid"/>
-                    </a:lnTlToBr>
-                    <a:lnBlToTr w="12700" cmpd="sng">
-                      <a:noFill/>
-                      <a:prstDash val="solid"/>
-                    </a:lnBlToTr>
-                    <a:noFill/>
-                  </a:tcPr>
-                </a:tc>
-                <a:tc gridSpan="2">
-                  <a:txBody>
-                    <a:bodyPr/>
-                    <a:lstStyle/>
-                    <a:p>
-                      <a:endParaRPr lang="de-CH" dirty="0"/>
-                    </a:p>
-                  </a:txBody>
-                  <a:tcPr>
-                    <a:lnL w="12700" cap="flat" cmpd="sng" algn="ctr">
-                      <a:solidFill>
-                        <a:schemeClr val="tx1"/>
-                      </a:solidFill>
-                      <a:prstDash val="solid"/>
-                      <a:round/>
-                      <a:headEnd type="none" w="med" len="med"/>
-                      <a:tailEnd type="none" w="med" len="med"/>
-                    </a:lnL>
-                    <a:lnR w="12700" cap="flat" cmpd="sng" algn="ctr">
-                      <a:noFill/>
-                      <a:prstDash val="sysDash"/>
-                      <a:round/>
-                      <a:headEnd type="none" w="med" len="med"/>
-                      <a:tailEnd type="none" w="med" len="med"/>
-                    </a:lnR>
-                    <a:lnT w="12700" cmpd="sng">
-                      <a:noFill/>
-                    </a:lnT>
-                    <a:lnB w="12700" cmpd="sng">
-                      <a:noFill/>
-                    </a:lnB>
-                    <a:lnTlToBr w="12700" cmpd="sng">
-                      <a:noFill/>
-                      <a:prstDash val="solid"/>
-                    </a:lnTlToBr>
-                    <a:lnBlToTr w="12700" cmpd="sng">
-                      <a:noFill/>
-                      <a:prstDash val="solid"/>
-                    </a:lnBlToTr>
-                    <a:noFill/>
-                  </a:tcPr>
-                </a:tc>
-                <a:tc hMerge="1">
-                  <a:txBody>
-                    <a:bodyPr/>
-                    <a:lstStyle/>
-                    <a:p>
-                      <a:endParaRPr lang="de-CH"/>
-                    </a:p>
-                  </a:txBody>
-                  <a:tcPr/>
+                      <a:noFill/>
+                      <a:prstDash val="solid"/>
+                      <a:round/>
+                      <a:headEnd type="none" w="med" len="med"/>
+                      <a:tailEnd type="none" w="med" len="med"/>
+                    </a:lnL>
+                    <a:lnR w="12700" cap="flat" cmpd="sng" algn="ctr">
+                      <a:noFill/>
+                      <a:prstDash val="solid"/>
+                      <a:round/>
+                      <a:headEnd type="none" w="med" len="med"/>
+                      <a:tailEnd type="none" w="med" len="med"/>
+                    </a:lnR>
+                    <a:lnT w="12700" cap="flat" cmpd="sng" algn="ctr">
+                      <a:noFill/>
+                      <a:prstDash val="solid"/>
+                      <a:round/>
+                      <a:headEnd type="none" w="med" len="med"/>
+                      <a:tailEnd type="none" w="med" len="med"/>
+                    </a:lnT>
+                    <a:lnB w="12700" cap="flat" cmpd="sng" algn="ctr">
+                      <a:noFill/>
+                      <a:prstDash val="solid"/>
+                      <a:round/>
+                      <a:headEnd type="none" w="med" len="med"/>
+                      <a:tailEnd type="none" w="med" len="med"/>
+                    </a:lnB>
+                    <a:lnTlToBr w="12700" cmpd="sng">
+                      <a:noFill/>
+                      <a:prstDash val="solid"/>
+                    </a:lnTlToBr>
+                    <a:lnBlToTr w="12700" cmpd="sng">
+                      <a:noFill/>
+                      <a:prstDash val="solid"/>
+                    </a:lnBlToTr>
+                    <a:noFill/>
+                  </a:tcPr>
                 </a:tc>
               </a:tr>
               <a:tr h="0">
@@ -7603,7 +8462,7 @@
                       <a:solidFill>
                         <a:schemeClr val="tx1"/>
                       </a:solidFill>
-                      <a:prstDash val="sysDash"/>
+                      <a:prstDash val="solid"/>
                       <a:round/>
                       <a:headEnd type="none" w="med" len="med"/>
                       <a:tailEnd type="none" w="med" len="med"/>
@@ -7654,74 +8513,14 @@
                       <a:solidFill>
                         <a:schemeClr val="tx1"/>
                       </a:solidFill>
-                      <a:prstDash val="sysDash"/>
-                      <a:round/>
-                      <a:headEnd type="none" w="med" len="med"/>
-                      <a:tailEnd type="none" w="med" len="med"/>
-                    </a:lnL>
-                    <a:lnR w="12700" cap="flat" cmpd="sng" algn="ctr">
-                      <a:solidFill>
-                        <a:schemeClr val="tx1"/>
-                      </a:solidFill>
-                      <a:prstDash val="solid"/>
-                      <a:round/>
-                      <a:headEnd type="none" w="med" len="med"/>
-                      <a:tailEnd type="none" w="med" len="med"/>
-                    </a:lnR>
-                    <a:lnT w="12700" cmpd="sng">
-                      <a:noFill/>
-                    </a:lnT>
-                    <a:lnB w="12700" cap="flat" cmpd="sng" algn="ctr">
-                      <a:solidFill>
-                        <a:schemeClr val="tx1"/>
-                      </a:solidFill>
-                      <a:prstDash val="solid"/>
-                      <a:round/>
-                      <a:headEnd type="none" w="med" len="med"/>
-                      <a:tailEnd type="none" w="med" len="med"/>
-                    </a:lnB>
-                    <a:lnTlToBr w="12700" cmpd="sng">
-                      <a:noFill/>
-                      <a:prstDash val="solid"/>
-                    </a:lnTlToBr>
-                    <a:lnBlToTr w="12700" cmpd="sng">
-                      <a:noFill/>
-                      <a:prstDash val="solid"/>
-                    </a:lnBlToTr>
-                    <a:noFill/>
-                  </a:tcPr>
-                </a:tc>
-                <a:tc hMerge="1">
-                  <a:txBody>
-                    <a:bodyPr/>
-                    <a:lstStyle/>
-                    <a:p>
-                      <a:endParaRPr lang="de-CH"/>
-                    </a:p>
-                  </a:txBody>
-                  <a:tcPr/>
-                </a:tc>
-                <a:tc gridSpan="2">
-                  <a:txBody>
-                    <a:bodyPr/>
-                    <a:lstStyle/>
-                    <a:p>
-                      <a:endParaRPr lang="de-CH" sz="100" dirty="0"/>
-                    </a:p>
-                  </a:txBody>
-                  <a:tcPr>
-                    <a:lnL w="12700" cap="flat" cmpd="sng" algn="ctr">
-                      <a:solidFill>
-                        <a:schemeClr val="tx1"/>
-                      </a:solidFill>
-                      <a:prstDash val="solid"/>
-                      <a:round/>
-                      <a:headEnd type="none" w="med" len="med"/>
-                      <a:tailEnd type="none" w="med" len="med"/>
-                    </a:lnL>
-                    <a:lnR w="12700" cap="flat" cmpd="sng" algn="ctr">
-                      <a:noFill/>
-                      <a:prstDash val="sysDash"/>
+                      <a:prstDash val="solid"/>
+                      <a:round/>
+                      <a:headEnd type="none" w="med" len="med"/>
+                      <a:tailEnd type="none" w="med" len="med"/>
+                    </a:lnL>
+                    <a:lnR w="12700" cap="flat" cmpd="sng" algn="ctr">
+                      <a:noFill/>
+                      <a:prstDash val="solid"/>
                       <a:round/>
                       <a:headEnd type="none" w="med" len="med"/>
                       <a:tailEnd type="none" w="med" len="med"/>
@@ -8144,111 +8943,6 @@
                       <a:r>
                         <a:rPr lang="de-CH" sz="1200" dirty="0" smtClean="0"/>
                         <a:t>2017</a:t>
-                      </a:r>
-                      <a:endParaRPr lang="de-CH" sz="1200" dirty="0"/>
-                    </a:p>
-                  </a:txBody>
-                  <a:tcPr>
-                    <a:lnL w="12700" cap="flat" cmpd="sng" algn="ctr">
-                      <a:noFill/>
-                      <a:prstDash val="sysDash"/>
-                      <a:round/>
-                      <a:headEnd type="none" w="med" len="med"/>
-                      <a:tailEnd type="none" w="med" len="med"/>
-                    </a:lnL>
-                    <a:lnR w="12700" cap="flat" cmpd="sng" algn="ctr">
-                      <a:noFill/>
-                      <a:prstDash val="sysDash"/>
-                      <a:round/>
-                      <a:headEnd type="none" w="med" len="med"/>
-                      <a:tailEnd type="none" w="med" len="med"/>
-                    </a:lnR>
-                    <a:lnT w="12700" cap="flat" cmpd="sng" algn="ctr">
-                      <a:solidFill>
-                        <a:schemeClr val="tx1"/>
-                      </a:solidFill>
-                      <a:prstDash val="solid"/>
-                      <a:round/>
-                      <a:headEnd type="none" w="med" len="med"/>
-                      <a:tailEnd type="none" w="med" len="med"/>
-                    </a:lnT>
-                    <a:lnB w="12700" cap="flat" cmpd="sng" algn="ctr">
-                      <a:noFill/>
-                      <a:prstDash val="solid"/>
-                      <a:round/>
-                      <a:headEnd type="none" w="med" len="med"/>
-                      <a:tailEnd type="none" w="med" len="med"/>
-                    </a:lnB>
-                    <a:lnTlToBr w="12700" cmpd="sng">
-                      <a:noFill/>
-                      <a:prstDash val="solid"/>
-                    </a:lnTlToBr>
-                    <a:lnBlToTr w="12700" cmpd="sng">
-                      <a:noFill/>
-                      <a:prstDash val="solid"/>
-                    </a:lnBlToTr>
-                    <a:noFill/>
-                  </a:tcPr>
-                </a:tc>
-                <a:tc hMerge="1">
-                  <a:txBody>
-                    <a:bodyPr/>
-                    <a:lstStyle/>
-                    <a:p>
-                      <a:endParaRPr lang="de-CH" sz="100" dirty="0"/>
-                    </a:p>
-                  </a:txBody>
-                  <a:tcPr>
-                    <a:lnL w="12700" cap="flat" cmpd="sng" algn="ctr">
-                      <a:solidFill>
-                        <a:schemeClr val="tx1"/>
-                      </a:solidFill>
-                      <a:prstDash val="sysDash"/>
-                      <a:round/>
-                      <a:headEnd type="none" w="med" len="med"/>
-                      <a:tailEnd type="none" w="med" len="med"/>
-                    </a:lnL>
-                    <a:lnR w="12700" cap="flat" cmpd="sng" algn="ctr">
-                      <a:solidFill>
-                        <a:schemeClr val="tx1"/>
-                      </a:solidFill>
-                      <a:prstDash val="sysDash"/>
-                      <a:round/>
-                      <a:headEnd type="none" w="med" len="med"/>
-                      <a:tailEnd type="none" w="med" len="med"/>
-                    </a:lnR>
-                    <a:lnT w="12700" cmpd="sng">
-                      <a:noFill/>
-                    </a:lnT>
-                    <a:lnB w="12700" cap="flat" cmpd="sng" algn="ctr">
-                      <a:solidFill>
-                        <a:schemeClr val="tx1"/>
-                      </a:solidFill>
-                      <a:prstDash val="solid"/>
-                      <a:round/>
-                      <a:headEnd type="none" w="med" len="med"/>
-                      <a:tailEnd type="none" w="med" len="med"/>
-                    </a:lnB>
-                    <a:lnTlToBr w="12700" cmpd="sng">
-                      <a:noFill/>
-                      <a:prstDash val="solid"/>
-                    </a:lnTlToBr>
-                    <a:lnBlToTr w="12700" cmpd="sng">
-                      <a:noFill/>
-                      <a:prstDash val="solid"/>
-                    </a:lnBlToTr>
-                    <a:noFill/>
-                  </a:tcPr>
-                </a:tc>
-                <a:tc gridSpan="2">
-                  <a:txBody>
-                    <a:bodyPr/>
-                    <a:lstStyle/>
-                    <a:p>
-                      <a:pPr algn="ctr"/>
-                      <a:r>
-                        <a:rPr lang="de-CH" sz="1200" dirty="0" smtClean="0"/>
-                        <a:t>2018</a:t>
                       </a:r>
                       <a:endParaRPr lang="de-CH" sz="1200" dirty="0"/>
                     </a:p>
